--- a/lectures/FINN 6216 Lecture 6.pptx
+++ b/lectures/FINN 6216 Lecture 6.pptx
@@ -385,7 +385,7 @@
           <a:p>
             <a:fld id="{001365ED-DDAD-4A41-8584-38E4367E0961}" type="datetimeFigureOut">
               <a:rPr lang="en-US" smtClean="0"/>
-              <a:t>4/4/2016</a:t>
+              <a:t>4/5/18</a:t>
             </a:fld>
             <a:endParaRPr lang="en-US"/>
           </a:p>
@@ -555,7 +555,7 @@
           <a:p>
             <a:fld id="{001365ED-DDAD-4A41-8584-38E4367E0961}" type="datetimeFigureOut">
               <a:rPr lang="en-US" smtClean="0"/>
-              <a:t>4/4/2016</a:t>
+              <a:t>4/5/18</a:t>
             </a:fld>
             <a:endParaRPr lang="en-US"/>
           </a:p>
@@ -735,7 +735,7 @@
           <a:p>
             <a:fld id="{001365ED-DDAD-4A41-8584-38E4367E0961}" type="datetimeFigureOut">
               <a:rPr lang="en-US" smtClean="0"/>
-              <a:t>4/4/2016</a:t>
+              <a:t>4/5/18</a:t>
             </a:fld>
             <a:endParaRPr lang="en-US"/>
           </a:p>
@@ -905,7 +905,7 @@
           <a:p>
             <a:fld id="{001365ED-DDAD-4A41-8584-38E4367E0961}" type="datetimeFigureOut">
               <a:rPr lang="en-US" smtClean="0"/>
-              <a:t>4/4/2016</a:t>
+              <a:t>4/5/18</a:t>
             </a:fld>
             <a:endParaRPr lang="en-US"/>
           </a:p>
@@ -1151,7 +1151,7 @@
           <a:p>
             <a:fld id="{001365ED-DDAD-4A41-8584-38E4367E0961}" type="datetimeFigureOut">
               <a:rPr lang="en-US" smtClean="0"/>
-              <a:t>4/4/2016</a:t>
+              <a:t>4/5/18</a:t>
             </a:fld>
             <a:endParaRPr lang="en-US"/>
           </a:p>
@@ -1439,7 +1439,7 @@
           <a:p>
             <a:fld id="{001365ED-DDAD-4A41-8584-38E4367E0961}" type="datetimeFigureOut">
               <a:rPr lang="en-US" smtClean="0"/>
-              <a:t>4/4/2016</a:t>
+              <a:t>4/5/18</a:t>
             </a:fld>
             <a:endParaRPr lang="en-US"/>
           </a:p>
@@ -1861,7 +1861,7 @@
           <a:p>
             <a:fld id="{001365ED-DDAD-4A41-8584-38E4367E0961}" type="datetimeFigureOut">
               <a:rPr lang="en-US" smtClean="0"/>
-              <a:t>4/4/2016</a:t>
+              <a:t>4/5/18</a:t>
             </a:fld>
             <a:endParaRPr lang="en-US"/>
           </a:p>
@@ -1979,7 +1979,7 @@
           <a:p>
             <a:fld id="{001365ED-DDAD-4A41-8584-38E4367E0961}" type="datetimeFigureOut">
               <a:rPr lang="en-US" smtClean="0"/>
-              <a:t>4/4/2016</a:t>
+              <a:t>4/5/18</a:t>
             </a:fld>
             <a:endParaRPr lang="en-US"/>
           </a:p>
@@ -2074,7 +2074,7 @@
           <a:p>
             <a:fld id="{001365ED-DDAD-4A41-8584-38E4367E0961}" type="datetimeFigureOut">
               <a:rPr lang="en-US" smtClean="0"/>
-              <a:t>4/4/2016</a:t>
+              <a:t>4/5/18</a:t>
             </a:fld>
             <a:endParaRPr lang="en-US"/>
           </a:p>
@@ -2351,7 +2351,7 @@
           <a:p>
             <a:fld id="{001365ED-DDAD-4A41-8584-38E4367E0961}" type="datetimeFigureOut">
               <a:rPr lang="en-US" smtClean="0"/>
-              <a:t>4/4/2016</a:t>
+              <a:t>4/5/18</a:t>
             </a:fld>
             <a:endParaRPr lang="en-US"/>
           </a:p>
@@ -2604,7 +2604,7 @@
           <a:p>
             <a:fld id="{001365ED-DDAD-4A41-8584-38E4367E0961}" type="datetimeFigureOut">
               <a:rPr lang="en-US" smtClean="0"/>
-              <a:t>4/4/2016</a:t>
+              <a:t>4/5/18</a:t>
             </a:fld>
             <a:endParaRPr lang="en-US"/>
           </a:p>
@@ -2817,7 +2817,7 @@
           <a:p>
             <a:fld id="{001365ED-DDAD-4A41-8584-38E4367E0961}" type="datetimeFigureOut">
               <a:rPr lang="en-US" smtClean="0"/>
-              <a:t>4/4/2016</a:t>
+              <a:t>4/5/18</a:t>
             </a:fld>
             <a:endParaRPr lang="en-US"/>
           </a:p>
@@ -3328,7 +3328,7 @@
                         <m:sSubPr>
                           <m:ctrlPr>
                             <a:rPr lang="en-US" b="0" i="1" smtClean="0">
-                              <a:latin typeface="Cambria Math" panose="02040503050406030204" pitchFamily="18" charset="0"/>
+                              <a:latin typeface="Cambria Math" charset="0"/>
                             </a:rPr>
                           </m:ctrlPr>
                         </m:sSubPr>
@@ -3359,7 +3359,7 @@
                         <m:sSubPr>
                           <m:ctrlPr>
                             <a:rPr lang="en-US" b="0" i="1" smtClean="0">
-                              <a:latin typeface="Cambria Math" panose="02040503050406030204" pitchFamily="18" charset="0"/>
+                              <a:latin typeface="Cambria Math" charset="0"/>
                             </a:rPr>
                           </m:ctrlPr>
                         </m:sSubPr>
@@ -3390,7 +3390,7 @@
                         <m:dPr>
                           <m:ctrlPr>
                             <a:rPr lang="en-US" b="0" i="1" smtClean="0">
-                              <a:latin typeface="Cambria Math" panose="02040503050406030204" pitchFamily="18" charset="0"/>
+                              <a:latin typeface="Cambria Math" charset="0"/>
                             </a:rPr>
                           </m:ctrlPr>
                         </m:dPr>
@@ -3399,7 +3399,7 @@
                             <m:sSubPr>
                               <m:ctrlPr>
                                 <a:rPr lang="en-US" b="0" i="1" smtClean="0">
-                                  <a:latin typeface="Cambria Math" panose="02040503050406030204" pitchFamily="18" charset="0"/>
+                                  <a:latin typeface="Cambria Math" charset="0"/>
                                 </a:rPr>
                               </m:ctrlPr>
                             </m:sSubPr>
@@ -3444,7 +3444,7 @@
                         <m:sSupPr>
                           <m:ctrlPr>
                             <a:rPr lang="en-US" b="0" i="1" smtClean="0">
-                              <a:latin typeface="Cambria Math" panose="02040503050406030204" pitchFamily="18" charset="0"/>
+                              <a:latin typeface="Cambria Math" charset="0"/>
                             </a:rPr>
                           </m:ctrlPr>
                         </m:sSupPr>
@@ -3473,7 +3473,7 @@
                             <m:dPr>
                               <m:ctrlPr>
                                 <a:rPr lang="en-US" b="0" i="1" smtClean="0">
-                                  <a:latin typeface="Cambria Math" panose="02040503050406030204" pitchFamily="18" charset="0"/>
+                                  <a:latin typeface="Cambria Math" charset="0"/>
                                 </a:rPr>
                               </m:ctrlPr>
                             </m:dPr>
@@ -3516,7 +3516,7 @@
                         <m:sSubPr>
                           <m:ctrlPr>
                             <a:rPr lang="en-US" b="0" i="1" smtClean="0">
-                              <a:latin typeface="Cambria Math" panose="02040503050406030204" pitchFamily="18" charset="0"/>
+                              <a:latin typeface="Cambria Math" charset="0"/>
                             </a:rPr>
                           </m:ctrlPr>
                         </m:sSubPr>
@@ -3568,7 +3568,7 @@
                         <m:sSubPr>
                           <m:ctrlPr>
                             <a:rPr lang="en-US" b="0" i="1" smtClean="0">
-                              <a:latin typeface="Cambria Math" panose="02040503050406030204" pitchFamily="18" charset="0"/>
+                              <a:latin typeface="Cambria Math" charset="0"/>
                             </a:rPr>
                           </m:ctrlPr>
                         </m:sSubPr>
@@ -3605,7 +3605,7 @@
                         <m:fPr>
                           <m:ctrlPr>
                             <a:rPr lang="en-US" b="0" i="1" smtClean="0">
-                              <a:latin typeface="Cambria Math" panose="02040503050406030204" pitchFamily="18" charset="0"/>
+                              <a:latin typeface="Cambria Math" charset="0"/>
                             </a:rPr>
                           </m:ctrlPr>
                         </m:fPr>
@@ -3614,7 +3614,7 @@
                             <m:funcPr>
                               <m:ctrlPr>
                                 <a:rPr lang="en-US" b="0" i="1" smtClean="0">
-                                  <a:latin typeface="Cambria Math" panose="02040503050406030204" pitchFamily="18" charset="0"/>
+                                  <a:latin typeface="Cambria Math" charset="0"/>
                                 </a:rPr>
                               </m:ctrlPr>
                             </m:funcPr>
@@ -3634,7 +3634,7 @@
                                 <m:dPr>
                                   <m:ctrlPr>
                                     <a:rPr lang="en-US" b="0" i="1" smtClean="0">
-                                      <a:latin typeface="Cambria Math" panose="02040503050406030204" pitchFamily="18" charset="0"/>
+                                      <a:latin typeface="Cambria Math" charset="0"/>
                                     </a:rPr>
                                   </m:ctrlPr>
                                 </m:dPr>
@@ -3644,7 +3644,7 @@
                                       <m:type m:val="lin"/>
                                       <m:ctrlPr>
                                         <a:rPr lang="en-US" b="0" i="1" smtClean="0">
-                                          <a:latin typeface="Cambria Math" panose="02040503050406030204" pitchFamily="18" charset="0"/>
+                                          <a:latin typeface="Cambria Math" charset="0"/>
                                         </a:rPr>
                                       </m:ctrlPr>
                                     </m:fPr>
@@ -3653,7 +3653,7 @@
                                         <m:sSubPr>
                                           <m:ctrlPr>
                                             <a:rPr lang="en-US" b="0" i="1" smtClean="0">
-                                              <a:latin typeface="Cambria Math" panose="02040503050406030204" pitchFamily="18" charset="0"/>
+                                              <a:latin typeface="Cambria Math" charset="0"/>
                                             </a:rPr>
                                           </m:ctrlPr>
                                         </m:sSubPr>
@@ -3700,7 +3700,7 @@
                                     <m:dPr>
                                       <m:ctrlPr>
                                         <a:rPr lang="en-US" b="0" i="1" smtClean="0">
-                                          <a:latin typeface="Cambria Math" panose="02040503050406030204" pitchFamily="18" charset="0"/>
+                                          <a:latin typeface="Cambria Math" charset="0"/>
                                         </a:rPr>
                                       </m:ctrlPr>
                                     </m:dPr>
@@ -3722,7 +3722,7 @@
                                           <m:type m:val="lin"/>
                                           <m:ctrlPr>
                                             <a:rPr lang="en-US" b="0" i="1" smtClean="0">
-                                              <a:latin typeface="Cambria Math" panose="02040503050406030204" pitchFamily="18" charset="0"/>
+                                              <a:latin typeface="Cambria Math" charset="0"/>
                                             </a:rPr>
                                           </m:ctrlPr>
                                         </m:fPr>
@@ -3731,7 +3731,7 @@
                                             <m:sSubSupPr>
                                               <m:ctrlPr>
                                                 <a:rPr lang="en-US" b="0" i="1" smtClean="0">
-                                                  <a:latin typeface="Cambria Math" panose="02040503050406030204" pitchFamily="18" charset="0"/>
+                                                  <a:latin typeface="Cambria Math" charset="0"/>
                                                 </a:rPr>
                                               </m:ctrlPr>
                                             </m:sSubSupPr>
@@ -3776,7 +3776,7 @@
                                     <m:dPr>
                                       <m:ctrlPr>
                                         <a:rPr lang="en-US" b="0" i="1" smtClean="0">
-                                          <a:latin typeface="Cambria Math" panose="02040503050406030204" pitchFamily="18" charset="0"/>
+                                          <a:latin typeface="Cambria Math" charset="0"/>
                                         </a:rPr>
                                       </m:ctrlPr>
                                     </m:dPr>
@@ -3811,7 +3811,7 @@
                             <m:sSubPr>
                               <m:ctrlPr>
                                 <a:rPr lang="en-US" b="0" i="1" smtClean="0">
-                                  <a:latin typeface="Cambria Math" panose="02040503050406030204" pitchFamily="18" charset="0"/>
+                                  <a:latin typeface="Cambria Math" charset="0"/>
                                 </a:rPr>
                               </m:ctrlPr>
                             </m:sSubPr>
@@ -3837,7 +3837,7 @@
                               <m:degHide m:val="on"/>
                               <m:ctrlPr>
                                 <a:rPr lang="en-US" b="0" i="1" smtClean="0">
-                                  <a:latin typeface="Cambria Math" panose="02040503050406030204" pitchFamily="18" charset="0"/>
+                                  <a:latin typeface="Cambria Math" charset="0"/>
                                 </a:rPr>
                               </m:ctrlPr>
                             </m:radPr>
@@ -3884,7 +3884,7 @@
                         <m:sSubPr>
                           <m:ctrlPr>
                             <a:rPr lang="en-US" b="0" i="1" smtClean="0">
-                              <a:latin typeface="Cambria Math" panose="02040503050406030204" pitchFamily="18" charset="0"/>
+                              <a:latin typeface="Cambria Math" charset="0"/>
                             </a:rPr>
                           </m:ctrlPr>
                         </m:sSubPr>
@@ -3921,7 +3921,7 @@
                         <m:sSubPr>
                           <m:ctrlPr>
                             <a:rPr lang="en-US" b="0" i="1" smtClean="0">
-                              <a:latin typeface="Cambria Math" panose="02040503050406030204" pitchFamily="18" charset="0"/>
+                              <a:latin typeface="Cambria Math" charset="0"/>
                             </a:rPr>
                           </m:ctrlPr>
                         </m:sSubPr>
@@ -3958,7 +3958,7 @@
                         <m:sSubPr>
                           <m:ctrlPr>
                             <a:rPr lang="en-US" b="0" i="1" smtClean="0">
-                              <a:latin typeface="Cambria Math" panose="02040503050406030204" pitchFamily="18" charset="0"/>
+                              <a:latin typeface="Cambria Math" charset="0"/>
                             </a:rPr>
                           </m:ctrlPr>
                         </m:sSubPr>
@@ -3984,7 +3984,7 @@
                           <m:degHide m:val="on"/>
                           <m:ctrlPr>
                             <a:rPr lang="en-US" b="0" i="1" smtClean="0">
-                              <a:latin typeface="Cambria Math" panose="02040503050406030204" pitchFamily="18" charset="0"/>
+                              <a:latin typeface="Cambria Math" charset="0"/>
                             </a:rPr>
                           </m:ctrlPr>
                         </m:radPr>
@@ -4052,7 +4052,7 @@
                         <m:sSubPr>
                           <m:ctrlPr>
                             <a:rPr lang="en-US" b="0" i="1" smtClean="0">
-                              <a:latin typeface="Cambria Math" panose="02040503050406030204" pitchFamily="18" charset="0"/>
+                              <a:latin typeface="Cambria Math" charset="0"/>
                             </a:rPr>
                           </m:ctrlPr>
                         </m:sSubPr>
@@ -4083,7 +4083,7 @@
                         <m:sSupPr>
                           <m:ctrlPr>
                             <a:rPr lang="en-US" b="0" i="1" smtClean="0">
-                              <a:latin typeface="Cambria Math" panose="02040503050406030204" pitchFamily="18" charset="0"/>
+                              <a:latin typeface="Cambria Math" charset="0"/>
                             </a:rPr>
                           </m:ctrlPr>
                         </m:sSupPr>
@@ -4126,7 +4126,7 @@
                         <m:sSubPr>
                           <m:ctrlPr>
                             <a:rPr lang="en-US" b="0" i="1" smtClean="0">
-                              <a:latin typeface="Cambria Math" panose="02040503050406030204" pitchFamily="18" charset="0"/>
+                              <a:latin typeface="Cambria Math" charset="0"/>
                             </a:rPr>
                           </m:ctrlPr>
                         </m:sSubPr>
@@ -4169,7 +4169,7 @@
                         <m:sSubPr>
                           <m:ctrlPr>
                             <a:rPr lang="en-US" b="0" i="1" smtClean="0">
-                              <a:latin typeface="Cambria Math" panose="02040503050406030204" pitchFamily="18" charset="0"/>
+                              <a:latin typeface="Cambria Math" charset="0"/>
                             </a:rPr>
                           </m:ctrlPr>
                         </m:sSubPr>
@@ -4315,8 +4315,8 @@
           </a:p>
         </p:txBody>
       </p:sp>
-      <mc:AlternateContent xmlns:mc="http://schemas.openxmlformats.org/markup-compatibility/2006" xmlns:a14="http://schemas.microsoft.com/office/drawing/2010/main">
-        <mc:Choice Requires="a14">
+      <mc:AlternateContent xmlns:mc="http://schemas.openxmlformats.org/markup-compatibility/2006">
+        <mc:Choice xmlns:a14="http://schemas.microsoft.com/office/drawing/2010/main" Requires="a14">
           <p:sp>
             <p:nvSpPr>
               <p:cNvPr id="3" name="Content Placeholder 2"/>
@@ -4363,7 +4363,7 @@
                         <m:sSubPr>
                           <m:ctrlPr>
                             <a:rPr lang="en-US" b="0" i="1" smtClean="0">
-                              <a:latin typeface="Cambria Math" panose="02040503050406030204" pitchFamily="18" charset="0"/>
+                              <a:latin typeface="Cambria Math" charset="0"/>
                             </a:rPr>
                           </m:ctrlPr>
                         </m:sSubPr>
@@ -4400,7 +4400,7 @@
                         <m:sSupPr>
                           <m:ctrlPr>
                             <a:rPr lang="en-US" b="0" i="1" smtClean="0">
-                              <a:latin typeface="Cambria Math" panose="02040503050406030204" pitchFamily="18" charset="0"/>
+                              <a:latin typeface="Cambria Math" charset="0"/>
                             </a:rPr>
                           </m:ctrlPr>
                         </m:sSupPr>
@@ -4429,16 +4429,16 @@
                             <m:dPr>
                               <m:ctrlPr>
                                 <a:rPr lang="en-US" b="0" i="1" smtClean="0">
-                                  <a:latin typeface="Cambria Math" panose="02040503050406030204" pitchFamily="18" charset="0"/>
+                                  <a:latin typeface="Cambria Math" charset="0"/>
                                 </a:rPr>
                               </m:ctrlPr>
                             </m:dPr>
                             <m:e>
                               <m:r>
                                 <a:rPr lang="en-US" b="0" i="1" smtClean="0">
-                                  <a:latin typeface="Cambria Math"/>
-                                </a:rPr>
-                                <m:t>𝑡</m:t>
+                                  <a:latin typeface="Cambria Math" charset="0"/>
+                                </a:rPr>
+                                <m:t>𝑇</m:t>
                               </m:r>
                               <m:r>
                                 <a:rPr lang="en-US" b="0" i="1" smtClean="0">
@@ -4466,7 +4466,7 @@
                         <m:sSupPr>
                           <m:ctrlPr>
                             <a:rPr lang="en-US" b="0" i="1" smtClean="0">
-                              <a:latin typeface="Cambria Math" panose="02040503050406030204" pitchFamily="18" charset="0"/>
+                              <a:latin typeface="Cambria Math" charset="0"/>
                             </a:rPr>
                           </m:ctrlPr>
                         </m:sSupPr>
@@ -4509,7 +4509,7 @@
                         <m:sSubPr>
                           <m:ctrlPr>
                             <a:rPr lang="en-US" b="0" i="1" smtClean="0">
-                              <a:latin typeface="Cambria Math" panose="02040503050406030204" pitchFamily="18" charset="0"/>
+                              <a:latin typeface="Cambria Math" charset="0"/>
                             </a:rPr>
                           </m:ctrlPr>
                         </m:sSubPr>
@@ -4552,7 +4552,7 @@
                         <m:sSubPr>
                           <m:ctrlPr>
                             <a:rPr lang="en-US" b="0" i="1" smtClean="0">
-                              <a:latin typeface="Cambria Math" panose="02040503050406030204" pitchFamily="18" charset="0"/>
+                              <a:latin typeface="Cambria Math" charset="0"/>
                             </a:rPr>
                           </m:ctrlPr>
                         </m:sSubPr>
@@ -4622,7 +4622,7 @@
                         <m:sSupPr>
                           <m:ctrlPr>
                             <a:rPr lang="en-US" b="0" i="1" smtClean="0">
-                              <a:latin typeface="Cambria Math" panose="02040503050406030204" pitchFamily="18" charset="0"/>
+                              <a:latin typeface="Cambria Math" charset="0"/>
                             </a:rPr>
                           </m:ctrlPr>
                         </m:sSupPr>
@@ -4647,7 +4647,7 @@
                         <m:dPr>
                           <m:ctrlPr>
                             <a:rPr lang="en-US" b="0" i="1" smtClean="0">
-                              <a:latin typeface="Cambria Math" panose="02040503050406030204" pitchFamily="18" charset="0"/>
+                              <a:latin typeface="Cambria Math" charset="0"/>
                             </a:rPr>
                           </m:ctrlPr>
                         </m:dPr>
@@ -4668,7 +4668,7 @@
                             <m:sSubPr>
                               <m:ctrlPr>
                                 <a:rPr lang="en-US" i="1">
-                                  <a:latin typeface="Cambria Math" panose="02040503050406030204" pitchFamily="18" charset="0"/>
+                                  <a:latin typeface="Cambria Math" charset="0"/>
                                 </a:rPr>
                               </m:ctrlPr>
                             </m:sSubPr>
@@ -4711,7 +4711,7 @@
                             <m:sSubPr>
                               <m:ctrlPr>
                                 <a:rPr lang="en-US" i="1">
-                                  <a:latin typeface="Cambria Math" panose="02040503050406030204" pitchFamily="18" charset="0"/>
+                                  <a:latin typeface="Cambria Math" charset="0"/>
                                 </a:rPr>
                               </m:ctrlPr>
                             </m:sSubPr>
@@ -4774,7 +4774,7 @@
                         <m:sSupPr>
                           <m:ctrlPr>
                             <a:rPr lang="en-US" b="0" i="1" smtClean="0">
-                              <a:latin typeface="Cambria Math" panose="02040503050406030204" pitchFamily="18" charset="0"/>
+                              <a:latin typeface="Cambria Math" charset="0"/>
                             </a:rPr>
                           </m:ctrlPr>
                         </m:sSupPr>
@@ -4803,7 +4803,7 @@
                             <m:dPr>
                               <m:ctrlPr>
                                 <a:rPr lang="en-US" b="0" i="1" smtClean="0">
-                                  <a:latin typeface="Cambria Math" panose="02040503050406030204" pitchFamily="18" charset="0"/>
+                                  <a:latin typeface="Cambria Math" charset="0"/>
                                 </a:rPr>
                               </m:ctrlPr>
                             </m:dPr>
@@ -4840,7 +4840,7 @@
                         <m:dPr>
                           <m:ctrlPr>
                             <a:rPr lang="en-US" b="0" i="1" smtClean="0">
-                              <a:latin typeface="Cambria Math" panose="02040503050406030204" pitchFamily="18" charset="0"/>
+                              <a:latin typeface="Cambria Math" charset="0"/>
                             </a:rPr>
                           </m:ctrlPr>
                         </m:dPr>
@@ -4855,7 +4855,7 @@
                             <m:sSubPr>
                               <m:ctrlPr>
                                 <a:rPr lang="en-US" b="0" i="1" smtClean="0">
-                                  <a:latin typeface="Cambria Math" panose="02040503050406030204" pitchFamily="18" charset="0"/>
+                                  <a:latin typeface="Cambria Math" charset="0"/>
                                 </a:rPr>
                               </m:ctrlPr>
                             </m:sSubPr>
@@ -4894,7 +4894,7 @@
                         <m:sSubPr>
                           <m:ctrlPr>
                             <a:rPr lang="en-US" b="0" i="1" smtClean="0">
-                              <a:latin typeface="Cambria Math" panose="02040503050406030204" pitchFamily="18" charset="0"/>
+                              <a:latin typeface="Cambria Math" charset="0"/>
                             </a:rPr>
                           </m:ctrlPr>
                         </m:sSubPr>
@@ -4931,7 +4931,7 @@
                         <m:sSubPr>
                           <m:ctrlPr>
                             <a:rPr lang="en-US" b="0" i="1" smtClean="0">
-                              <a:latin typeface="Cambria Math" panose="02040503050406030204" pitchFamily="18" charset="0"/>
+                              <a:latin typeface="Cambria Math" charset="0"/>
                             </a:rPr>
                           </m:ctrlPr>
                         </m:sSubPr>
@@ -4989,7 +4989,7 @@
                         <m:sSubPr>
                           <m:ctrlPr>
                             <a:rPr lang="en-US" b="0" i="1" smtClean="0">
-                              <a:latin typeface="Cambria Math" panose="02040503050406030204" pitchFamily="18" charset="0"/>
+                              <a:latin typeface="Cambria Math" charset="0"/>
                             </a:rPr>
                           </m:ctrlPr>
                         </m:sSubPr>
@@ -5026,7 +5026,7 @@
                         <m:sSupPr>
                           <m:ctrlPr>
                             <a:rPr lang="en-US" b="0" i="1" smtClean="0">
-                              <a:latin typeface="Cambria Math" panose="02040503050406030204" pitchFamily="18" charset="0"/>
+                              <a:latin typeface="Cambria Math" charset="0"/>
                             </a:rPr>
                           </m:ctrlPr>
                         </m:sSupPr>
@@ -5055,7 +5055,7 @@
                             <m:dPr>
                               <m:ctrlPr>
                                 <a:rPr lang="en-US" b="0" i="1" smtClean="0">
-                                  <a:latin typeface="Cambria Math" panose="02040503050406030204" pitchFamily="18" charset="0"/>
+                                  <a:latin typeface="Cambria Math" charset="0"/>
                                 </a:rPr>
                               </m:ctrlPr>
                             </m:dPr>
@@ -5092,7 +5092,7 @@
                         <m:dPr>
                           <m:ctrlPr>
                             <a:rPr lang="en-US" b="0" i="1" smtClean="0">
-                              <a:latin typeface="Cambria Math" panose="02040503050406030204" pitchFamily="18" charset="0"/>
+                              <a:latin typeface="Cambria Math" charset="0"/>
                             </a:rPr>
                           </m:ctrlPr>
                         </m:dPr>
@@ -5101,7 +5101,7 @@
                             <m:sSubPr>
                               <m:ctrlPr>
                                 <a:rPr lang="en-US" b="0" i="1" smtClean="0">
-                                  <a:latin typeface="Cambria Math" panose="02040503050406030204" pitchFamily="18" charset="0"/>
+                                  <a:latin typeface="Cambria Math" charset="0"/>
                                 </a:rPr>
                               </m:ctrlPr>
                             </m:sSubPr>
@@ -5140,7 +5140,7 @@
                         <m:sSubPr>
                           <m:ctrlPr>
                             <a:rPr lang="en-US" b="0" i="1" smtClean="0">
-                              <a:latin typeface="Cambria Math" panose="02040503050406030204" pitchFamily="18" charset="0"/>
+                              <a:latin typeface="Cambria Math" charset="0"/>
                             </a:rPr>
                           </m:ctrlPr>
                         </m:sSubPr>
@@ -5171,7 +5171,7 @@
                         <m:dPr>
                           <m:ctrlPr>
                             <a:rPr lang="en-US" b="0" i="1" smtClean="0">
-                              <a:latin typeface="Cambria Math" panose="02040503050406030204" pitchFamily="18" charset="0"/>
+                              <a:latin typeface="Cambria Math" charset="0"/>
                             </a:rPr>
                           </m:ctrlPr>
                         </m:dPr>
@@ -5186,7 +5186,7 @@
                             <m:sSubPr>
                               <m:ctrlPr>
                                 <a:rPr lang="en-US" b="0" i="1" smtClean="0">
-                                  <a:latin typeface="Cambria Math" panose="02040503050406030204" pitchFamily="18" charset="0"/>
+                                  <a:latin typeface="Cambria Math" charset="0"/>
                                 </a:rPr>
                               </m:ctrlPr>
                             </m:sSubPr>
@@ -5229,7 +5229,7 @@
             </p:txBody>
           </p:sp>
         </mc:Choice>
-        <mc:Fallback xmlns="">
+        <mc:Fallback>
           <p:sp>
             <p:nvSpPr>
               <p:cNvPr id="3" name="Content Placeholder 2"/>
@@ -5241,7 +5241,7 @@
               </p:nvPr>
             </p:nvSpPr>
             <p:spPr>
-              <a:blipFill rotWithShape="1">
+              <a:blipFill rotWithShape="0">
                 <a:blip r:embed="rId2"/>
                 <a:stretch>
                   <a:fillRect l="-1852" t="-1752"/>
@@ -5363,7 +5363,7 @@
                         <m:dPr>
                           <m:ctrlPr>
                             <a:rPr lang="en-US" b="0" i="1" smtClean="0">
-                              <a:latin typeface="Cambria Math" panose="02040503050406030204" pitchFamily="18" charset="0"/>
+                              <a:latin typeface="Cambria Math" charset="0"/>
                             </a:rPr>
                           </m:ctrlPr>
                         </m:dPr>
@@ -5398,7 +5398,7 @@
                         <m:fPr>
                           <m:ctrlPr>
                             <a:rPr lang="en-US" b="0" i="1" smtClean="0">
-                              <a:latin typeface="Cambria Math" panose="02040503050406030204" pitchFamily="18" charset="0"/>
+                              <a:latin typeface="Cambria Math" charset="0"/>
                             </a:rPr>
                           </m:ctrlPr>
                         </m:fPr>
@@ -5435,7 +5435,7 @@
                         <m:funcPr>
                           <m:ctrlPr>
                             <a:rPr lang="en-US" b="0" i="1" smtClean="0">
-                              <a:latin typeface="Cambria Math" panose="02040503050406030204" pitchFamily="18" charset="0"/>
+                              <a:latin typeface="Cambria Math" charset="0"/>
                             </a:rPr>
                           </m:ctrlPr>
                         </m:funcPr>
@@ -5455,7 +5455,7 @@
                             <m:dPr>
                               <m:ctrlPr>
                                 <a:rPr lang="en-US" b="0" i="1" smtClean="0">
-                                  <a:latin typeface="Cambria Math" panose="02040503050406030204" pitchFamily="18" charset="0"/>
+                                  <a:latin typeface="Cambria Math" charset="0"/>
                                 </a:rPr>
                               </m:ctrlPr>
                             </m:dPr>
@@ -5464,7 +5464,7 @@
                                 <m:fPr>
                                   <m:ctrlPr>
                                     <a:rPr lang="en-US" b="0" i="1" smtClean="0">
-                                      <a:latin typeface="Cambria Math" panose="02040503050406030204" pitchFamily="18" charset="0"/>
+                                      <a:latin typeface="Cambria Math" charset="0"/>
                                     </a:rPr>
                                   </m:ctrlPr>
                                 </m:fPr>
@@ -5473,7 +5473,7 @@
                                     <m:sSubPr>
                                       <m:ctrlPr>
                                         <a:rPr lang="en-US" b="0" i="1" smtClean="0">
-                                          <a:latin typeface="Cambria Math" panose="02040503050406030204" pitchFamily="18" charset="0"/>
+                                          <a:latin typeface="Cambria Math" charset="0"/>
                                         </a:rPr>
                                       </m:ctrlPr>
                                     </m:sSubPr>
@@ -5545,7 +5545,7 @@
                         <m:fPr>
                           <m:ctrlPr>
                             <a:rPr lang="en-US" b="0" i="1" smtClean="0">
-                              <a:latin typeface="Cambria Math" panose="02040503050406030204" pitchFamily="18" charset="0"/>
+                              <a:latin typeface="Cambria Math" charset="0"/>
                             </a:rPr>
                           </m:ctrlPr>
                         </m:fPr>
@@ -5582,7 +5582,7 @@
                         <m:funcPr>
                           <m:ctrlPr>
                             <a:rPr lang="en-US" b="0" i="1" smtClean="0">
-                              <a:latin typeface="Cambria Math" panose="02040503050406030204" pitchFamily="18" charset="0"/>
+                              <a:latin typeface="Cambria Math" charset="0"/>
                             </a:rPr>
                           </m:ctrlPr>
                         </m:funcPr>
@@ -5602,7 +5602,7 @@
                             <m:dPr>
                               <m:ctrlPr>
                                 <a:rPr lang="en-US" b="0" i="1" smtClean="0">
-                                  <a:latin typeface="Cambria Math" panose="02040503050406030204" pitchFamily="18" charset="0"/>
+                                  <a:latin typeface="Cambria Math" charset="0"/>
                                 </a:rPr>
                               </m:ctrlPr>
                             </m:dPr>
@@ -5617,7 +5617,7 @@
                                 <m:dPr>
                                   <m:ctrlPr>
                                     <a:rPr lang="en-US" b="0" i="1" smtClean="0">
-                                      <a:latin typeface="Cambria Math" panose="02040503050406030204" pitchFamily="18" charset="0"/>
+                                      <a:latin typeface="Cambria Math" charset="0"/>
                                     </a:rPr>
                                   </m:ctrlPr>
                                 </m:dPr>
@@ -5626,7 +5626,7 @@
                                     <m:sSubPr>
                                       <m:ctrlPr>
                                         <a:rPr lang="en-US" b="0" i="1" smtClean="0">
-                                          <a:latin typeface="Cambria Math" panose="02040503050406030204" pitchFamily="18" charset="0"/>
+                                          <a:latin typeface="Cambria Math" charset="0"/>
                                         </a:rPr>
                                       </m:ctrlPr>
                                     </m:sSubPr>
@@ -5665,7 +5665,7 @@
                                 <m:fPr>
                                   <m:ctrlPr>
                                     <a:rPr lang="en-US" b="0" i="1" smtClean="0">
-                                      <a:latin typeface="Cambria Math" panose="02040503050406030204" pitchFamily="18" charset="0"/>
+                                      <a:latin typeface="Cambria Math" charset="0"/>
                                     </a:rPr>
                                   </m:ctrlPr>
                                 </m:fPr>
@@ -5674,7 +5674,7 @@
                                     <m:sSubPr>
                                       <m:ctrlPr>
                                         <a:rPr lang="en-US" b="0" i="1" smtClean="0">
-                                          <a:latin typeface="Cambria Math" panose="02040503050406030204" pitchFamily="18" charset="0"/>
+                                          <a:latin typeface="Cambria Math" charset="0"/>
                                         </a:rPr>
                                       </m:ctrlPr>
                                     </m:sSubPr>
@@ -5707,7 +5707,7 @@
                                     <m:sSubPr>
                                       <m:ctrlPr>
                                         <a:rPr lang="en-US" b="0" i="1" smtClean="0">
-                                          <a:latin typeface="Cambria Math" panose="02040503050406030204" pitchFamily="18" charset="0"/>
+                                          <a:latin typeface="Cambria Math" charset="0"/>
                                         </a:rPr>
                                       </m:ctrlPr>
                                     </m:sSubPr>
@@ -5770,7 +5770,7 @@
                                 <m:dPr>
                                   <m:ctrlPr>
                                     <a:rPr lang="en-US" b="0" i="1" smtClean="0">
-                                      <a:latin typeface="Cambria Math" panose="02040503050406030204" pitchFamily="18" charset="0"/>
+                                      <a:latin typeface="Cambria Math" charset="0"/>
                                     </a:rPr>
                                   </m:ctrlPr>
                                 </m:dPr>
@@ -5785,7 +5785,7 @@
                                     <m:sSubPr>
                                       <m:ctrlPr>
                                         <a:rPr lang="en-US" b="0" i="1" smtClean="0">
-                                          <a:latin typeface="Cambria Math" panose="02040503050406030204" pitchFamily="18" charset="0"/>
+                                          <a:latin typeface="Cambria Math" charset="0"/>
                                         </a:rPr>
                                       </m:ctrlPr>
                                     </m:sSubPr>
@@ -5846,7 +5846,7 @@
                         <m:sSubPr>
                           <m:ctrlPr>
                             <a:rPr lang="en-US" b="0" i="1" smtClean="0">
-                              <a:latin typeface="Cambria Math" panose="02040503050406030204" pitchFamily="18" charset="0"/>
+                              <a:latin typeface="Cambria Math" charset="0"/>
                             </a:rPr>
                           </m:ctrlPr>
                         </m:sSubPr>
@@ -5871,7 +5871,7 @@
                         <m:dPr>
                           <m:ctrlPr>
                             <a:rPr lang="en-US" b="0" i="1" smtClean="0">
-                              <a:latin typeface="Cambria Math" panose="02040503050406030204" pitchFamily="18" charset="0"/>
+                              <a:latin typeface="Cambria Math" charset="0"/>
                             </a:rPr>
                           </m:ctrlPr>
                         </m:dPr>
@@ -5906,7 +5906,7 @@
                         <m:sSupPr>
                           <m:ctrlPr>
                             <a:rPr lang="en-US" b="0" i="1" smtClean="0">
-                              <a:latin typeface="Cambria Math" panose="02040503050406030204" pitchFamily="18" charset="0"/>
+                              <a:latin typeface="Cambria Math" charset="0"/>
                             </a:rPr>
                           </m:ctrlPr>
                         </m:sSupPr>
@@ -5935,7 +5935,7 @@
                             <m:dPr>
                               <m:ctrlPr>
                                 <a:rPr lang="en-US" b="0" i="1" smtClean="0">
-                                  <a:latin typeface="Cambria Math" panose="02040503050406030204" pitchFamily="18" charset="0"/>
+                                  <a:latin typeface="Cambria Math" charset="0"/>
                                 </a:rPr>
                               </m:ctrlPr>
                             </m:dPr>
@@ -6154,7 +6154,7 @@
                         <m:dPr>
                           <m:ctrlPr>
                             <a:rPr lang="en-US" b="0" i="1" smtClean="0">
-                              <a:latin typeface="Cambria Math" panose="02040503050406030204" pitchFamily="18" charset="0"/>
+                              <a:latin typeface="Cambria Math" charset="0"/>
                             </a:rPr>
                           </m:ctrlPr>
                         </m:dPr>
@@ -6163,7 +6163,7 @@
                             <m:sSubPr>
                               <m:ctrlPr>
                                 <a:rPr lang="en-US" b="0" i="1" smtClean="0">
-                                  <a:latin typeface="Cambria Math" panose="02040503050406030204" pitchFamily="18" charset="0"/>
+                                  <a:latin typeface="Cambria Math" charset="0"/>
                                 </a:rPr>
                               </m:ctrlPr>
                             </m:sSubPr>
@@ -6250,7 +6250,7 @@
                         <m:sSubPr>
                           <m:ctrlPr>
                             <a:rPr lang="en-US" b="0" i="1" smtClean="0">
-                              <a:latin typeface="Cambria Math" panose="02040503050406030204" pitchFamily="18" charset="0"/>
+                              <a:latin typeface="Cambria Math" charset="0"/>
                             </a:rPr>
                           </m:ctrlPr>
                         </m:sSubPr>
@@ -6753,7 +6753,7 @@
                       <m:sSubPr>
                         <m:ctrlPr>
                           <a:rPr lang="en-US" b="0" i="1" smtClean="0">
-                            <a:latin typeface="Cambria Math" panose="02040503050406030204" pitchFamily="18" charset="0"/>
+                            <a:latin typeface="Cambria Math" charset="0"/>
                           </a:rPr>
                         </m:ctrlPr>
                       </m:sSubPr>
@@ -6812,7 +6812,7 @@
                         <m:sSubPr>
                           <m:ctrlPr>
                             <a:rPr lang="en-US" b="0" i="1" smtClean="0">
-                              <a:latin typeface="Cambria Math" panose="02040503050406030204" pitchFamily="18" charset="0"/>
+                              <a:latin typeface="Cambria Math" charset="0"/>
                             </a:rPr>
                           </m:ctrlPr>
                         </m:sSubPr>
@@ -6852,7 +6852,7 @@
                         <m:sSupPr>
                           <m:ctrlPr>
                             <a:rPr lang="en-US" b="0" i="1" smtClean="0">
-                              <a:latin typeface="Cambria Math" panose="02040503050406030204" pitchFamily="18" charset="0"/>
+                              <a:latin typeface="Cambria Math" charset="0"/>
                             </a:rPr>
                           </m:ctrlPr>
                         </m:sSupPr>
@@ -6861,7 +6861,7 @@
                             <m:dPr>
                               <m:ctrlPr>
                                 <a:rPr lang="en-US" b="0" i="1" smtClean="0">
-                                  <a:latin typeface="Cambria Math" panose="02040503050406030204" pitchFamily="18" charset="0"/>
+                                  <a:latin typeface="Cambria Math" charset="0"/>
                                 </a:rPr>
                               </m:ctrlPr>
                             </m:dPr>
@@ -6870,7 +6870,7 @@
                                 <m:sSubPr>
                                   <m:ctrlPr>
                                     <a:rPr lang="en-US" b="0" i="1" smtClean="0">
-                                      <a:latin typeface="Cambria Math" panose="02040503050406030204" pitchFamily="18" charset="0"/>
+                                      <a:latin typeface="Cambria Math" charset="0"/>
                                     </a:rPr>
                                   </m:ctrlPr>
                                 </m:sSubPr>
@@ -6964,7 +6964,7 @@
                         <m:type m:val="lin"/>
                         <m:ctrlPr>
                           <a:rPr lang="en-US" b="0" i="1" smtClean="0">
-                            <a:latin typeface="Cambria Math" panose="02040503050406030204" pitchFamily="18" charset="0"/>
+                            <a:latin typeface="Cambria Math" charset="0"/>
                           </a:rPr>
                         </m:ctrlPr>
                       </m:fPr>
@@ -7137,7 +7137,7 @@
                       <m:sSubPr>
                         <m:ctrlPr>
                           <a:rPr lang="en-US" b="0" i="1" smtClean="0">
-                            <a:latin typeface="Cambria Math" panose="02040503050406030204" pitchFamily="18" charset="0"/>
+                            <a:latin typeface="Cambria Math" charset="0"/>
                           </a:rPr>
                         </m:ctrlPr>
                       </m:sSubPr>
@@ -7170,7 +7170,7 @@
                         <m:endChr m:val="}"/>
                         <m:ctrlPr>
                           <a:rPr lang="en-US" b="0" i="1" smtClean="0">
-                            <a:latin typeface="Cambria Math" panose="02040503050406030204" pitchFamily="18" charset="0"/>
+                            <a:latin typeface="Cambria Math" charset="0"/>
                           </a:rPr>
                         </m:ctrlPr>
                       </m:dPr>
@@ -7237,7 +7237,7 @@
                       <m:sSubPr>
                         <m:ctrlPr>
                           <a:rPr lang="en-US" b="0" i="1" smtClean="0">
-                            <a:latin typeface="Cambria Math" panose="02040503050406030204" pitchFamily="18" charset="0"/>
+                            <a:latin typeface="Cambria Math" charset="0"/>
                           </a:rPr>
                         </m:ctrlPr>
                       </m:sSubPr>
@@ -7309,7 +7309,7 @@
                         <m:sSubPr>
                           <m:ctrlPr>
                             <a:rPr lang="en-US" b="0" i="1" smtClean="0">
-                              <a:latin typeface="Cambria Math" panose="02040503050406030204" pitchFamily="18" charset="0"/>
+                              <a:latin typeface="Cambria Math" charset="0"/>
                             </a:rPr>
                           </m:ctrlPr>
                         </m:sSubPr>
@@ -7340,7 +7340,7 @@
                         <m:sSubPr>
                           <m:ctrlPr>
                             <a:rPr lang="en-US" b="0" i="1" smtClean="0">
-                              <a:latin typeface="Cambria Math" panose="02040503050406030204" pitchFamily="18" charset="0"/>
+                              <a:latin typeface="Cambria Math" charset="0"/>
                             </a:rPr>
                           </m:ctrlPr>
                         </m:sSubPr>
@@ -7365,7 +7365,7 @@
                         <m:sSupPr>
                           <m:ctrlPr>
                             <a:rPr lang="en-US" b="0" i="1" smtClean="0">
-                              <a:latin typeface="Cambria Math" panose="02040503050406030204" pitchFamily="18" charset="0"/>
+                              <a:latin typeface="Cambria Math" charset="0"/>
                             </a:rPr>
                           </m:ctrlPr>
                         </m:sSupPr>
@@ -7382,7 +7382,7 @@
                             <m:dPr>
                               <m:ctrlPr>
                                 <a:rPr lang="en-US" b="0" i="1" smtClean="0">
-                                  <a:latin typeface="Cambria Math" panose="02040503050406030204" pitchFamily="18" charset="0"/>
+                                  <a:latin typeface="Cambria Math" charset="0"/>
                                 </a:rPr>
                               </m:ctrlPr>
                             </m:dPr>
@@ -7391,7 +7391,7 @@
                                 <m:sSubPr>
                                   <m:ctrlPr>
                                     <a:rPr lang="en-US" b="0" i="1" smtClean="0">
-                                      <a:latin typeface="Cambria Math" panose="02040503050406030204" pitchFamily="18" charset="0"/>
+                                      <a:latin typeface="Cambria Math" charset="0"/>
                                     </a:rPr>
                                   </m:ctrlPr>
                                 </m:sSubPr>
@@ -7422,7 +7422,7 @@
                                 <m:fPr>
                                   <m:ctrlPr>
                                     <a:rPr lang="en-US" b="0" i="1" smtClean="0">
-                                      <a:latin typeface="Cambria Math" panose="02040503050406030204" pitchFamily="18" charset="0"/>
+                                      <a:latin typeface="Cambria Math" charset="0"/>
                                     </a:rPr>
                                   </m:ctrlPr>
                                 </m:fPr>
@@ -7447,7 +7447,7 @@
                                 <m:sSubSupPr>
                                   <m:ctrlPr>
                                     <a:rPr lang="en-US" b="0" i="1" smtClean="0">
-                                      <a:latin typeface="Cambria Math" panose="02040503050406030204" pitchFamily="18" charset="0"/>
+                                      <a:latin typeface="Cambria Math" charset="0"/>
                                     </a:rPr>
                                   </m:ctrlPr>
                                 </m:sSubSupPr>
@@ -7494,7 +7494,7 @@
                             <m:sSubPr>
                               <m:ctrlPr>
                                 <a:rPr lang="en-US" b="0" i="1" smtClean="0">
-                                  <a:latin typeface="Cambria Math" panose="02040503050406030204" pitchFamily="18" charset="0"/>
+                                  <a:latin typeface="Cambria Math" charset="0"/>
                                 </a:rPr>
                               </m:ctrlPr>
                             </m:sSubPr>
@@ -7519,7 +7519,7 @@
                             <m:sSubPr>
                               <m:ctrlPr>
                                 <a:rPr lang="en-US" b="0" i="1" smtClean="0">
-                                  <a:latin typeface="Cambria Math" panose="02040503050406030204" pitchFamily="18" charset="0"/>
+                                  <a:latin typeface="Cambria Math" charset="0"/>
                                 </a:rPr>
                               </m:ctrlPr>
                             </m:sSubPr>
@@ -7576,7 +7576,7 @@
                         <m:sSubPr>
                           <m:ctrlPr>
                             <a:rPr lang="en-US" b="0" i="1" smtClean="0">
-                              <a:latin typeface="Cambria Math" panose="02040503050406030204" pitchFamily="18" charset="0"/>
+                              <a:latin typeface="Cambria Math" charset="0"/>
                             </a:rPr>
                           </m:ctrlPr>
                         </m:sSubPr>
@@ -7586,7 +7586,7 @@
                               <m:chr m:val="̃"/>
                               <m:ctrlPr>
                                 <a:rPr lang="en-US" b="0" i="1" smtClean="0">
-                                  <a:latin typeface="Cambria Math" panose="02040503050406030204" pitchFamily="18" charset="0"/>
+                                  <a:latin typeface="Cambria Math" charset="0"/>
                                 </a:rPr>
                               </m:ctrlPr>
                             </m:accPr>
@@ -7619,7 +7619,7 @@
                         <m:sSubPr>
                           <m:ctrlPr>
                             <a:rPr lang="en-US" b="0" i="1" smtClean="0">
-                              <a:latin typeface="Cambria Math" panose="02040503050406030204" pitchFamily="18" charset="0"/>
+                              <a:latin typeface="Cambria Math" charset="0"/>
                             </a:rPr>
                           </m:ctrlPr>
                         </m:sSubPr>
@@ -7629,7 +7629,7 @@
                               <m:chr m:val="̃"/>
                               <m:ctrlPr>
                                 <a:rPr lang="en-US" b="0" i="1" smtClean="0">
-                                  <a:latin typeface="Cambria Math" panose="02040503050406030204" pitchFamily="18" charset="0"/>
+                                  <a:latin typeface="Cambria Math" charset="0"/>
                                 </a:rPr>
                               </m:ctrlPr>
                             </m:accPr>
@@ -7662,7 +7662,7 @@
                         <m:sSubPr>
                           <m:ctrlPr>
                             <a:rPr lang="en-US" b="0" i="1" smtClean="0">
-                              <a:latin typeface="Cambria Math" panose="02040503050406030204" pitchFamily="18" charset="0"/>
+                              <a:latin typeface="Cambria Math" charset="0"/>
                             </a:rPr>
                           </m:ctrlPr>
                         </m:sSubPr>
@@ -7672,7 +7672,7 @@
                               <m:chr m:val="̃"/>
                               <m:ctrlPr>
                                 <a:rPr lang="en-US" b="0" i="1" smtClean="0">
-                                  <a:latin typeface="Cambria Math" panose="02040503050406030204" pitchFamily="18" charset="0"/>
+                                  <a:latin typeface="Cambria Math" charset="0"/>
                                 </a:rPr>
                               </m:ctrlPr>
                             </m:accPr>
@@ -7705,7 +7705,7 @@
                         <m:sSubPr>
                           <m:ctrlPr>
                             <a:rPr lang="en-US" b="0" i="1" smtClean="0">
-                              <a:latin typeface="Cambria Math" panose="02040503050406030204" pitchFamily="18" charset="0"/>
+                              <a:latin typeface="Cambria Math" charset="0"/>
                             </a:rPr>
                           </m:ctrlPr>
                         </m:sSubPr>
@@ -7715,7 +7715,7 @@
                               <m:chr m:val="̃"/>
                               <m:ctrlPr>
                                 <a:rPr lang="en-US" b="0" i="1" smtClean="0">
-                                  <a:latin typeface="Cambria Math" panose="02040503050406030204" pitchFamily="18" charset="0"/>
+                                  <a:latin typeface="Cambria Math" charset="0"/>
                                 </a:rPr>
                               </m:ctrlPr>
                             </m:accPr>
@@ -7772,7 +7772,7 @@
                       <m:sSubPr>
                         <m:ctrlPr>
                           <a:rPr lang="en-US" b="0" i="1" smtClean="0">
-                            <a:latin typeface="Cambria Math" panose="02040503050406030204" pitchFamily="18" charset="0"/>
+                            <a:latin typeface="Cambria Math" charset="0"/>
                           </a:rPr>
                         </m:ctrlPr>
                       </m:sSubPr>
@@ -7921,7 +7921,7 @@
                         <m:funcPr>
                           <m:ctrlPr>
                             <a:rPr lang="en-US" b="0" i="1" smtClean="0">
-                              <a:latin typeface="Cambria Math" panose="02040503050406030204" pitchFamily="18" charset="0"/>
+                              <a:latin typeface="Cambria Math" charset="0"/>
                             </a:rPr>
                           </m:ctrlPr>
                         </m:funcPr>
@@ -7941,7 +7941,7 @@
                             <m:dPr>
                               <m:ctrlPr>
                                 <a:rPr lang="en-US" b="0" i="1" smtClean="0">
-                                  <a:latin typeface="Cambria Math" panose="02040503050406030204" pitchFamily="18" charset="0"/>
+                                  <a:latin typeface="Cambria Math" charset="0"/>
                                 </a:rPr>
                               </m:ctrlPr>
                             </m:dPr>
@@ -7950,7 +7950,7 @@
                                 <m:sSubPr>
                                   <m:ctrlPr>
                                     <a:rPr lang="en-US" b="0" i="1" smtClean="0">
-                                      <a:latin typeface="Cambria Math" panose="02040503050406030204" pitchFamily="18" charset="0"/>
+                                      <a:latin typeface="Cambria Math" charset="0"/>
                                     </a:rPr>
                                   </m:ctrlPr>
                                 </m:sSubPr>
@@ -7960,7 +7960,7 @@
                                       <m:chr m:val="̃"/>
                                       <m:ctrlPr>
                                         <a:rPr lang="en-US" b="0" i="1" smtClean="0">
-                                          <a:latin typeface="Cambria Math" panose="02040503050406030204" pitchFamily="18" charset="0"/>
+                                          <a:latin typeface="Cambria Math" charset="0"/>
                                         </a:rPr>
                                       </m:ctrlPr>
                                     </m:accPr>
@@ -7993,7 +7993,7 @@
                                 <m:sSubPr>
                                   <m:ctrlPr>
                                     <a:rPr lang="en-US" b="0" i="1" smtClean="0">
-                                      <a:latin typeface="Cambria Math" panose="02040503050406030204" pitchFamily="18" charset="0"/>
+                                      <a:latin typeface="Cambria Math" charset="0"/>
                                     </a:rPr>
                                   </m:ctrlPr>
                                 </m:sSubPr>
@@ -8024,7 +8024,7 @@
                                 <m:sSubPr>
                                   <m:ctrlPr>
                                     <a:rPr lang="en-US" b="0" i="1" smtClean="0">
-                                      <a:latin typeface="Cambria Math" panose="02040503050406030204" pitchFamily="18" charset="0"/>
+                                      <a:latin typeface="Cambria Math" charset="0"/>
                                     </a:rPr>
                                   </m:ctrlPr>
                                 </m:sSubPr>
@@ -8034,7 +8034,7 @@
                                       <m:chr m:val="̃"/>
                                       <m:ctrlPr>
                                         <a:rPr lang="en-US" b="0" i="1" smtClean="0">
-                                          <a:latin typeface="Cambria Math" panose="02040503050406030204" pitchFamily="18" charset="0"/>
+                                          <a:latin typeface="Cambria Math" charset="0"/>
                                         </a:rPr>
                                       </m:ctrlPr>
                                     </m:accPr>
@@ -8077,7 +8077,7 @@
                         <m:sSubPr>
                           <m:ctrlPr>
                             <a:rPr lang="en-US" b="0" i="1" smtClean="0">
-                              <a:latin typeface="Cambria Math" panose="02040503050406030204" pitchFamily="18" charset="0"/>
+                              <a:latin typeface="Cambria Math" charset="0"/>
                             </a:rPr>
                           </m:ctrlPr>
                         </m:sSubPr>
@@ -8123,7 +8123,7 @@
                       <m:sSubPr>
                         <m:ctrlPr>
                           <a:rPr lang="en-US" b="0" i="1" smtClean="0">
-                            <a:latin typeface="Cambria Math" panose="02040503050406030204" pitchFamily="18" charset="0"/>
+                            <a:latin typeface="Cambria Math" charset="0"/>
                           </a:rPr>
                         </m:ctrlPr>
                       </m:sSubPr>
@@ -8133,7 +8133,7 @@
                             <m:chr m:val="̃"/>
                             <m:ctrlPr>
                               <a:rPr lang="en-US" b="0" i="1" smtClean="0">
-                                <a:latin typeface="Cambria Math" panose="02040503050406030204" pitchFamily="18" charset="0"/>
+                                <a:latin typeface="Cambria Math" charset="0"/>
                               </a:rPr>
                             </m:ctrlPr>
                           </m:accPr>
@@ -8308,7 +8308,7 @@
                         <m:sSubPr>
                           <m:ctrlPr>
                             <a:rPr lang="en-US" sz="3000" b="0" i="1" smtClean="0">
-                              <a:latin typeface="Cambria Math" panose="02040503050406030204" pitchFamily="18" charset="0"/>
+                              <a:latin typeface="Cambria Math" charset="0"/>
                             </a:rPr>
                           </m:ctrlPr>
                         </m:sSubPr>
@@ -8339,7 +8339,7 @@
                         <m:fPr>
                           <m:ctrlPr>
                             <a:rPr lang="en-US" sz="3000" b="0" i="1" smtClean="0">
-                              <a:latin typeface="Cambria Math" panose="02040503050406030204" pitchFamily="18" charset="0"/>
+                              <a:latin typeface="Cambria Math" charset="0"/>
                             </a:rPr>
                           </m:ctrlPr>
                         </m:fPr>
@@ -8348,7 +8348,7 @@
                             <m:funcPr>
                               <m:ctrlPr>
                                 <a:rPr lang="en-US" sz="3000" b="0" i="1" smtClean="0">
-                                  <a:latin typeface="Cambria Math" panose="02040503050406030204" pitchFamily="18" charset="0"/>
+                                  <a:latin typeface="Cambria Math" charset="0"/>
                                 </a:rPr>
                               </m:ctrlPr>
                             </m:funcPr>
@@ -8368,7 +8368,7 @@
                                 <m:dPr>
                                   <m:ctrlPr>
                                     <a:rPr lang="en-US" sz="3000" b="0" i="1" smtClean="0">
-                                      <a:latin typeface="Cambria Math" panose="02040503050406030204" pitchFamily="18" charset="0"/>
+                                      <a:latin typeface="Cambria Math" charset="0"/>
                                     </a:rPr>
                                   </m:ctrlPr>
                                 </m:dPr>
@@ -8377,7 +8377,7 @@
                                     <m:sSubPr>
                                       <m:ctrlPr>
                                         <a:rPr lang="en-US" sz="3000" b="0" i="1" smtClean="0">
-                                          <a:latin typeface="Cambria Math" panose="02040503050406030204" pitchFamily="18" charset="0"/>
+                                          <a:latin typeface="Cambria Math" charset="0"/>
                                         </a:rPr>
                                       </m:ctrlPr>
                                     </m:sSubPr>
@@ -8412,7 +8412,7 @@
                             <m:funcPr>
                               <m:ctrlPr>
                                 <a:rPr lang="en-US" sz="3000" b="0" i="1" smtClean="0">
-                                  <a:latin typeface="Cambria Math" panose="02040503050406030204" pitchFamily="18" charset="0"/>
+                                  <a:latin typeface="Cambria Math" charset="0"/>
                                 </a:rPr>
                               </m:ctrlPr>
                             </m:funcPr>
@@ -8432,7 +8432,7 @@
                                 <m:dPr>
                                   <m:ctrlPr>
                                     <a:rPr lang="en-US" sz="3000" b="0" i="1" smtClean="0">
-                                      <a:latin typeface="Cambria Math" panose="02040503050406030204" pitchFamily="18" charset="0"/>
+                                      <a:latin typeface="Cambria Math" charset="0"/>
                                     </a:rPr>
                                   </m:ctrlPr>
                                 </m:dPr>
@@ -8441,7 +8441,7 @@
                                     <m:sSubPr>
                                       <m:ctrlPr>
                                         <a:rPr lang="en-US" sz="3000" b="0" i="1" smtClean="0">
-                                          <a:latin typeface="Cambria Math" panose="02040503050406030204" pitchFamily="18" charset="0"/>
+                                          <a:latin typeface="Cambria Math" charset="0"/>
                                         </a:rPr>
                                       </m:ctrlPr>
                                     </m:sSubPr>
@@ -8476,7 +8476,7 @@
                             <m:dPr>
                               <m:ctrlPr>
                                 <a:rPr lang="en-US" sz="3000" b="0" i="1" smtClean="0">
-                                  <a:latin typeface="Cambria Math" panose="02040503050406030204" pitchFamily="18" charset="0"/>
+                                  <a:latin typeface="Cambria Math" charset="0"/>
                                 </a:rPr>
                               </m:ctrlPr>
                             </m:dPr>
@@ -8485,7 +8485,7 @@
                                 <m:sSubPr>
                                   <m:ctrlPr>
                                     <a:rPr lang="en-US" sz="3000" b="0" i="1" smtClean="0">
-                                      <a:latin typeface="Cambria Math" panose="02040503050406030204" pitchFamily="18" charset="0"/>
+                                      <a:latin typeface="Cambria Math" charset="0"/>
                                     </a:rPr>
                                   </m:ctrlPr>
                                 </m:sSubPr>
@@ -8516,7 +8516,7 @@
                                 <m:fPr>
                                   <m:ctrlPr>
                                     <a:rPr lang="en-US" sz="3000" b="0" i="1" smtClean="0">
-                                      <a:latin typeface="Cambria Math" panose="02040503050406030204" pitchFamily="18" charset="0"/>
+                                      <a:latin typeface="Cambria Math" charset="0"/>
                                     </a:rPr>
                                   </m:ctrlPr>
                                 </m:fPr>
@@ -8541,7 +8541,7 @@
                                 <m:sSubSupPr>
                                   <m:ctrlPr>
                                     <a:rPr lang="en-US" sz="3000" b="0" i="1" smtClean="0">
-                                      <a:latin typeface="Cambria Math" panose="02040503050406030204" pitchFamily="18" charset="0"/>
+                                      <a:latin typeface="Cambria Math" charset="0"/>
                                     </a:rPr>
                                   </m:ctrlPr>
                                 </m:sSubSupPr>
@@ -8584,7 +8584,7 @@
                             <m:sSubPr>
                               <m:ctrlPr>
                                 <a:rPr lang="en-US" sz="3000" b="0" i="1" smtClean="0">
-                                  <a:latin typeface="Cambria Math" panose="02040503050406030204" pitchFamily="18" charset="0"/>
+                                  <a:latin typeface="Cambria Math" charset="0"/>
                                 </a:rPr>
                               </m:ctrlPr>
                             </m:sSubPr>
@@ -8610,7 +8610,7 @@
                               <m:degHide m:val="on"/>
                               <m:ctrlPr>
                                 <a:rPr lang="en-US" sz="3000" b="0" i="1" smtClean="0">
-                                  <a:latin typeface="Cambria Math" panose="02040503050406030204" pitchFamily="18" charset="0"/>
+                                  <a:latin typeface="Cambria Math" charset="0"/>
                                 </a:rPr>
                               </m:ctrlPr>
                             </m:radPr>
@@ -8642,7 +8642,7 @@
                         <m:dPr>
                           <m:ctrlPr>
                             <a:rPr lang="en-US" sz="3000" b="0" i="1" smtClean="0">
-                              <a:latin typeface="Cambria Math" panose="02040503050406030204" pitchFamily="18" charset="0"/>
+                              <a:latin typeface="Cambria Math" charset="0"/>
                             </a:rPr>
                           </m:ctrlPr>
                         </m:dPr>
@@ -8689,7 +8689,7 @@
                         <m:sSubPr>
                           <m:ctrlPr>
                             <a:rPr lang="en-US" sz="3000" b="0" i="1" smtClean="0">
-                              <a:latin typeface="Cambria Math" panose="02040503050406030204" pitchFamily="18" charset="0"/>
+                              <a:latin typeface="Cambria Math" charset="0"/>
                             </a:rPr>
                           </m:ctrlPr>
                         </m:sSubPr>
@@ -8720,7 +8720,7 @@
                         <m:fPr>
                           <m:ctrlPr>
                             <a:rPr lang="en-US" sz="3000" i="1">
-                              <a:latin typeface="Cambria Math" panose="02040503050406030204" pitchFamily="18" charset="0"/>
+                              <a:latin typeface="Cambria Math" charset="0"/>
                             </a:rPr>
                           </m:ctrlPr>
                         </m:fPr>
@@ -8729,7 +8729,7 @@
                             <m:funcPr>
                               <m:ctrlPr>
                                 <a:rPr lang="en-US" sz="3000" i="1">
-                                  <a:latin typeface="Cambria Math" panose="02040503050406030204" pitchFamily="18" charset="0"/>
+                                  <a:latin typeface="Cambria Math" charset="0"/>
                                 </a:rPr>
                               </m:ctrlPr>
                             </m:funcPr>
@@ -8749,7 +8749,7 @@
                                 <m:dPr>
                                   <m:ctrlPr>
                                     <a:rPr lang="en-US" sz="3000" i="1">
-                                      <a:latin typeface="Cambria Math" panose="02040503050406030204" pitchFamily="18" charset="0"/>
+                                      <a:latin typeface="Cambria Math" charset="0"/>
                                     </a:rPr>
                                   </m:ctrlPr>
                                 </m:dPr>
@@ -8758,7 +8758,7 @@
                                     <m:sSubPr>
                                       <m:ctrlPr>
                                         <a:rPr lang="en-US" sz="3000" b="0" i="1" dirty="0" smtClean="0">
-                                          <a:latin typeface="Cambria Math" panose="02040503050406030204" pitchFamily="18" charset="0"/>
+                                          <a:latin typeface="Cambria Math" charset="0"/>
                                         </a:rPr>
                                       </m:ctrlPr>
                                     </m:sSubPr>
@@ -8768,7 +8768,7 @@
                                           <m:chr m:val="̃"/>
                                           <m:ctrlPr>
                                             <a:rPr lang="en-US" sz="3000" b="0" i="1" smtClean="0">
-                                              <a:latin typeface="Cambria Math" panose="02040503050406030204" pitchFamily="18" charset="0"/>
+                                              <a:latin typeface="Cambria Math" charset="0"/>
                                             </a:rPr>
                                           </m:ctrlPr>
                                         </m:accPr>
@@ -8805,7 +8805,7 @@
                             <m:funcPr>
                               <m:ctrlPr>
                                 <a:rPr lang="en-US" sz="3000" i="1">
-                                  <a:latin typeface="Cambria Math" panose="02040503050406030204" pitchFamily="18" charset="0"/>
+                                  <a:latin typeface="Cambria Math" charset="0"/>
                                 </a:rPr>
                               </m:ctrlPr>
                             </m:funcPr>
@@ -8825,7 +8825,7 @@
                                 <m:dPr>
                                   <m:ctrlPr>
                                     <a:rPr lang="en-US" sz="3000" i="1">
-                                      <a:latin typeface="Cambria Math" panose="02040503050406030204" pitchFamily="18" charset="0"/>
+                                      <a:latin typeface="Cambria Math" charset="0"/>
                                     </a:rPr>
                                   </m:ctrlPr>
                                 </m:dPr>
@@ -8834,7 +8834,7 @@
                                     <m:sSubPr>
                                       <m:ctrlPr>
                                         <a:rPr lang="en-US" sz="3000" i="1">
-                                          <a:latin typeface="Cambria Math" panose="02040503050406030204" pitchFamily="18" charset="0"/>
+                                          <a:latin typeface="Cambria Math" charset="0"/>
                                         </a:rPr>
                                       </m:ctrlPr>
                                     </m:sSubPr>
@@ -8869,7 +8869,7 @@
                             <m:dPr>
                               <m:ctrlPr>
                                 <a:rPr lang="en-US" sz="3000" i="1">
-                                  <a:latin typeface="Cambria Math" panose="02040503050406030204" pitchFamily="18" charset="0"/>
+                                  <a:latin typeface="Cambria Math" charset="0"/>
                                 </a:rPr>
                               </m:ctrlPr>
                             </m:dPr>
@@ -8878,7 +8878,7 @@
                                 <m:sSubPr>
                                   <m:ctrlPr>
                                     <a:rPr lang="en-US" sz="3000" i="1">
-                                      <a:latin typeface="Cambria Math" panose="02040503050406030204" pitchFamily="18" charset="0"/>
+                                      <a:latin typeface="Cambria Math" charset="0"/>
                                     </a:rPr>
                                   </m:ctrlPr>
                                 </m:sSubPr>
@@ -8909,7 +8909,7 @@
                                 <m:fPr>
                                   <m:ctrlPr>
                                     <a:rPr lang="en-US" sz="3000" i="1">
-                                      <a:latin typeface="Cambria Math" panose="02040503050406030204" pitchFamily="18" charset="0"/>
+                                      <a:latin typeface="Cambria Math" charset="0"/>
                                     </a:rPr>
                                   </m:ctrlPr>
                                 </m:fPr>
@@ -8934,7 +8934,7 @@
                                 <m:sSubSupPr>
                                   <m:ctrlPr>
                                     <a:rPr lang="en-US" sz="3000" i="1">
-                                      <a:latin typeface="Cambria Math" panose="02040503050406030204" pitchFamily="18" charset="0"/>
+                                      <a:latin typeface="Cambria Math" charset="0"/>
                                     </a:rPr>
                                   </m:ctrlPr>
                                 </m:sSubSupPr>
@@ -8977,7 +8977,7 @@
                             <m:sSubPr>
                               <m:ctrlPr>
                                 <a:rPr lang="en-US" sz="3000" i="1">
-                                  <a:latin typeface="Cambria Math" panose="02040503050406030204" pitchFamily="18" charset="0"/>
+                                  <a:latin typeface="Cambria Math" charset="0"/>
                                 </a:rPr>
                               </m:ctrlPr>
                             </m:sSubPr>
@@ -9003,7 +9003,7 @@
                               <m:degHide m:val="on"/>
                               <m:ctrlPr>
                                 <a:rPr lang="en-US" sz="3000" i="1">
-                                  <a:latin typeface="Cambria Math" panose="02040503050406030204" pitchFamily="18" charset="0"/>
+                                  <a:latin typeface="Cambria Math" charset="0"/>
                                 </a:rPr>
                               </m:ctrlPr>
                             </m:radPr>
@@ -9195,7 +9195,7 @@
                         <m:sSubPr>
                           <m:ctrlPr>
                             <a:rPr lang="en-US" b="0" i="1" smtClean="0">
-                              <a:latin typeface="Cambria Math" panose="02040503050406030204" pitchFamily="18" charset="0"/>
+                              <a:latin typeface="Cambria Math" charset="0"/>
                             </a:rPr>
                           </m:ctrlPr>
                         </m:sSubPr>
@@ -9238,7 +9238,7 @@
                         <m:sSubPr>
                           <m:ctrlPr>
                             <a:rPr lang="en-US" b="0" i="1" smtClean="0">
-                              <a:latin typeface="Cambria Math" panose="02040503050406030204" pitchFamily="18" charset="0"/>
+                              <a:latin typeface="Cambria Math" charset="0"/>
                             </a:rPr>
                           </m:ctrlPr>
                         </m:sSubPr>
@@ -9281,7 +9281,7 @@
                         <m:sSubPr>
                           <m:ctrlPr>
                             <a:rPr lang="en-US" b="0" i="1" smtClean="0">
-                              <a:latin typeface="Cambria Math" panose="02040503050406030204" pitchFamily="18" charset="0"/>
+                              <a:latin typeface="Cambria Math" charset="0"/>
                             </a:rPr>
                           </m:ctrlPr>
                         </m:sSubPr>
@@ -9327,7 +9327,7 @@
                         <m:sSubPr>
                           <m:ctrlPr>
                             <a:rPr lang="en-US" b="0" i="1" smtClean="0">
-                              <a:latin typeface="Cambria Math" panose="02040503050406030204" pitchFamily="18" charset="0"/>
+                              <a:latin typeface="Cambria Math" charset="0"/>
                             </a:rPr>
                           </m:ctrlPr>
                         </m:sSubPr>
@@ -9379,7 +9379,7 @@
                       <m:sSubPr>
                         <m:ctrlPr>
                           <a:rPr lang="en-US" b="0" i="1" smtClean="0">
-                            <a:latin typeface="Cambria Math" panose="02040503050406030204" pitchFamily="18" charset="0"/>
+                            <a:latin typeface="Cambria Math" charset="0"/>
                           </a:rPr>
                         </m:ctrlPr>
                       </m:sSubPr>
@@ -9427,7 +9427,7 @@
                         <m:dPr>
                           <m:ctrlPr>
                             <a:rPr lang="en-US" b="0" i="1" smtClean="0">
-                              <a:latin typeface="Cambria Math" panose="02040503050406030204" pitchFamily="18" charset="0"/>
+                              <a:latin typeface="Cambria Math" charset="0"/>
                             </a:rPr>
                           </m:ctrlPr>
                         </m:dPr>
@@ -9436,7 +9436,7 @@
                             <m:sSubPr>
                               <m:ctrlPr>
                                 <a:rPr lang="en-US" b="0" i="1" smtClean="0">
-                                  <a:latin typeface="Cambria Math" panose="02040503050406030204" pitchFamily="18" charset="0"/>
+                                  <a:latin typeface="Cambria Math" charset="0"/>
                                 </a:rPr>
                               </m:ctrlPr>
                             </m:sSubPr>
@@ -9469,7 +9469,7 @@
                         <m:sSubPr>
                           <m:ctrlPr>
                             <a:rPr lang="en-US" b="0" i="1" smtClean="0">
-                              <a:latin typeface="Cambria Math" panose="02040503050406030204" pitchFamily="18" charset="0"/>
+                              <a:latin typeface="Cambria Math" charset="0"/>
                             </a:rPr>
                           </m:ctrlPr>
                         </m:sSubPr>
@@ -9500,7 +9500,7 @@
                         <m:sSubSupPr>
                           <m:ctrlPr>
                             <a:rPr lang="en-US" b="0" i="1" smtClean="0">
-                              <a:latin typeface="Cambria Math" panose="02040503050406030204" pitchFamily="18" charset="0"/>
+                              <a:latin typeface="Cambria Math" charset="0"/>
                             </a:rPr>
                           </m:ctrlPr>
                         </m:sSubSupPr>
@@ -9554,7 +9554,7 @@
                         <m:dPr>
                           <m:ctrlPr>
                             <a:rPr lang="en-US" b="0" i="1" smtClean="0">
-                              <a:latin typeface="Cambria Math" panose="02040503050406030204" pitchFamily="18" charset="0"/>
+                              <a:latin typeface="Cambria Math" charset="0"/>
                             </a:rPr>
                           </m:ctrlPr>
                         </m:dPr>
@@ -9563,7 +9563,7 @@
                             <m:sSubPr>
                               <m:ctrlPr>
                                 <a:rPr lang="en-US" b="0" i="1" smtClean="0">
-                                  <a:latin typeface="Cambria Math" panose="02040503050406030204" pitchFamily="18" charset="0"/>
+                                  <a:latin typeface="Cambria Math" charset="0"/>
                                 </a:rPr>
                               </m:ctrlPr>
                             </m:sSubPr>
@@ -9594,7 +9594,7 @@
                             <m:sSubPr>
                               <m:ctrlPr>
                                 <a:rPr lang="en-US" b="0" i="1" smtClean="0">
-                                  <a:latin typeface="Cambria Math" panose="02040503050406030204" pitchFamily="18" charset="0"/>
+                                  <a:latin typeface="Cambria Math" charset="0"/>
                                 </a:rPr>
                               </m:ctrlPr>
                             </m:sSubPr>
@@ -9627,7 +9627,7 @@
                         <m:fPr>
                           <m:ctrlPr>
                             <a:rPr lang="en-US" b="0" i="1" smtClean="0">
-                              <a:latin typeface="Cambria Math" panose="02040503050406030204" pitchFamily="18" charset="0"/>
+                              <a:latin typeface="Cambria Math" charset="0"/>
                             </a:rPr>
                           </m:ctrlPr>
                         </m:fPr>
@@ -9642,7 +9642,7 @@
                             <m:dPr>
                               <m:ctrlPr>
                                 <a:rPr lang="en-US" b="0" i="1" smtClean="0">
-                                  <a:latin typeface="Cambria Math" panose="02040503050406030204" pitchFamily="18" charset="0"/>
+                                  <a:latin typeface="Cambria Math" charset="0"/>
                                 </a:rPr>
                               </m:ctrlPr>
                             </m:dPr>
@@ -9651,7 +9651,7 @@
                                 <m:sSubPr>
                                   <m:ctrlPr>
                                     <a:rPr lang="en-US" b="0" i="1" smtClean="0">
-                                      <a:latin typeface="Cambria Math" panose="02040503050406030204" pitchFamily="18" charset="0"/>
+                                      <a:latin typeface="Cambria Math" charset="0"/>
                                     </a:rPr>
                                   </m:ctrlPr>
                                 </m:sSubPr>
@@ -9676,7 +9676,7 @@
                                 <m:sSubPr>
                                   <m:ctrlPr>
                                     <a:rPr lang="en-US" b="0" i="1" smtClean="0">
-                                      <a:latin typeface="Cambria Math" panose="02040503050406030204" pitchFamily="18" charset="0"/>
+                                      <a:latin typeface="Cambria Math" charset="0"/>
                                     </a:rPr>
                                   </m:ctrlPr>
                                 </m:sSubPr>
@@ -9709,7 +9709,7 @@
                             <m:sSubPr>
                               <m:ctrlPr>
                                 <a:rPr lang="en-US" b="0" i="1" smtClean="0">
-                                  <a:latin typeface="Cambria Math" panose="02040503050406030204" pitchFamily="18" charset="0"/>
+                                  <a:latin typeface="Cambria Math" charset="0"/>
                                 </a:rPr>
                               </m:ctrlPr>
                             </m:sSubPr>
@@ -9734,7 +9734,7 @@
                             <m:sSubPr>
                               <m:ctrlPr>
                                 <a:rPr lang="en-US" b="0" i="1" smtClean="0">
-                                  <a:latin typeface="Cambria Math" panose="02040503050406030204" pitchFamily="18" charset="0"/>
+                                  <a:latin typeface="Cambria Math" charset="0"/>
                                 </a:rPr>
                               </m:ctrlPr>
                             </m:sSubPr>
@@ -9762,7 +9762,7 @@
                               <m:degHide m:val="on"/>
                               <m:ctrlPr>
                                 <a:rPr lang="en-US" b="0" i="1" smtClean="0">
-                                  <a:latin typeface="Cambria Math" panose="02040503050406030204" pitchFamily="18" charset="0"/>
+                                  <a:latin typeface="Cambria Math" charset="0"/>
                                 </a:rPr>
                               </m:ctrlPr>
                             </m:radPr>
@@ -9772,7 +9772,7 @@
                                 <m:dPr>
                                   <m:ctrlPr>
                                     <a:rPr lang="en-US" b="0" i="1" smtClean="0">
-                                      <a:latin typeface="Cambria Math" panose="02040503050406030204" pitchFamily="18" charset="0"/>
+                                      <a:latin typeface="Cambria Math" charset="0"/>
                                     </a:rPr>
                                   </m:ctrlPr>
                                 </m:dPr>
@@ -9781,7 +9781,7 @@
                                     <m:sSubPr>
                                       <m:ctrlPr>
                                         <a:rPr lang="en-US" b="0" i="1" smtClean="0">
-                                          <a:latin typeface="Cambria Math" panose="02040503050406030204" pitchFamily="18" charset="0"/>
+                                          <a:latin typeface="Cambria Math" charset="0"/>
                                         </a:rPr>
                                       </m:ctrlPr>
                                     </m:sSubPr>
@@ -9812,7 +9812,7 @@
                                     <m:sSubSupPr>
                                       <m:ctrlPr>
                                         <a:rPr lang="en-US" b="0" i="1" smtClean="0">
-                                          <a:latin typeface="Cambria Math" panose="02040503050406030204" pitchFamily="18" charset="0"/>
+                                          <a:latin typeface="Cambria Math" charset="0"/>
                                         </a:rPr>
                                       </m:ctrlPr>
                                     </m:sSubSupPr>
@@ -9847,7 +9847,7 @@
                                 <m:dPr>
                                   <m:ctrlPr>
                                     <a:rPr lang="en-US" b="0" i="1" smtClean="0">
-                                      <a:latin typeface="Cambria Math" panose="02040503050406030204" pitchFamily="18" charset="0"/>
+                                      <a:latin typeface="Cambria Math" charset="0"/>
                                     </a:rPr>
                                   </m:ctrlPr>
                                 </m:dPr>
@@ -9856,7 +9856,7 @@
                                     <m:sSubPr>
                                       <m:ctrlPr>
                                         <a:rPr lang="en-US" b="0" i="1" smtClean="0">
-                                          <a:latin typeface="Cambria Math" panose="02040503050406030204" pitchFamily="18" charset="0"/>
+                                          <a:latin typeface="Cambria Math" charset="0"/>
                                         </a:rPr>
                                       </m:ctrlPr>
                                     </m:sSubPr>
@@ -9887,7 +9887,7 @@
                                     <m:sSubSupPr>
                                       <m:ctrlPr>
                                         <a:rPr lang="en-US" b="0" i="1" smtClean="0">
-                                          <a:latin typeface="Cambria Math" panose="02040503050406030204" pitchFamily="18" charset="0"/>
+                                          <a:latin typeface="Cambria Math" charset="0"/>
                                         </a:rPr>
                                       </m:ctrlPr>
                                     </m:sSubSupPr>
@@ -9956,7 +9956,7 @@
                         <m:dPr>
                           <m:ctrlPr>
                             <a:rPr lang="en-US" b="0" i="1" smtClean="0">
-                              <a:latin typeface="Cambria Math" panose="02040503050406030204" pitchFamily="18" charset="0"/>
+                              <a:latin typeface="Cambria Math" charset="0"/>
                             </a:rPr>
                           </m:ctrlPr>
                         </m:dPr>
@@ -9965,7 +9965,7 @@
                             <m:sSubPr>
                               <m:ctrlPr>
                                 <a:rPr lang="en-US" b="0" i="1" smtClean="0">
-                                  <a:latin typeface="Cambria Math" panose="02040503050406030204" pitchFamily="18" charset="0"/>
+                                  <a:latin typeface="Cambria Math" charset="0"/>
                                 </a:rPr>
                               </m:ctrlPr>
                             </m:sSubPr>
@@ -9996,7 +9996,7 @@
                             <m:sSubPr>
                               <m:ctrlPr>
                                 <a:rPr lang="en-US" b="0" i="1" smtClean="0">
-                                  <a:latin typeface="Cambria Math" panose="02040503050406030204" pitchFamily="18" charset="0"/>
+                                  <a:latin typeface="Cambria Math" charset="0"/>
                                 </a:rPr>
                               </m:ctrlPr>
                             </m:sSubPr>
@@ -10041,7 +10041,7 @@
                         <m:sSubPr>
                           <m:ctrlPr>
                             <a:rPr lang="en-US" b="0" i="1" smtClean="0">
-                              <a:latin typeface="Cambria Math" panose="02040503050406030204" pitchFamily="18" charset="0"/>
+                              <a:latin typeface="Cambria Math" charset="0"/>
                             </a:rPr>
                           </m:ctrlPr>
                         </m:sSubPr>
@@ -10084,7 +10084,7 @@
                         <m:sSubPr>
                           <m:ctrlPr>
                             <a:rPr lang="en-US" b="0" i="1" smtClean="0">
-                              <a:latin typeface="Cambria Math" panose="02040503050406030204" pitchFamily="18" charset="0"/>
+                              <a:latin typeface="Cambria Math" charset="0"/>
                             </a:rPr>
                           </m:ctrlPr>
                         </m:sSubPr>
@@ -10396,7 +10396,7 @@
                         <m:sSupPr>
                           <m:ctrlPr>
                             <a:rPr lang="en-US" b="0" i="1" smtClean="0">
-                              <a:latin typeface="Cambria Math" panose="02040503050406030204" pitchFamily="18" charset="0"/>
+                              <a:latin typeface="Cambria Math" charset="0"/>
                             </a:rPr>
                           </m:ctrlPr>
                         </m:sSupPr>
@@ -10405,7 +10405,7 @@
                             <m:dPr>
                               <m:ctrlPr>
                                 <a:rPr lang="en-US" b="0" i="1" smtClean="0">
-                                  <a:latin typeface="Cambria Math" panose="02040503050406030204" pitchFamily="18" charset="0"/>
+                                  <a:latin typeface="Cambria Math" charset="0"/>
                                 </a:rPr>
                               </m:ctrlPr>
                             </m:dPr>
@@ -10414,7 +10414,7 @@
                                 <m:sSubPr>
                                   <m:ctrlPr>
                                     <a:rPr lang="en-US" b="0" i="1" smtClean="0">
-                                      <a:latin typeface="Cambria Math" panose="02040503050406030204" pitchFamily="18" charset="0"/>
+                                      <a:latin typeface="Cambria Math" charset="0"/>
                                     </a:rPr>
                                   </m:ctrlPr>
                                 </m:sSubPr>
@@ -10445,7 +10445,7 @@
                                 <m:sSubPr>
                                   <m:ctrlPr>
                                     <a:rPr lang="en-US" b="0" i="1" smtClean="0">
-                                      <a:latin typeface="Cambria Math" panose="02040503050406030204" pitchFamily="18" charset="0"/>
+                                      <a:latin typeface="Cambria Math" charset="0"/>
                                     </a:rPr>
                                   </m:ctrlPr>
                                 </m:sSubPr>
@@ -10517,7 +10517,7 @@
                       <m:sSubPr>
                         <m:ctrlPr>
                           <a:rPr lang="en-US" b="0" i="1" smtClean="0">
-                            <a:latin typeface="Cambria Math" panose="02040503050406030204" pitchFamily="18" charset="0"/>
+                            <a:latin typeface="Cambria Math" charset="0"/>
                           </a:rPr>
                         </m:ctrlPr>
                       </m:sSubPr>
@@ -10550,7 +10550,7 @@
                         <m:endChr m:val="}"/>
                         <m:ctrlPr>
                           <a:rPr lang="en-US" b="0" i="1" smtClean="0">
-                            <a:latin typeface="Cambria Math" panose="02040503050406030204" pitchFamily="18" charset="0"/>
+                            <a:latin typeface="Cambria Math" charset="0"/>
                           </a:rPr>
                         </m:ctrlPr>
                       </m:dPr>
@@ -10604,7 +10604,7 @@
                         <m:sSubPr>
                           <m:ctrlPr>
                             <a:rPr lang="en-US" b="0" i="1" smtClean="0">
-                              <a:latin typeface="Cambria Math" panose="02040503050406030204" pitchFamily="18" charset="0"/>
+                              <a:latin typeface="Cambria Math" charset="0"/>
                             </a:rPr>
                           </m:ctrlPr>
                         </m:sSubPr>
@@ -10647,7 +10647,7 @@
                         <m:sSubPr>
                           <m:ctrlPr>
                             <a:rPr lang="en-US" b="0" i="1" smtClean="0">
-                              <a:latin typeface="Cambria Math" panose="02040503050406030204" pitchFamily="18" charset="0"/>
+                              <a:latin typeface="Cambria Math" charset="0"/>
                             </a:rPr>
                           </m:ctrlPr>
                         </m:sSubPr>
@@ -10690,7 +10690,7 @@
                         <m:sSubPr>
                           <m:ctrlPr>
                             <a:rPr lang="en-US" b="0" i="1" smtClean="0">
-                              <a:latin typeface="Cambria Math" panose="02040503050406030204" pitchFamily="18" charset="0"/>
+                              <a:latin typeface="Cambria Math" charset="0"/>
                             </a:rPr>
                           </m:ctrlPr>
                         </m:sSubPr>
@@ -10721,7 +10721,7 @@
                         <m:sSubPr>
                           <m:ctrlPr>
                             <a:rPr lang="en-US" b="0" i="1" smtClean="0">
-                              <a:latin typeface="Cambria Math" panose="02040503050406030204" pitchFamily="18" charset="0"/>
+                              <a:latin typeface="Cambria Math" charset="0"/>
                             </a:rPr>
                           </m:ctrlPr>
                         </m:sSubPr>
@@ -10785,7 +10785,7 @@
                       <m:sSubPr>
                         <m:ctrlPr>
                           <a:rPr lang="en-US" b="0" i="1" smtClean="0">
-                            <a:latin typeface="Cambria Math" panose="02040503050406030204" pitchFamily="18" charset="0"/>
+                            <a:latin typeface="Cambria Math" charset="0"/>
                           </a:rPr>
                         </m:ctrlPr>
                       </m:sSubPr>
@@ -10917,7 +10917,7 @@
                         <m:sSupPr>
                           <m:ctrlPr>
                             <a:rPr lang="en-US" b="0" i="1" smtClean="0">
-                              <a:latin typeface="Cambria Math" panose="02040503050406030204" pitchFamily="18" charset="0"/>
+                              <a:latin typeface="Cambria Math" charset="0"/>
                             </a:rPr>
                           </m:ctrlPr>
                         </m:sSupPr>
@@ -10926,7 +10926,7 @@
                             <m:dPr>
                               <m:ctrlPr>
                                 <a:rPr lang="en-US" b="0" i="1" smtClean="0">
-                                  <a:latin typeface="Cambria Math" panose="02040503050406030204" pitchFamily="18" charset="0"/>
+                                  <a:latin typeface="Cambria Math" charset="0"/>
                                 </a:rPr>
                               </m:ctrlPr>
                             </m:dPr>
@@ -10935,7 +10935,7 @@
                                 <m:sSubPr>
                                   <m:ctrlPr>
                                     <a:rPr lang="en-US" b="0" i="1" smtClean="0">
-                                      <a:latin typeface="Cambria Math" panose="02040503050406030204" pitchFamily="18" charset="0"/>
+                                      <a:latin typeface="Cambria Math" charset="0"/>
                                     </a:rPr>
                                   </m:ctrlPr>
                                 </m:sSubPr>
@@ -10966,7 +10966,7 @@
                                 <m:sSubPr>
                                   <m:ctrlPr>
                                     <a:rPr lang="en-US" b="0" i="1" smtClean="0">
-                                      <a:latin typeface="Cambria Math" panose="02040503050406030204" pitchFamily="18" charset="0"/>
+                                      <a:latin typeface="Cambria Math" charset="0"/>
                                     </a:rPr>
                                   </m:ctrlPr>
                                 </m:sSubPr>
@@ -11126,7 +11126,7 @@
                       <m:dPr>
                         <m:ctrlPr>
                           <a:rPr lang="en-US" b="0" i="1" smtClean="0">
-                            <a:latin typeface="Cambria Math" panose="02040503050406030204" pitchFamily="18" charset="0"/>
+                            <a:latin typeface="Cambria Math" charset="0"/>
                           </a:rPr>
                         </m:ctrlPr>
                       </m:dPr>
@@ -11162,7 +11162,7 @@
                         <m:chr m:val="̃"/>
                         <m:ctrlPr>
                           <a:rPr lang="en-US" b="1" i="1" smtClean="0">
-                            <a:latin typeface="Cambria Math" panose="02040503050406030204" pitchFamily="18" charset="0"/>
+                            <a:latin typeface="Cambria Math" charset="0"/>
                           </a:rPr>
                         </m:ctrlPr>
                       </m:accPr>
@@ -11186,7 +11186,7 @@
                         <m:chr m:val="̃"/>
                         <m:ctrlPr>
                           <a:rPr lang="en-US" b="0" i="1" smtClean="0">
-                            <a:latin typeface="Cambria Math" panose="02040503050406030204" pitchFamily="18" charset="0"/>
+                            <a:latin typeface="Cambria Math" charset="0"/>
                           </a:rPr>
                         </m:ctrlPr>
                       </m:accPr>
@@ -11229,7 +11229,7 @@
                       <m:sSupPr>
                         <m:ctrlPr>
                           <a:rPr lang="en-US" b="0" i="1" smtClean="0">
-                            <a:latin typeface="Cambria Math" panose="02040503050406030204" pitchFamily="18" charset="0"/>
+                            <a:latin typeface="Cambria Math" charset="0"/>
                           </a:rPr>
                         </m:ctrlPr>
                       </m:sSupPr>
@@ -11238,7 +11238,7 @@
                           <m:dPr>
                             <m:ctrlPr>
                               <a:rPr lang="en-US" b="1" i="1" smtClean="0">
-                                <a:latin typeface="Cambria Math" panose="02040503050406030204" pitchFamily="18" charset="0"/>
+                                <a:latin typeface="Cambria Math" charset="0"/>
                               </a:rPr>
                             </m:ctrlPr>
                           </m:dPr>
@@ -11247,7 +11247,7 @@
                               <m:sSubPr>
                                 <m:ctrlPr>
                                   <a:rPr lang="en-US" b="0" i="1" smtClean="0">
-                                    <a:latin typeface="Cambria Math" panose="02040503050406030204" pitchFamily="18" charset="0"/>
+                                    <a:latin typeface="Cambria Math" charset="0"/>
                                   </a:rPr>
                                 </m:ctrlPr>
                               </m:sSubPr>
@@ -11278,7 +11278,7 @@
                               <m:sSubPr>
                                 <m:ctrlPr>
                                   <a:rPr lang="en-US" b="0" i="1" smtClean="0">
-                                    <a:latin typeface="Cambria Math" panose="02040503050406030204" pitchFamily="18" charset="0"/>
+                                    <a:latin typeface="Cambria Math" charset="0"/>
                                   </a:rPr>
                                 </m:ctrlPr>
                               </m:sSubPr>
@@ -11328,7 +11328,7 @@
                         <m:chr m:val="̃"/>
                         <m:ctrlPr>
                           <a:rPr lang="en-US" b="1" i="1" smtClean="0">
-                            <a:latin typeface="Cambria Math" panose="02040503050406030204" pitchFamily="18" charset="0"/>
+                            <a:latin typeface="Cambria Math" charset="0"/>
                           </a:rPr>
                         </m:ctrlPr>
                       </m:accPr>
@@ -11351,7 +11351,7 @@
                       <m:sSubPr>
                         <m:ctrlPr>
                           <a:rPr lang="en-US" b="1" i="1" dirty="0" smtClean="0">
-                            <a:latin typeface="Cambria Math" panose="02040503050406030204" pitchFamily="18" charset="0"/>
+                            <a:latin typeface="Cambria Math" charset="0"/>
                           </a:rPr>
                         </m:ctrlPr>
                       </m:sSubPr>
@@ -11361,7 +11361,7 @@
                             <m:chr m:val="̃"/>
                             <m:ctrlPr>
                               <a:rPr lang="en-US" b="0" i="1" dirty="0" smtClean="0">
-                                <a:latin typeface="Cambria Math" panose="02040503050406030204" pitchFamily="18" charset="0"/>
+                                <a:latin typeface="Cambria Math" charset="0"/>
                               </a:rPr>
                             </m:ctrlPr>
                           </m:accPr>
@@ -11394,7 +11394,7 @@
                       <m:sSubPr>
                         <m:ctrlPr>
                           <a:rPr lang="en-US" b="1" i="1" dirty="0" smtClean="0">
-                            <a:latin typeface="Cambria Math" panose="02040503050406030204" pitchFamily="18" charset="0"/>
+                            <a:latin typeface="Cambria Math" charset="0"/>
                           </a:rPr>
                         </m:ctrlPr>
                       </m:sSubPr>
@@ -11404,7 +11404,7 @@
                             <m:chr m:val="̃"/>
                             <m:ctrlPr>
                               <a:rPr lang="en-US" b="0" i="1" dirty="0" smtClean="0">
-                                <a:latin typeface="Cambria Math" panose="02040503050406030204" pitchFamily="18" charset="0"/>
+                                <a:latin typeface="Cambria Math" charset="0"/>
                               </a:rPr>
                             </m:ctrlPr>
                           </m:accPr>
@@ -11475,7 +11475,7 @@
                         <m:chr m:val="̃"/>
                         <m:ctrlPr>
                           <a:rPr lang="en-US" b="1" i="1" smtClean="0">
-                            <a:latin typeface="Cambria Math" panose="02040503050406030204" pitchFamily="18" charset="0"/>
+                            <a:latin typeface="Cambria Math" charset="0"/>
                           </a:rPr>
                         </m:ctrlPr>
                       </m:accPr>
@@ -11500,7 +11500,7 @@
                       <m:funcPr>
                         <m:ctrlPr>
                           <a:rPr lang="en-US" b="0" i="1" smtClean="0">
-                            <a:latin typeface="Cambria Math" panose="02040503050406030204" pitchFamily="18" charset="0"/>
+                            <a:latin typeface="Cambria Math" charset="0"/>
                           </a:rPr>
                         </m:ctrlPr>
                       </m:funcPr>
@@ -11520,7 +11520,7 @@
                           <m:dPr>
                             <m:ctrlPr>
                               <a:rPr lang="en-US" b="0" i="1" smtClean="0">
-                                <a:latin typeface="Cambria Math" panose="02040503050406030204" pitchFamily="18" charset="0"/>
+                                <a:latin typeface="Cambria Math" charset="0"/>
                               </a:rPr>
                             </m:ctrlPr>
                           </m:dPr>
@@ -11529,7 +11529,7 @@
                               <m:sSubPr>
                                 <m:ctrlPr>
                                   <a:rPr lang="en-US" b="0" i="1" smtClean="0">
-                                    <a:latin typeface="Cambria Math" panose="02040503050406030204" pitchFamily="18" charset="0"/>
+                                    <a:latin typeface="Cambria Math" charset="0"/>
                                   </a:rPr>
                                 </m:ctrlPr>
                               </m:sSubPr>
@@ -11591,7 +11591,7 @@
                       <m:sSubPr>
                         <m:ctrlPr>
                           <a:rPr lang="en-US" b="0" i="1" smtClean="0">
-                            <a:latin typeface="Cambria Math" panose="02040503050406030204" pitchFamily="18" charset="0"/>
+                            <a:latin typeface="Cambria Math" charset="0"/>
                           </a:rPr>
                         </m:ctrlPr>
                       </m:sSubPr>
@@ -11601,7 +11601,7 @@
                             <m:chr m:val="̃"/>
                             <m:ctrlPr>
                               <a:rPr lang="en-US" b="0" i="1" smtClean="0">
-                                <a:latin typeface="Cambria Math" panose="02040503050406030204" pitchFamily="18" charset="0"/>
+                                <a:latin typeface="Cambria Math" charset="0"/>
                               </a:rPr>
                             </m:ctrlPr>
                           </m:accPr>
@@ -11737,7 +11737,7 @@
                         <m:chr m:val="̃"/>
                         <m:ctrlPr>
                           <a:rPr lang="en-US" b="1" i="1" smtClean="0">
-                            <a:latin typeface="Cambria Math" panose="02040503050406030204" pitchFamily="18" charset="0"/>
+                            <a:latin typeface="Cambria Math" charset="0"/>
                           </a:rPr>
                         </m:ctrlPr>
                       </m:accPr>
@@ -11903,7 +11903,7 @@
                         <m:chr m:val="̃"/>
                         <m:ctrlPr>
                           <a:rPr lang="en-US" b="1" i="1" smtClean="0">
-                            <a:latin typeface="Cambria Math" panose="02040503050406030204" pitchFamily="18" charset="0"/>
+                            <a:latin typeface="Cambria Math" charset="0"/>
                           </a:rPr>
                         </m:ctrlPr>
                       </m:accPr>
@@ -11936,7 +11936,7 @@
                       <m:sSubPr>
                         <m:ctrlPr>
                           <a:rPr lang="en-US" b="0" i="1" smtClean="0">
-                            <a:latin typeface="Cambria Math" panose="02040503050406030204" pitchFamily="18" charset="0"/>
+                            <a:latin typeface="Cambria Math" charset="0"/>
                           </a:rPr>
                         </m:ctrlPr>
                       </m:sSubPr>
@@ -11967,7 +11967,7 @@
                       <m:sSubPr>
                         <m:ctrlPr>
                           <a:rPr lang="en-US" b="0" i="1" smtClean="0">
-                            <a:latin typeface="Cambria Math" panose="02040503050406030204" pitchFamily="18" charset="0"/>
+                            <a:latin typeface="Cambria Math" charset="0"/>
                           </a:rPr>
                         </m:ctrlPr>
                       </m:sSubPr>
@@ -12027,7 +12027,7 @@
                         <m:funcPr>
                           <m:ctrlPr>
                             <a:rPr lang="en-US" b="0" i="1" smtClean="0">
-                              <a:latin typeface="Cambria Math" panose="02040503050406030204" pitchFamily="18" charset="0"/>
+                              <a:latin typeface="Cambria Math" charset="0"/>
                             </a:rPr>
                           </m:ctrlPr>
                         </m:funcPr>
@@ -12047,7 +12047,7 @@
                             <m:dPr>
                               <m:ctrlPr>
                                 <a:rPr lang="en-US" b="0" i="1" smtClean="0">
-                                  <a:latin typeface="Cambria Math" panose="02040503050406030204" pitchFamily="18" charset="0"/>
+                                  <a:latin typeface="Cambria Math" charset="0"/>
                                 </a:rPr>
                               </m:ctrlPr>
                             </m:dPr>
@@ -12056,7 +12056,7 @@
                                 <m:sSubPr>
                                   <m:ctrlPr>
                                     <a:rPr lang="en-US" b="0" i="1" smtClean="0">
-                                      <a:latin typeface="Cambria Math" panose="02040503050406030204" pitchFamily="18" charset="0"/>
+                                      <a:latin typeface="Cambria Math" charset="0"/>
                                     </a:rPr>
                                   </m:ctrlPr>
                                 </m:sSubPr>
@@ -12079,7 +12079,7 @@
                                     <m:sSubPr>
                                       <m:ctrlPr>
                                         <a:rPr lang="en-US" b="0" i="1" smtClean="0">
-                                          <a:latin typeface="Cambria Math" panose="02040503050406030204" pitchFamily="18" charset="0"/>
+                                          <a:latin typeface="Cambria Math" charset="0"/>
                                         </a:rPr>
                                       </m:ctrlPr>
                                     </m:sSubPr>
@@ -12112,7 +12112,7 @@
                                 <m:sSubPr>
                                   <m:ctrlPr>
                                     <a:rPr lang="en-US" b="0" i="1" smtClean="0">
-                                      <a:latin typeface="Cambria Math" panose="02040503050406030204" pitchFamily="18" charset="0"/>
+                                      <a:latin typeface="Cambria Math" charset="0"/>
                                     </a:rPr>
                                   </m:ctrlPr>
                                 </m:sSubPr>
@@ -12143,7 +12143,7 @@
                                 <m:sSubPr>
                                   <m:ctrlPr>
                                     <a:rPr lang="en-US" b="0" i="1" smtClean="0">
-                                      <a:latin typeface="Cambria Math" panose="02040503050406030204" pitchFamily="18" charset="0"/>
+                                      <a:latin typeface="Cambria Math" charset="0"/>
                                     </a:rPr>
                                   </m:ctrlPr>
                                 </m:sSubPr>
@@ -12166,7 +12166,7 @@
                                     <m:sSubPr>
                                       <m:ctrlPr>
                                         <a:rPr lang="en-US" b="0" i="1" smtClean="0">
-                                          <a:latin typeface="Cambria Math" panose="02040503050406030204" pitchFamily="18" charset="0"/>
+                                          <a:latin typeface="Cambria Math" charset="0"/>
                                         </a:rPr>
                                       </m:ctrlPr>
                                     </m:sSubPr>
@@ -12205,7 +12205,7 @@
                                 <m:sSubPr>
                                   <m:ctrlPr>
                                     <a:rPr lang="en-US" i="1">
-                                      <a:latin typeface="Cambria Math" panose="02040503050406030204" pitchFamily="18" charset="0"/>
+                                      <a:latin typeface="Cambria Math" charset="0"/>
                                     </a:rPr>
                                   </m:ctrlPr>
                                 </m:sSubPr>
@@ -12234,7 +12234,7 @@
                                     <m:sSubPr>
                                       <m:ctrlPr>
                                         <a:rPr lang="en-US" i="1">
-                                          <a:latin typeface="Cambria Math" panose="02040503050406030204" pitchFamily="18" charset="0"/>
+                                          <a:latin typeface="Cambria Math" charset="0"/>
                                         </a:rPr>
                                       </m:ctrlPr>
                                     </m:sSubPr>
@@ -12267,7 +12267,7 @@
                                 <m:sSubPr>
                                   <m:ctrlPr>
                                     <a:rPr lang="en-US" i="1">
-                                      <a:latin typeface="Cambria Math" panose="02040503050406030204" pitchFamily="18" charset="0"/>
+                                      <a:latin typeface="Cambria Math" charset="0"/>
                                     </a:rPr>
                                   </m:ctrlPr>
                                 </m:sSubPr>
@@ -12298,7 +12298,7 @@
                                 <m:sSubPr>
                                   <m:ctrlPr>
                                     <a:rPr lang="en-US" i="1">
-                                      <a:latin typeface="Cambria Math" panose="02040503050406030204" pitchFamily="18" charset="0"/>
+                                      <a:latin typeface="Cambria Math" charset="0"/>
                                     </a:rPr>
                                   </m:ctrlPr>
                                 </m:sSubPr>
@@ -12327,7 +12327,7 @@
                                     <m:sSubPr>
                                       <m:ctrlPr>
                                         <a:rPr lang="en-US" i="1">
-                                          <a:latin typeface="Cambria Math" panose="02040503050406030204" pitchFamily="18" charset="0"/>
+                                          <a:latin typeface="Cambria Math" charset="0"/>
                                         </a:rPr>
                                       </m:ctrlPr>
                                     </m:sSubPr>
@@ -12370,7 +12370,7 @@
                         <m:funcPr>
                           <m:ctrlPr>
                             <a:rPr lang="en-US" i="1">
-                              <a:latin typeface="Cambria Math" panose="02040503050406030204" pitchFamily="18" charset="0"/>
+                              <a:latin typeface="Cambria Math" charset="0"/>
                             </a:rPr>
                           </m:ctrlPr>
                         </m:funcPr>
@@ -12390,7 +12390,7 @@
                             <m:dPr>
                               <m:ctrlPr>
                                 <a:rPr lang="en-US" i="1">
-                                  <a:latin typeface="Cambria Math" panose="02040503050406030204" pitchFamily="18" charset="0"/>
+                                  <a:latin typeface="Cambria Math" charset="0"/>
                                 </a:rPr>
                               </m:ctrlPr>
                             </m:dPr>
@@ -12399,7 +12399,7 @@
                                 <m:sSubPr>
                                   <m:ctrlPr>
                                     <a:rPr lang="en-US" i="1">
-                                      <a:latin typeface="Cambria Math" panose="02040503050406030204" pitchFamily="18" charset="0"/>
+                                      <a:latin typeface="Cambria Math" charset="0"/>
                                     </a:rPr>
                                   </m:ctrlPr>
                                 </m:sSubPr>
@@ -12409,7 +12409,7 @@
                                       <m:chr m:val="̃"/>
                                       <m:ctrlPr>
                                         <a:rPr lang="en-US" b="0" i="1" smtClean="0">
-                                          <a:latin typeface="Cambria Math" panose="02040503050406030204" pitchFamily="18" charset="0"/>
+                                          <a:latin typeface="Cambria Math" charset="0"/>
                                         </a:rPr>
                                       </m:ctrlPr>
                                     </m:accPr>
@@ -12434,7 +12434,7 @@
                                     <m:sSubPr>
                                       <m:ctrlPr>
                                         <a:rPr lang="en-US" i="1">
-                                          <a:latin typeface="Cambria Math" panose="02040503050406030204" pitchFamily="18" charset="0"/>
+                                          <a:latin typeface="Cambria Math" charset="0"/>
                                         </a:rPr>
                                       </m:ctrlPr>
                                     </m:sSubPr>
@@ -12467,7 +12467,7 @@
                                 <m:sSubPr>
                                   <m:ctrlPr>
                                     <a:rPr lang="en-US" i="1">
-                                      <a:latin typeface="Cambria Math" panose="02040503050406030204" pitchFamily="18" charset="0"/>
+                                      <a:latin typeface="Cambria Math" charset="0"/>
                                     </a:rPr>
                                   </m:ctrlPr>
                                 </m:sSubPr>
@@ -12477,7 +12477,7 @@
                                       <m:chr m:val="̃"/>
                                       <m:ctrlPr>
                                         <a:rPr lang="en-US" b="0" i="1" smtClean="0">
-                                          <a:latin typeface="Cambria Math" panose="02040503050406030204" pitchFamily="18" charset="0"/>
+                                          <a:latin typeface="Cambria Math" charset="0"/>
                                         </a:rPr>
                                       </m:ctrlPr>
                                     </m:accPr>
@@ -12510,7 +12510,7 @@
                                 <m:sSubPr>
                                   <m:ctrlPr>
                                     <a:rPr lang="en-US" i="1">
-                                      <a:latin typeface="Cambria Math" panose="02040503050406030204" pitchFamily="18" charset="0"/>
+                                      <a:latin typeface="Cambria Math" charset="0"/>
                                     </a:rPr>
                                   </m:ctrlPr>
                                 </m:sSubPr>
@@ -12520,7 +12520,7 @@
                                       <m:chr m:val="̃"/>
                                       <m:ctrlPr>
                                         <a:rPr lang="en-US" b="0" i="1" smtClean="0">
-                                          <a:latin typeface="Cambria Math" panose="02040503050406030204" pitchFamily="18" charset="0"/>
+                                          <a:latin typeface="Cambria Math" charset="0"/>
                                         </a:rPr>
                                       </m:ctrlPr>
                                     </m:accPr>
@@ -12545,7 +12545,7 @@
                                     <m:sSubPr>
                                       <m:ctrlPr>
                                         <a:rPr lang="en-US" i="1">
-                                          <a:latin typeface="Cambria Math" panose="02040503050406030204" pitchFamily="18" charset="0"/>
+                                          <a:latin typeface="Cambria Math" charset="0"/>
                                         </a:rPr>
                                       </m:ctrlPr>
                                     </m:sSubPr>
@@ -12584,7 +12584,7 @@
                                 <m:sSubPr>
                                   <m:ctrlPr>
                                     <a:rPr lang="en-US" i="1">
-                                      <a:latin typeface="Cambria Math" panose="02040503050406030204" pitchFamily="18" charset="0"/>
+                                      <a:latin typeface="Cambria Math" charset="0"/>
                                     </a:rPr>
                                   </m:ctrlPr>
                                 </m:sSubPr>
@@ -12594,7 +12594,7 @@
                                       <m:chr m:val="̃"/>
                                       <m:ctrlPr>
                                         <a:rPr lang="en-US" b="0" i="1" smtClean="0">
-                                          <a:latin typeface="Cambria Math" panose="02040503050406030204" pitchFamily="18" charset="0"/>
+                                          <a:latin typeface="Cambria Math" charset="0"/>
                                         </a:rPr>
                                       </m:ctrlPr>
                                     </m:accPr>
@@ -12625,7 +12625,7 @@
                                     <m:sSubPr>
                                       <m:ctrlPr>
                                         <a:rPr lang="en-US" i="1">
-                                          <a:latin typeface="Cambria Math" panose="02040503050406030204" pitchFamily="18" charset="0"/>
+                                          <a:latin typeface="Cambria Math" charset="0"/>
                                         </a:rPr>
                                       </m:ctrlPr>
                                     </m:sSubPr>
@@ -12658,7 +12658,7 @@
                                 <m:sSubPr>
                                   <m:ctrlPr>
                                     <a:rPr lang="en-US" i="1">
-                                      <a:latin typeface="Cambria Math" panose="02040503050406030204" pitchFamily="18" charset="0"/>
+                                      <a:latin typeface="Cambria Math" charset="0"/>
                                     </a:rPr>
                                   </m:ctrlPr>
                                 </m:sSubPr>
@@ -12668,7 +12668,7 @@
                                       <m:chr m:val="̃"/>
                                       <m:ctrlPr>
                                         <a:rPr lang="en-US" b="0" i="1" smtClean="0">
-                                          <a:latin typeface="Cambria Math" panose="02040503050406030204" pitchFamily="18" charset="0"/>
+                                          <a:latin typeface="Cambria Math" charset="0"/>
                                         </a:rPr>
                                       </m:ctrlPr>
                                     </m:accPr>
@@ -12701,7 +12701,7 @@
                                 <m:sSubPr>
                                   <m:ctrlPr>
                                     <a:rPr lang="en-US" i="1">
-                                      <a:latin typeface="Cambria Math" panose="02040503050406030204" pitchFamily="18" charset="0"/>
+                                      <a:latin typeface="Cambria Math" charset="0"/>
                                     </a:rPr>
                                   </m:ctrlPr>
                                 </m:sSubPr>
@@ -12711,7 +12711,7 @@
                                       <m:chr m:val="̃"/>
                                       <m:ctrlPr>
                                         <a:rPr lang="en-US" b="0" i="1" smtClean="0">
-                                          <a:latin typeface="Cambria Math" panose="02040503050406030204" pitchFamily="18" charset="0"/>
+                                          <a:latin typeface="Cambria Math" charset="0"/>
                                         </a:rPr>
                                       </m:ctrlPr>
                                     </m:accPr>
@@ -12742,7 +12742,7 @@
                                     <m:sSubPr>
                                       <m:ctrlPr>
                                         <a:rPr lang="en-US" i="1">
-                                          <a:latin typeface="Cambria Math" panose="02040503050406030204" pitchFamily="18" charset="0"/>
+                                          <a:latin typeface="Cambria Math" charset="0"/>
                                         </a:rPr>
                                       </m:ctrlPr>
                                     </m:sSubPr>
@@ -12803,7 +12803,7 @@
                         <m:funcPr>
                           <m:ctrlPr>
                             <a:rPr lang="en-US" b="0" i="1" smtClean="0">
-                              <a:latin typeface="Cambria Math" panose="02040503050406030204" pitchFamily="18" charset="0"/>
+                              <a:latin typeface="Cambria Math" charset="0"/>
                             </a:rPr>
                           </m:ctrlPr>
                         </m:funcPr>
@@ -12823,7 +12823,7 @@
                             <m:dPr>
                               <m:ctrlPr>
                                 <a:rPr lang="en-US" b="0" i="1" smtClean="0">
-                                  <a:latin typeface="Cambria Math" panose="02040503050406030204" pitchFamily="18" charset="0"/>
+                                  <a:latin typeface="Cambria Math" charset="0"/>
                                 </a:rPr>
                               </m:ctrlPr>
                             </m:dPr>
@@ -12832,7 +12832,7 @@
                                 <m:sSubPr>
                                   <m:ctrlPr>
                                     <a:rPr lang="en-US" b="0" i="1" smtClean="0">
-                                      <a:latin typeface="Cambria Math" panose="02040503050406030204" pitchFamily="18" charset="0"/>
+                                      <a:latin typeface="Cambria Math" charset="0"/>
                                     </a:rPr>
                                   </m:ctrlPr>
                                 </m:sSubPr>
@@ -12863,7 +12863,7 @@
                                 <m:sSubPr>
                                   <m:ctrlPr>
                                     <a:rPr lang="en-US" b="0" i="1" smtClean="0">
-                                      <a:latin typeface="Cambria Math" panose="02040503050406030204" pitchFamily="18" charset="0"/>
+                                      <a:latin typeface="Cambria Math" charset="0"/>
                                     </a:rPr>
                                   </m:ctrlPr>
                                 </m:sSubPr>
@@ -12886,7 +12886,7 @@
                                     <m:sSubPr>
                                       <m:ctrlPr>
                                         <a:rPr lang="en-US" b="0" i="1" smtClean="0">
-                                          <a:latin typeface="Cambria Math" panose="02040503050406030204" pitchFamily="18" charset="0"/>
+                                          <a:latin typeface="Cambria Math" charset="0"/>
                                         </a:rPr>
                                       </m:ctrlPr>
                                     </m:sSubPr>
@@ -12919,7 +12919,7 @@
                                 <m:sSubPr>
                                   <m:ctrlPr>
                                     <a:rPr lang="en-US" b="0" i="1" smtClean="0">
-                                      <a:latin typeface="Cambria Math" panose="02040503050406030204" pitchFamily="18" charset="0"/>
+                                      <a:latin typeface="Cambria Math" charset="0"/>
                                     </a:rPr>
                                   </m:ctrlPr>
                                 </m:sSubPr>
@@ -12950,7 +12950,7 @@
                                 <m:sSubPr>
                                   <m:ctrlPr>
                                     <a:rPr lang="en-US" b="0" i="1" smtClean="0">
-                                      <a:latin typeface="Cambria Math" panose="02040503050406030204" pitchFamily="18" charset="0"/>
+                                      <a:latin typeface="Cambria Math" charset="0"/>
                                     </a:rPr>
                                   </m:ctrlPr>
                                 </m:sSubPr>
@@ -12979,7 +12979,7 @@
                                     <m:sSubPr>
                                       <m:ctrlPr>
                                         <a:rPr lang="en-US" b="0" i="1" smtClean="0">
-                                          <a:latin typeface="Cambria Math" panose="02040503050406030204" pitchFamily="18" charset="0"/>
+                                          <a:latin typeface="Cambria Math" charset="0"/>
                                         </a:rPr>
                                       </m:ctrlPr>
                                     </m:sSubPr>
@@ -13016,7 +13016,7 @@
                         <m:funcPr>
                           <m:ctrlPr>
                             <a:rPr lang="en-US" i="1">
-                              <a:latin typeface="Cambria Math" panose="02040503050406030204" pitchFamily="18" charset="0"/>
+                              <a:latin typeface="Cambria Math" charset="0"/>
                             </a:rPr>
                           </m:ctrlPr>
                         </m:funcPr>
@@ -13036,7 +13036,7 @@
                             <m:dPr>
                               <m:ctrlPr>
                                 <a:rPr lang="en-US" i="1">
-                                  <a:latin typeface="Cambria Math" panose="02040503050406030204" pitchFamily="18" charset="0"/>
+                                  <a:latin typeface="Cambria Math" charset="0"/>
                                 </a:rPr>
                               </m:ctrlPr>
                             </m:dPr>
@@ -13045,7 +13045,7 @@
                                 <m:sSubPr>
                                   <m:ctrlPr>
                                     <a:rPr lang="en-US" i="1">
-                                      <a:latin typeface="Cambria Math" panose="02040503050406030204" pitchFamily="18" charset="0"/>
+                                      <a:latin typeface="Cambria Math" charset="0"/>
                                     </a:rPr>
                                   </m:ctrlPr>
                                 </m:sSubPr>
@@ -13055,7 +13055,7 @@
                                       <m:chr m:val="̃"/>
                                       <m:ctrlPr>
                                         <a:rPr lang="en-US" b="0" i="1" smtClean="0">
-                                          <a:latin typeface="Cambria Math" panose="02040503050406030204" pitchFamily="18" charset="0"/>
+                                          <a:latin typeface="Cambria Math" charset="0"/>
                                         </a:rPr>
                                       </m:ctrlPr>
                                     </m:accPr>
@@ -13088,7 +13088,7 @@
                                 <m:sSubPr>
                                   <m:ctrlPr>
                                     <a:rPr lang="en-US" i="1">
-                                      <a:latin typeface="Cambria Math" panose="02040503050406030204" pitchFamily="18" charset="0"/>
+                                      <a:latin typeface="Cambria Math" charset="0"/>
                                     </a:rPr>
                                   </m:ctrlPr>
                                 </m:sSubPr>
@@ -13098,7 +13098,7 @@
                                       <m:chr m:val="̃"/>
                                       <m:ctrlPr>
                                         <a:rPr lang="en-US" b="0" i="1" smtClean="0">
-                                          <a:latin typeface="Cambria Math" panose="02040503050406030204" pitchFamily="18" charset="0"/>
+                                          <a:latin typeface="Cambria Math" charset="0"/>
                                         </a:rPr>
                                       </m:ctrlPr>
                                     </m:accPr>
@@ -13123,7 +13123,7 @@
                                     <m:sSubPr>
                                       <m:ctrlPr>
                                         <a:rPr lang="en-US" i="1">
-                                          <a:latin typeface="Cambria Math" panose="02040503050406030204" pitchFamily="18" charset="0"/>
+                                          <a:latin typeface="Cambria Math" charset="0"/>
                                         </a:rPr>
                                       </m:ctrlPr>
                                     </m:sSubPr>
@@ -13156,7 +13156,7 @@
                                 <m:sSubPr>
                                   <m:ctrlPr>
                                     <a:rPr lang="en-US" i="1">
-                                      <a:latin typeface="Cambria Math" panose="02040503050406030204" pitchFamily="18" charset="0"/>
+                                      <a:latin typeface="Cambria Math" charset="0"/>
                                     </a:rPr>
                                   </m:ctrlPr>
                                 </m:sSubPr>
@@ -13166,7 +13166,7 @@
                                       <m:chr m:val="̃"/>
                                       <m:ctrlPr>
                                         <a:rPr lang="en-US" b="0" i="1" smtClean="0">
-                                          <a:latin typeface="Cambria Math" panose="02040503050406030204" pitchFamily="18" charset="0"/>
+                                          <a:latin typeface="Cambria Math" charset="0"/>
                                         </a:rPr>
                                       </m:ctrlPr>
                                     </m:accPr>
@@ -13199,7 +13199,7 @@
                                 <m:sSubPr>
                                   <m:ctrlPr>
                                     <a:rPr lang="en-US" i="1">
-                                      <a:latin typeface="Cambria Math" panose="02040503050406030204" pitchFamily="18" charset="0"/>
+                                      <a:latin typeface="Cambria Math" charset="0"/>
                                     </a:rPr>
                                   </m:ctrlPr>
                                 </m:sSubPr>
@@ -13209,7 +13209,7 @@
                                       <m:chr m:val="̃"/>
                                       <m:ctrlPr>
                                         <a:rPr lang="en-US" b="0" i="1" smtClean="0">
-                                          <a:latin typeface="Cambria Math" panose="02040503050406030204" pitchFamily="18" charset="0"/>
+                                          <a:latin typeface="Cambria Math" charset="0"/>
                                         </a:rPr>
                                       </m:ctrlPr>
                                     </m:accPr>
@@ -13240,7 +13240,7 @@
                                     <m:sSubPr>
                                       <m:ctrlPr>
                                         <a:rPr lang="en-US" i="1">
-                                          <a:latin typeface="Cambria Math" panose="02040503050406030204" pitchFamily="18" charset="0"/>
+                                          <a:latin typeface="Cambria Math" charset="0"/>
                                         </a:rPr>
                                       </m:ctrlPr>
                                     </m:sSubPr>
@@ -13364,8 +13364,8 @@
           </a:p>
         </p:txBody>
       </p:sp>
-      <mc:AlternateContent xmlns:mc="http://schemas.openxmlformats.org/markup-compatibility/2006">
-        <mc:Choice xmlns:a14="http://schemas.microsoft.com/office/drawing/2010/main" Requires="a14">
+      <mc:AlternateContent xmlns:mc="http://schemas.openxmlformats.org/markup-compatibility/2006" xmlns:a14="http://schemas.microsoft.com/office/drawing/2010/main">
+        <mc:Choice Requires="a14">
           <p:sp>
             <p:nvSpPr>
               <p:cNvPr id="3" name="Content Placeholder 2"/>
@@ -13409,7 +13409,7 @@
                         <m:chr m:val="̃"/>
                         <m:ctrlPr>
                           <a:rPr lang="en-US" b="1" i="1" smtClean="0">
-                            <a:latin typeface="Cambria Math" panose="02040503050406030204" pitchFamily="18" charset="0"/>
+                            <a:latin typeface="Cambria Math" charset="0"/>
                           </a:rPr>
                         </m:ctrlPr>
                       </m:accPr>
@@ -13481,7 +13481,7 @@
                         <m:dPr>
                           <m:ctrlPr>
                             <a:rPr lang="en-US" b="0" i="1" smtClean="0">
-                              <a:latin typeface="Cambria Math" panose="02040503050406030204" pitchFamily="18" charset="0"/>
+                              <a:latin typeface="Cambria Math" charset="0"/>
                             </a:rPr>
                           </m:ctrlPr>
                         </m:dPr>
@@ -13490,7 +13490,7 @@
                             <m:sSubPr>
                               <m:ctrlPr>
                                 <a:rPr lang="en-US" b="0" i="1" smtClean="0">
-                                  <a:latin typeface="Cambria Math" panose="02040503050406030204" pitchFamily="18" charset="0"/>
+                                  <a:latin typeface="Cambria Math" charset="0"/>
                                 </a:rPr>
                               </m:ctrlPr>
                             </m:sSubPr>
@@ -13515,7 +13515,7 @@
                             <m:dPr>
                               <m:ctrlPr>
                                 <a:rPr lang="en-US" b="0" i="1" smtClean="0">
-                                  <a:latin typeface="Cambria Math" panose="02040503050406030204" pitchFamily="18" charset="0"/>
+                                  <a:latin typeface="Cambria Math" charset="0"/>
                                 </a:rPr>
                               </m:ctrlPr>
                             </m:dPr>
@@ -13524,7 +13524,7 @@
                                 <m:sSubPr>
                                   <m:ctrlPr>
                                     <a:rPr lang="en-US" b="0" i="1" smtClean="0">
-                                      <a:latin typeface="Cambria Math" panose="02040503050406030204" pitchFamily="18" charset="0"/>
+                                      <a:latin typeface="Cambria Math" charset="0"/>
                                     </a:rPr>
                                   </m:ctrlPr>
                                 </m:sSubPr>
@@ -13547,7 +13547,7 @@
                                     <m:sSubPr>
                                       <m:ctrlPr>
                                         <a:rPr lang="en-US" b="0" i="1" smtClean="0">
-                                          <a:latin typeface="Cambria Math" panose="02040503050406030204" pitchFamily="18" charset="0"/>
+                                          <a:latin typeface="Cambria Math" charset="0"/>
                                         </a:rPr>
                                       </m:ctrlPr>
                                     </m:sSubPr>
@@ -13582,7 +13582,7 @@
                             <m:sSubPr>
                               <m:ctrlPr>
                                 <a:rPr lang="en-US" i="1">
-                                  <a:latin typeface="Cambria Math" panose="02040503050406030204" pitchFamily="18" charset="0"/>
+                                  <a:latin typeface="Cambria Math" charset="0"/>
                                 </a:rPr>
                               </m:ctrlPr>
                             </m:sSubPr>
@@ -13607,7 +13607,7 @@
                             <m:dPr>
                               <m:ctrlPr>
                                 <a:rPr lang="en-US" i="1">
-                                  <a:latin typeface="Cambria Math" panose="02040503050406030204" pitchFamily="18" charset="0"/>
+                                  <a:latin typeface="Cambria Math" charset="0"/>
                                 </a:rPr>
                               </m:ctrlPr>
                             </m:dPr>
@@ -13616,7 +13616,7 @@
                                 <m:sSubPr>
                                   <m:ctrlPr>
                                     <a:rPr lang="en-US" i="1">
-                                      <a:latin typeface="Cambria Math" panose="02040503050406030204" pitchFamily="18" charset="0"/>
+                                      <a:latin typeface="Cambria Math" charset="0"/>
                                     </a:rPr>
                                   </m:ctrlPr>
                                 </m:sSubPr>
@@ -13645,7 +13645,7 @@
                                     <m:sSubPr>
                                       <m:ctrlPr>
                                         <a:rPr lang="en-US" i="1">
-                                          <a:latin typeface="Cambria Math" panose="02040503050406030204" pitchFamily="18" charset="0"/>
+                                          <a:latin typeface="Cambria Math" charset="0"/>
                                         </a:rPr>
                                       </m:ctrlPr>
                                     </m:sSubPr>
@@ -13688,7 +13688,7 @@
                         <m:dPr>
                           <m:ctrlPr>
                             <a:rPr lang="en-US" i="1">
-                              <a:latin typeface="Cambria Math" panose="02040503050406030204" pitchFamily="18" charset="0"/>
+                              <a:latin typeface="Cambria Math" charset="0"/>
                             </a:rPr>
                           </m:ctrlPr>
                         </m:dPr>
@@ -13697,7 +13697,7 @@
                             <m:sSubPr>
                               <m:ctrlPr>
                                 <a:rPr lang="en-US" i="1">
-                                  <a:latin typeface="Cambria Math" panose="02040503050406030204" pitchFamily="18" charset="0"/>
+                                  <a:latin typeface="Cambria Math" charset="0"/>
                                 </a:rPr>
                               </m:ctrlPr>
                             </m:sSubPr>
@@ -13707,7 +13707,7 @@
                                   <m:chr m:val="̃"/>
                                   <m:ctrlPr>
                                     <a:rPr lang="en-US" b="0" i="1" smtClean="0">
-                                      <a:latin typeface="Cambria Math" panose="02040503050406030204" pitchFamily="18" charset="0"/>
+                                      <a:latin typeface="Cambria Math" charset="0"/>
                                     </a:rPr>
                                   </m:ctrlPr>
                                 </m:accPr>
@@ -13734,7 +13734,7 @@
                             <m:dPr>
                               <m:ctrlPr>
                                 <a:rPr lang="en-US" i="1">
-                                  <a:latin typeface="Cambria Math" panose="02040503050406030204" pitchFamily="18" charset="0"/>
+                                  <a:latin typeface="Cambria Math" charset="0"/>
                                 </a:rPr>
                               </m:ctrlPr>
                             </m:dPr>
@@ -13743,7 +13743,7 @@
                                 <m:sSubPr>
                                   <m:ctrlPr>
                                     <a:rPr lang="en-US" i="1">
-                                      <a:latin typeface="Cambria Math" panose="02040503050406030204" pitchFamily="18" charset="0"/>
+                                      <a:latin typeface="Cambria Math" charset="0"/>
                                     </a:rPr>
                                   </m:ctrlPr>
                                 </m:sSubPr>
@@ -13753,7 +13753,7 @@
                                       <m:chr m:val="̃"/>
                                       <m:ctrlPr>
                                         <a:rPr lang="en-US" b="0" i="1" smtClean="0">
-                                          <a:latin typeface="Cambria Math" panose="02040503050406030204" pitchFamily="18" charset="0"/>
+                                          <a:latin typeface="Cambria Math" charset="0"/>
                                         </a:rPr>
                                       </m:ctrlPr>
                                     </m:accPr>
@@ -13778,7 +13778,7 @@
                                     <m:sSubPr>
                                       <m:ctrlPr>
                                         <a:rPr lang="en-US" i="1">
-                                          <a:latin typeface="Cambria Math" panose="02040503050406030204" pitchFamily="18" charset="0"/>
+                                          <a:latin typeface="Cambria Math" charset="0"/>
                                         </a:rPr>
                                       </m:ctrlPr>
                                     </m:sSubPr>
@@ -13813,7 +13813,7 @@
                             <m:sSubPr>
                               <m:ctrlPr>
                                 <a:rPr lang="en-US" i="1">
-                                  <a:latin typeface="Cambria Math" panose="02040503050406030204" pitchFamily="18" charset="0"/>
+                                  <a:latin typeface="Cambria Math" charset="0"/>
                                 </a:rPr>
                               </m:ctrlPr>
                             </m:sSubPr>
@@ -13823,7 +13823,7 @@
                                   <m:chr m:val="̃"/>
                                   <m:ctrlPr>
                                     <a:rPr lang="en-US" b="0" i="1" smtClean="0">
-                                      <a:latin typeface="Cambria Math" panose="02040503050406030204" pitchFamily="18" charset="0"/>
+                                      <a:latin typeface="Cambria Math" charset="0"/>
                                     </a:rPr>
                                   </m:ctrlPr>
                                 </m:accPr>
@@ -13850,7 +13850,7 @@
                             <m:dPr>
                               <m:ctrlPr>
                                 <a:rPr lang="en-US" i="1">
-                                  <a:latin typeface="Cambria Math" panose="02040503050406030204" pitchFamily="18" charset="0"/>
+                                  <a:latin typeface="Cambria Math" charset="0"/>
                                 </a:rPr>
                               </m:ctrlPr>
                             </m:dPr>
@@ -13859,7 +13859,7 @@
                                 <m:sSubPr>
                                   <m:ctrlPr>
                                     <a:rPr lang="en-US" b="0" i="1" dirty="0" smtClean="0">
-                                      <a:latin typeface="Cambria Math" panose="02040503050406030204" pitchFamily="18" charset="0"/>
+                                      <a:latin typeface="Cambria Math" charset="0"/>
                                     </a:rPr>
                                   </m:ctrlPr>
                                 </m:sSubPr>
@@ -13869,7 +13869,7 @@
                                       <m:chr m:val="̃"/>
                                       <m:ctrlPr>
                                         <a:rPr lang="en-US" b="0" i="1" smtClean="0">
-                                          <a:latin typeface="Cambria Math" panose="02040503050406030204" pitchFamily="18" charset="0"/>
+                                          <a:latin typeface="Cambria Math" charset="0"/>
                                         </a:rPr>
                                       </m:ctrlPr>
                                     </m:accPr>
@@ -13900,7 +13900,7 @@
                                     <m:sSubPr>
                                       <m:ctrlPr>
                                         <a:rPr lang="en-US" b="0" i="1" dirty="0" smtClean="0">
-                                          <a:latin typeface="Cambria Math" panose="02040503050406030204" pitchFamily="18" charset="0"/>
+                                          <a:latin typeface="Cambria Math" charset="0"/>
                                         </a:rPr>
                                       </m:ctrlPr>
                                     </m:sSubPr>
@@ -13963,7 +13963,7 @@
                         <m:sSubPr>
                           <m:ctrlPr>
                             <a:rPr lang="en-US" b="0" i="1" smtClean="0">
-                              <a:latin typeface="Cambria Math" panose="02040503050406030204" pitchFamily="18" charset="0"/>
+                              <a:latin typeface="Cambria Math" charset="0"/>
                             </a:rPr>
                           </m:ctrlPr>
                         </m:sSubPr>
@@ -13988,7 +13988,7 @@
                         <m:dPr>
                           <m:ctrlPr>
                             <a:rPr lang="en-US" b="0" i="1" smtClean="0">
-                              <a:latin typeface="Cambria Math" panose="02040503050406030204" pitchFamily="18" charset="0"/>
+                              <a:latin typeface="Cambria Math" charset="0"/>
                             </a:rPr>
                           </m:ctrlPr>
                         </m:dPr>
@@ -13997,7 +13997,7 @@
                             <m:sSubPr>
                               <m:ctrlPr>
                                 <a:rPr lang="en-US" b="0" i="1" smtClean="0">
-                                  <a:latin typeface="Cambria Math" panose="02040503050406030204" pitchFamily="18" charset="0"/>
+                                  <a:latin typeface="Cambria Math" charset="0"/>
                                 </a:rPr>
                               </m:ctrlPr>
                             </m:sSubPr>
@@ -14042,7 +14042,7 @@
                         <m:sSubPr>
                           <m:ctrlPr>
                             <a:rPr lang="en-US" i="1">
-                              <a:latin typeface="Cambria Math" panose="02040503050406030204" pitchFamily="18" charset="0"/>
+                              <a:latin typeface="Cambria Math" charset="0"/>
                             </a:rPr>
                           </m:ctrlPr>
                         </m:sSubPr>
@@ -14052,7 +14052,7 @@
                               <m:chr m:val="̃"/>
                               <m:ctrlPr>
                                 <a:rPr lang="en-US" b="0" i="1" smtClean="0">
-                                  <a:latin typeface="Cambria Math" panose="02040503050406030204" pitchFamily="18" charset="0"/>
+                                  <a:latin typeface="Cambria Math" charset="0"/>
                                 </a:rPr>
                               </m:ctrlPr>
                             </m:accPr>
@@ -14079,7 +14079,7 @@
                         <m:dPr>
                           <m:ctrlPr>
                             <a:rPr lang="en-US" i="1">
-                              <a:latin typeface="Cambria Math" panose="02040503050406030204" pitchFamily="18" charset="0"/>
+                              <a:latin typeface="Cambria Math" charset="0"/>
                             </a:rPr>
                           </m:ctrlPr>
                         </m:dPr>
@@ -14088,7 +14088,7 @@
                             <m:sSubPr>
                               <m:ctrlPr>
                                 <a:rPr lang="en-US" i="1">
-                                  <a:latin typeface="Cambria Math" panose="02040503050406030204" pitchFamily="18" charset="0"/>
+                                  <a:latin typeface="Cambria Math" charset="0"/>
                                 </a:rPr>
                               </m:ctrlPr>
                             </m:sSubPr>
@@ -14098,7 +14098,7 @@
                                   <m:chr m:val="̃"/>
                                   <m:ctrlPr>
                                     <a:rPr lang="en-US" b="0" i="1" smtClean="0">
-                                      <a:latin typeface="Cambria Math" panose="02040503050406030204" pitchFamily="18" charset="0"/>
+                                      <a:latin typeface="Cambria Math" charset="0"/>
                                     </a:rPr>
                                   </m:ctrlPr>
                                 </m:accPr>
@@ -14229,7 +14229,7 @@
                         <m:chr m:val="̃"/>
                         <m:ctrlPr>
                           <a:rPr lang="en-US" b="1" i="1" smtClean="0">
-                            <a:latin typeface="Cambria Math" panose="02040503050406030204" pitchFamily="18" charset="0"/>
+                            <a:latin typeface="Cambria Math" charset="0"/>
                           </a:rPr>
                         </m:ctrlPr>
                       </m:accPr>
@@ -14257,7 +14257,7 @@
             </p:txBody>
           </p:sp>
         </mc:Choice>
-        <mc:Fallback>
+        <mc:Fallback xmlns="">
           <p:sp>
             <p:nvSpPr>
               <p:cNvPr id="3" name="Content Placeholder 2"/>
@@ -14402,7 +14402,7 @@
                       <m:sSubPr>
                         <m:ctrlPr>
                           <a:rPr lang="en-US" b="0" i="1" smtClean="0">
-                            <a:latin typeface="Cambria Math" panose="02040503050406030204" pitchFamily="18" charset="0"/>
+                            <a:latin typeface="Cambria Math" charset="0"/>
                           </a:rPr>
                         </m:ctrlPr>
                       </m:sSubPr>
@@ -14435,7 +14435,7 @@
                       <m:sSubPr>
                         <m:ctrlPr>
                           <a:rPr lang="en-US" b="0" i="1" smtClean="0">
-                            <a:latin typeface="Cambria Math" panose="02040503050406030204" pitchFamily="18" charset="0"/>
+                            <a:latin typeface="Cambria Math" charset="0"/>
                           </a:rPr>
                         </m:ctrlPr>
                       </m:sSubPr>
@@ -14500,7 +14500,7 @@
                       <m:sSubPr>
                         <m:ctrlPr>
                           <a:rPr lang="en-US" b="0" i="1" smtClean="0">
-                            <a:latin typeface="Cambria Math" panose="02040503050406030204" pitchFamily="18" charset="0"/>
+                            <a:latin typeface="Cambria Math" charset="0"/>
                           </a:rPr>
                         </m:ctrlPr>
                       </m:sSubPr>
@@ -14580,7 +14580,7 @@
                         <m:sSubPr>
                           <m:ctrlPr>
                             <a:rPr lang="en-US" b="0" i="1" smtClean="0">
-                              <a:latin typeface="Cambria Math" panose="02040503050406030204" pitchFamily="18" charset="0"/>
+                              <a:latin typeface="Cambria Math" charset="0"/>
                             </a:rPr>
                           </m:ctrlPr>
                         </m:sSubPr>
@@ -14617,7 +14617,7 @@
                         <m:dPr>
                           <m:ctrlPr>
                             <a:rPr lang="en-US" b="0" i="1" smtClean="0">
-                              <a:latin typeface="Cambria Math" panose="02040503050406030204" pitchFamily="18" charset="0"/>
+                              <a:latin typeface="Cambria Math" charset="0"/>
                             </a:rPr>
                           </m:ctrlPr>
                         </m:dPr>
@@ -14628,7 +14628,7 @@
                               <m:endChr m:val="}"/>
                               <m:ctrlPr>
                                 <a:rPr lang="en-US" b="0" i="1" smtClean="0">
-                                  <a:latin typeface="Cambria Math" panose="02040503050406030204" pitchFamily="18" charset="0"/>
+                                  <a:latin typeface="Cambria Math" charset="0"/>
                                 </a:rPr>
                               </m:ctrlPr>
                             </m:dPr>
@@ -14637,7 +14637,7 @@
                                 <m:sSubPr>
                                   <m:ctrlPr>
                                     <a:rPr lang="en-US" b="0" i="1" smtClean="0">
-                                      <a:latin typeface="Cambria Math" panose="02040503050406030204" pitchFamily="18" charset="0"/>
+                                      <a:latin typeface="Cambria Math" charset="0"/>
                                     </a:rPr>
                                   </m:ctrlPr>
                                 </m:sSubPr>
@@ -14830,7 +14830,7 @@
                         <m:dPr>
                           <m:ctrlPr>
                             <a:rPr lang="en-US" b="0" i="1" smtClean="0">
-                              <a:latin typeface="Cambria Math" panose="02040503050406030204" pitchFamily="18" charset="0"/>
+                              <a:latin typeface="Cambria Math" charset="0"/>
                             </a:rPr>
                           </m:ctrlPr>
                         </m:dPr>
@@ -14853,7 +14853,7 @@
                         <m:funcPr>
                           <m:ctrlPr>
                             <a:rPr lang="en-US" b="0" i="1" smtClean="0">
-                              <a:latin typeface="Cambria Math" panose="02040503050406030204" pitchFamily="18" charset="0"/>
+                              <a:latin typeface="Cambria Math" charset="0"/>
                             </a:rPr>
                           </m:ctrlPr>
                         </m:funcPr>
@@ -14873,7 +14873,7 @@
                             <m:dPr>
                               <m:ctrlPr>
                                 <a:rPr lang="en-US" b="0" i="1" smtClean="0">
-                                  <a:latin typeface="Cambria Math" panose="02040503050406030204" pitchFamily="18" charset="0"/>
+                                  <a:latin typeface="Cambria Math" charset="0"/>
                                 </a:rPr>
                               </m:ctrlPr>
                             </m:dPr>
@@ -14948,7 +14948,7 @@
                         <m:dPr>
                           <m:ctrlPr>
                             <a:rPr lang="en-US" b="0" i="1" smtClean="0">
-                              <a:latin typeface="Cambria Math" panose="02040503050406030204" pitchFamily="18" charset="0"/>
+                              <a:latin typeface="Cambria Math" charset="0"/>
                             </a:rPr>
                           </m:ctrlPr>
                         </m:dPr>
@@ -14971,7 +14971,7 @@
                         <m:fPr>
                           <m:ctrlPr>
                             <a:rPr lang="en-US" b="0" i="1" smtClean="0">
-                              <a:latin typeface="Cambria Math" panose="02040503050406030204" pitchFamily="18" charset="0"/>
+                              <a:latin typeface="Cambria Math" charset="0"/>
                             </a:rPr>
                           </m:ctrlPr>
                         </m:fPr>
@@ -14980,7 +14980,7 @@
                             <m:sSupPr>
                               <m:ctrlPr>
                                 <a:rPr lang="en-US" b="0" i="1" smtClean="0">
-                                  <a:latin typeface="Cambria Math" panose="02040503050406030204" pitchFamily="18" charset="0"/>
+                                  <a:latin typeface="Cambria Math" charset="0"/>
                                 </a:rPr>
                               </m:ctrlPr>
                             </m:sSupPr>
@@ -15005,7 +15005,7 @@
                             <m:dPr>
                               <m:ctrlPr>
                                 <a:rPr lang="en-US" b="0" i="1" smtClean="0">
-                                  <a:latin typeface="Cambria Math" panose="02040503050406030204" pitchFamily="18" charset="0"/>
+                                  <a:latin typeface="Cambria Math" charset="0"/>
                                 </a:rPr>
                               </m:ctrlPr>
                             </m:dPr>
@@ -15030,7 +15030,7 @@
                             <m:dPr>
                               <m:ctrlPr>
                                 <a:rPr lang="en-US" b="0" i="1" smtClean="0">
-                                  <a:latin typeface="Cambria Math" panose="02040503050406030204" pitchFamily="18" charset="0"/>
+                                  <a:latin typeface="Cambria Math" charset="0"/>
                                 </a:rPr>
                               </m:ctrlPr>
                             </m:dPr>
@@ -15089,7 +15089,7 @@
                       <m:dPr>
                         <m:ctrlPr>
                           <a:rPr lang="en-US" b="0" i="1" smtClean="0">
-                            <a:latin typeface="Cambria Math" panose="02040503050406030204" pitchFamily="18" charset="0"/>
+                            <a:latin typeface="Cambria Math" charset="0"/>
                           </a:rPr>
                         </m:ctrlPr>
                       </m:dPr>
@@ -15332,7 +15332,7 @@
                         <m:dPr>
                           <m:ctrlPr>
                             <a:rPr lang="en-US" b="0" i="1" smtClean="0">
-                              <a:latin typeface="Cambria Math" panose="02040503050406030204" pitchFamily="18" charset="0"/>
+                              <a:latin typeface="Cambria Math" charset="0"/>
                             </a:rPr>
                           </m:ctrlPr>
                         </m:dPr>
@@ -15355,7 +15355,7 @@
                         <m:funcPr>
                           <m:ctrlPr>
                             <a:rPr lang="en-US" b="0" i="1" smtClean="0">
-                              <a:latin typeface="Cambria Math" panose="02040503050406030204" pitchFamily="18" charset="0"/>
+                              <a:latin typeface="Cambria Math" charset="0"/>
                             </a:rPr>
                           </m:ctrlPr>
                         </m:funcPr>
@@ -15375,7 +15375,7 @@
                             <m:dPr>
                               <m:ctrlPr>
                                 <a:rPr lang="en-US" b="0" i="1" smtClean="0">
-                                  <a:latin typeface="Cambria Math" panose="02040503050406030204" pitchFamily="18" charset="0"/>
+                                  <a:latin typeface="Cambria Math" charset="0"/>
                                 </a:rPr>
                               </m:ctrlPr>
                             </m:dPr>
@@ -15390,7 +15390,7 @@
                                 <m:naryPr>
                                   <m:ctrlPr>
                                     <a:rPr lang="en-US" b="0" i="1" smtClean="0">
-                                      <a:latin typeface="Cambria Math" panose="02040503050406030204" pitchFamily="18" charset="0"/>
+                                      <a:latin typeface="Cambria Math" charset="0"/>
                                     </a:rPr>
                                   </m:ctrlPr>
                                 </m:naryPr>
@@ -15421,7 +15421,7 @@
                                     <m:dPr>
                                       <m:ctrlPr>
                                         <a:rPr lang="en-US" b="0" i="1" smtClean="0">
-                                          <a:latin typeface="Cambria Math" panose="02040503050406030204" pitchFamily="18" charset="0"/>
+                                          <a:latin typeface="Cambria Math" charset="0"/>
                                         </a:rPr>
                                       </m:ctrlPr>
                                     </m:dPr>
@@ -15500,7 +15500,7 @@
                         <m:dPr>
                           <m:ctrlPr>
                             <a:rPr lang="en-US" b="0" i="1" smtClean="0">
-                              <a:latin typeface="Cambria Math" panose="02040503050406030204" pitchFamily="18" charset="0"/>
+                              <a:latin typeface="Cambria Math" charset="0"/>
                             </a:rPr>
                           </m:ctrlPr>
                         </m:dPr>
@@ -15529,7 +15529,7 @@
                         <m:dPr>
                           <m:ctrlPr>
                             <a:rPr lang="en-US" b="0" i="1" smtClean="0">
-                              <a:latin typeface="Cambria Math" panose="02040503050406030204" pitchFamily="18" charset="0"/>
+                              <a:latin typeface="Cambria Math" charset="0"/>
                             </a:rPr>
                           </m:ctrlPr>
                         </m:dPr>
@@ -15552,7 +15552,7 @@
                         <m:dPr>
                           <m:ctrlPr>
                             <a:rPr lang="en-US" b="0" i="1" smtClean="0">
-                              <a:latin typeface="Cambria Math" panose="02040503050406030204" pitchFamily="18" charset="0"/>
+                              <a:latin typeface="Cambria Math" charset="0"/>
                             </a:rPr>
                           </m:ctrlPr>
                         </m:dPr>
@@ -15619,7 +15619,7 @@
                         <m:dPr>
                           <m:ctrlPr>
                             <a:rPr lang="en-US" b="0" i="1" smtClean="0">
-                              <a:latin typeface="Cambria Math" panose="02040503050406030204" pitchFamily="18" charset="0"/>
+                              <a:latin typeface="Cambria Math" charset="0"/>
                             </a:rPr>
                           </m:ctrlPr>
                         </m:dPr>
@@ -15648,7 +15648,7 @@
                         <m:dPr>
                           <m:ctrlPr>
                             <a:rPr lang="en-US" b="0" i="1" smtClean="0">
-                              <a:latin typeface="Cambria Math" panose="02040503050406030204" pitchFamily="18" charset="0"/>
+                              <a:latin typeface="Cambria Math" charset="0"/>
                             </a:rPr>
                           </m:ctrlPr>
                         </m:dPr>
@@ -15798,7 +15798,7 @@
                       <m:sSubPr>
                         <m:ctrlPr>
                           <a:rPr lang="en-US" b="0" i="1" smtClean="0">
-                            <a:latin typeface="Cambria Math" panose="02040503050406030204" pitchFamily="18" charset="0"/>
+                            <a:latin typeface="Cambria Math" charset="0"/>
                           </a:rPr>
                         </m:ctrlPr>
                       </m:sSubPr>
@@ -15831,7 +15831,7 @@
                       <m:sSubPr>
                         <m:ctrlPr>
                           <a:rPr lang="en-US" b="0" i="1" smtClean="0">
-                            <a:latin typeface="Cambria Math" panose="02040503050406030204" pitchFamily="18" charset="0"/>
+                            <a:latin typeface="Cambria Math" charset="0"/>
                           </a:rPr>
                         </m:ctrlPr>
                       </m:sSubPr>
@@ -15891,7 +15891,7 @@
                         <m:dPr>
                           <m:ctrlPr>
                             <a:rPr lang="en-US" b="0" i="1" smtClean="0">
-                              <a:latin typeface="Cambria Math" panose="02040503050406030204" pitchFamily="18" charset="0"/>
+                              <a:latin typeface="Cambria Math" charset="0"/>
                             </a:rPr>
                           </m:ctrlPr>
                         </m:dPr>
@@ -15908,7 +15908,7 @@
                         <m:sSubPr>
                           <m:ctrlPr>
                             <a:rPr lang="en-US" b="0" i="1" smtClean="0">
-                              <a:latin typeface="Cambria Math" panose="02040503050406030204" pitchFamily="18" charset="0"/>
+                              <a:latin typeface="Cambria Math" charset="0"/>
                             </a:rPr>
                           </m:ctrlPr>
                         </m:sSubPr>
@@ -15927,7 +15927,7 @@
                               <m:endChr m:val="}"/>
                               <m:ctrlPr>
                                 <a:rPr lang="en-US" b="0" i="1" smtClean="0">
-                                  <a:latin typeface="Cambria Math" panose="02040503050406030204" pitchFamily="18" charset="0"/>
+                                  <a:latin typeface="Cambria Math" charset="0"/>
                                 </a:rPr>
                               </m:ctrlPr>
                             </m:dPr>
@@ -15970,7 +15970,7 @@
                         <m:sSubPr>
                           <m:ctrlPr>
                             <a:rPr lang="en-US" b="0" i="1" smtClean="0">
-                              <a:latin typeface="Cambria Math" panose="02040503050406030204" pitchFamily="18" charset="0"/>
+                              <a:latin typeface="Cambria Math" charset="0"/>
                             </a:rPr>
                           </m:ctrlPr>
                         </m:sSubPr>
@@ -15989,7 +15989,7 @@
                               <m:endChr m:val="}"/>
                               <m:ctrlPr>
                                 <a:rPr lang="en-US" b="0" i="1" smtClean="0">
-                                  <a:latin typeface="Cambria Math" panose="02040503050406030204" pitchFamily="18" charset="0"/>
+                                  <a:latin typeface="Cambria Math" charset="0"/>
                                 </a:rPr>
                               </m:ctrlPr>
                             </m:dPr>
@@ -16055,7 +16055,7 @@
                       <m:sSubPr>
                         <m:ctrlPr>
                           <a:rPr lang="en-US" b="0" i="1" smtClean="0">
-                            <a:latin typeface="Cambria Math" panose="02040503050406030204" pitchFamily="18" charset="0"/>
+                            <a:latin typeface="Cambria Math" charset="0"/>
                           </a:rPr>
                         </m:ctrlPr>
                       </m:sSubPr>
@@ -16099,7 +16099,7 @@
                           <m:endChr m:val="}"/>
                           <m:ctrlPr>
                             <a:rPr lang="en-US" b="0" i="1" smtClean="0">
-                              <a:latin typeface="Cambria Math" panose="02040503050406030204" pitchFamily="18" charset="0"/>
+                              <a:latin typeface="Cambria Math" charset="0"/>
                             </a:rPr>
                           </m:ctrlPr>
                         </m:dPr>
@@ -16108,7 +16108,7 @@
                             <m:sSubPr>
                               <m:ctrlPr>
                                 <a:rPr lang="en-US" b="0" i="1" smtClean="0">
-                                  <a:latin typeface="Cambria Math" panose="02040503050406030204" pitchFamily="18" charset="0"/>
+                                  <a:latin typeface="Cambria Math" charset="0"/>
                                 </a:rPr>
                               </m:ctrlPr>
                             </m:sSubPr>
@@ -16149,7 +16149,7 @@
                           <m:endChr m:val="}"/>
                           <m:ctrlPr>
                             <a:rPr lang="en-US" b="0" i="1" smtClean="0">
-                              <a:latin typeface="Cambria Math" panose="02040503050406030204" pitchFamily="18" charset="0"/>
+                              <a:latin typeface="Cambria Math" charset="0"/>
                             </a:rPr>
                           </m:ctrlPr>
                         </m:dPr>
@@ -16219,7 +16219,7 @@
                           <m:endChr m:val="}"/>
                           <m:ctrlPr>
                             <a:rPr lang="en-US" b="0" i="1" smtClean="0">
-                              <a:latin typeface="Cambria Math" panose="02040503050406030204" pitchFamily="18" charset="0"/>
+                              <a:latin typeface="Cambria Math" charset="0"/>
                             </a:rPr>
                           </m:ctrlPr>
                         </m:dPr>
@@ -16228,7 +16228,7 @@
                             <m:sSubPr>
                               <m:ctrlPr>
                                 <a:rPr lang="en-US" b="0" i="1" smtClean="0">
-                                  <a:latin typeface="Cambria Math" panose="02040503050406030204" pitchFamily="18" charset="0"/>
+                                  <a:latin typeface="Cambria Math" charset="0"/>
                                 </a:rPr>
                               </m:ctrlPr>
                             </m:sSubPr>
@@ -16423,7 +16423,7 @@
                         <m:sSubPr>
                           <m:ctrlPr>
                             <a:rPr lang="en-US" b="0" i="1" smtClean="0">
-                              <a:latin typeface="Cambria Math" panose="02040503050406030204" pitchFamily="18" charset="0"/>
+                              <a:latin typeface="Cambria Math" charset="0"/>
                             </a:rPr>
                           </m:ctrlPr>
                         </m:sSubPr>
@@ -16454,7 +16454,7 @@
                         <m:funcPr>
                           <m:ctrlPr>
                             <a:rPr lang="en-US" b="0" i="1" smtClean="0">
-                              <a:latin typeface="Cambria Math" panose="02040503050406030204" pitchFamily="18" charset="0"/>
+                              <a:latin typeface="Cambria Math" charset="0"/>
                             </a:rPr>
                           </m:ctrlPr>
                         </m:funcPr>
@@ -16474,7 +16474,7 @@
                             <m:dPr>
                               <m:ctrlPr>
                                 <a:rPr lang="en-US" b="0" i="1" smtClean="0">
-                                  <a:latin typeface="Cambria Math" panose="02040503050406030204" pitchFamily="18" charset="0"/>
+                                  <a:latin typeface="Cambria Math" charset="0"/>
                                 </a:rPr>
                               </m:ctrlPr>
                             </m:dPr>
@@ -16520,7 +16520,7 @@
                         <m:sSubPr>
                           <m:ctrlPr>
                             <a:rPr lang="en-US" b="0" i="1" smtClean="0">
-                              <a:latin typeface="Cambria Math" panose="02040503050406030204" pitchFamily="18" charset="0"/>
+                              <a:latin typeface="Cambria Math" charset="0"/>
                             </a:rPr>
                           </m:ctrlPr>
                         </m:sSubPr>
@@ -16551,7 +16551,7 @@
                         <m:sSubPr>
                           <m:ctrlPr>
                             <a:rPr lang="en-US" b="0" i="1" smtClean="0">
-                              <a:latin typeface="Cambria Math" panose="02040503050406030204" pitchFamily="18" charset="0"/>
+                              <a:latin typeface="Cambria Math" charset="0"/>
                             </a:rPr>
                           </m:ctrlPr>
                         </m:sSubPr>
@@ -16570,7 +16570,7 @@
                               <m:endChr m:val="}"/>
                               <m:ctrlPr>
                                 <a:rPr lang="en-US" b="0" i="1" smtClean="0">
-                                  <a:latin typeface="Cambria Math" panose="02040503050406030204" pitchFamily="18" charset="0"/>
+                                  <a:latin typeface="Cambria Math" charset="0"/>
                                 </a:rPr>
                               </m:ctrlPr>
                             </m:dPr>
@@ -16638,7 +16638,7 @@
                       <m:sSubPr>
                         <m:ctrlPr>
                           <a:rPr lang="en-US" b="0" i="1" smtClean="0">
-                            <a:latin typeface="Cambria Math" panose="02040503050406030204" pitchFamily="18" charset="0"/>
+                            <a:latin typeface="Cambria Math" charset="0"/>
                           </a:rPr>
                         </m:ctrlPr>
                       </m:sSubPr>
@@ -16698,7 +16698,7 @@
                         <m:dPr>
                           <m:ctrlPr>
                             <a:rPr lang="en-US" b="0" i="1" smtClean="0">
-                              <a:latin typeface="Cambria Math" panose="02040503050406030204" pitchFamily="18" charset="0"/>
+                              <a:latin typeface="Cambria Math" charset="0"/>
                             </a:rPr>
                           </m:ctrlPr>
                         </m:dPr>
@@ -16707,7 +16707,7 @@
                             <m:sSubPr>
                               <m:ctrlPr>
                                 <a:rPr lang="en-US" b="0" i="1" smtClean="0">
-                                  <a:latin typeface="Cambria Math" panose="02040503050406030204" pitchFamily="18" charset="0"/>
+                                  <a:latin typeface="Cambria Math" charset="0"/>
                                 </a:rPr>
                               </m:ctrlPr>
                             </m:sSubPr>
@@ -16738,7 +16738,7 @@
                             <m:sSubPr>
                               <m:ctrlPr>
                                 <a:rPr lang="en-US" b="0" i="1" smtClean="0">
-                                  <a:latin typeface="Cambria Math" panose="02040503050406030204" pitchFamily="18" charset="0"/>
+                                  <a:latin typeface="Cambria Math" charset="0"/>
                                 </a:rPr>
                               </m:ctrlPr>
                             </m:sSubPr>
@@ -16783,7 +16783,7 @@
                         <m:funcPr>
                           <m:ctrlPr>
                             <a:rPr lang="en-US" b="0" i="1" smtClean="0">
-                              <a:latin typeface="Cambria Math" panose="02040503050406030204" pitchFamily="18" charset="0"/>
+                              <a:latin typeface="Cambria Math" charset="0"/>
                             </a:rPr>
                           </m:ctrlPr>
                         </m:funcPr>
@@ -16803,7 +16803,7 @@
                             <m:dPr>
                               <m:ctrlPr>
                                 <a:rPr lang="en-US" b="0" i="1" smtClean="0">
-                                  <a:latin typeface="Cambria Math" panose="02040503050406030204" pitchFamily="18" charset="0"/>
+                                  <a:latin typeface="Cambria Math" charset="0"/>
                                 </a:rPr>
                               </m:ctrlPr>
                             </m:dPr>
@@ -16840,7 +16840,7 @@
                         <m:sSubPr>
                           <m:ctrlPr>
                             <a:rPr lang="en-US" b="0" i="1" smtClean="0">
-                              <a:latin typeface="Cambria Math" panose="02040503050406030204" pitchFamily="18" charset="0"/>
+                              <a:latin typeface="Cambria Math" charset="0"/>
                             </a:rPr>
                           </m:ctrlPr>
                         </m:sSubPr>
@@ -16859,7 +16859,7 @@
                               <m:endChr m:val="}"/>
                               <m:ctrlPr>
                                 <a:rPr lang="en-US" b="0" i="1" smtClean="0">
-                                  <a:latin typeface="Cambria Math" panose="02040503050406030204" pitchFamily="18" charset="0"/>
+                                  <a:latin typeface="Cambria Math" charset="0"/>
                                 </a:rPr>
                               </m:ctrlPr>
                             </m:dPr>
@@ -16937,7 +16937,7 @@
                         <m:endChr m:val="]"/>
                         <m:ctrlPr>
                           <a:rPr lang="en-US" b="0" i="1" smtClean="0">
-                            <a:latin typeface="Cambria Math" panose="02040503050406030204" pitchFamily="18" charset="0"/>
+                            <a:latin typeface="Cambria Math" charset="0"/>
                           </a:rPr>
                         </m:ctrlPr>
                       </m:dPr>
@@ -16968,7 +16968,7 @@
                         <m:endChr m:val="}"/>
                         <m:ctrlPr>
                           <a:rPr lang="en-US" b="0" i="1" smtClean="0">
-                            <a:latin typeface="Cambria Math" panose="02040503050406030204" pitchFamily="18" charset="0"/>
+                            <a:latin typeface="Cambria Math" charset="0"/>
                           </a:rPr>
                         </m:ctrlPr>
                       </m:dPr>
@@ -17014,7 +17014,7 @@
                         <m:dPr>
                           <m:ctrlPr>
                             <a:rPr lang="en-US" b="0" i="1" smtClean="0">
-                              <a:latin typeface="Cambria Math" panose="02040503050406030204" pitchFamily="18" charset="0"/>
+                              <a:latin typeface="Cambria Math" charset="0"/>
                             </a:rPr>
                           </m:ctrlPr>
                         </m:dPr>
@@ -17043,7 +17043,7 @@
                         <m:dPr>
                           <m:ctrlPr>
                             <a:rPr lang="en-US" b="0" i="1" smtClean="0">
-                              <a:latin typeface="Cambria Math" panose="02040503050406030204" pitchFamily="18" charset="0"/>
+                              <a:latin typeface="Cambria Math" charset="0"/>
                             </a:rPr>
                           </m:ctrlPr>
                         </m:dPr>
@@ -17123,7 +17123,7 @@
                         <m:dPr>
                           <m:ctrlPr>
                             <a:rPr lang="en-US" b="0" i="1" smtClean="0">
-                              <a:latin typeface="Cambria Math" panose="02040503050406030204" pitchFamily="18" charset="0"/>
+                              <a:latin typeface="Cambria Math" charset="0"/>
                             </a:rPr>
                           </m:ctrlPr>
                         </m:dPr>
@@ -17346,7 +17346,7 @@
                         <m:dPr>
                           <m:ctrlPr>
                             <a:rPr lang="en-US" b="0" i="1" smtClean="0">
-                              <a:latin typeface="Cambria Math" panose="02040503050406030204" pitchFamily="18" charset="0"/>
+                              <a:latin typeface="Cambria Math" charset="0"/>
                             </a:rPr>
                           </m:ctrlPr>
                         </m:dPr>
@@ -17355,7 +17355,7 @@
                             <m:sSubPr>
                               <m:ctrlPr>
                                 <a:rPr lang="en-US" b="0" i="1" smtClean="0">
-                                  <a:latin typeface="Cambria Math" panose="02040503050406030204" pitchFamily="18" charset="0"/>
+                                  <a:latin typeface="Cambria Math" charset="0"/>
                                 </a:rPr>
                               </m:ctrlPr>
                             </m:sSubPr>
@@ -17374,7 +17374,7 @@
                                   <m:endChr m:val="}"/>
                                   <m:ctrlPr>
                                     <a:rPr lang="en-US" b="0" i="1" smtClean="0">
-                                      <a:latin typeface="Cambria Math" panose="02040503050406030204" pitchFamily="18" charset="0"/>
+                                      <a:latin typeface="Cambria Math" charset="0"/>
                                     </a:rPr>
                                   </m:ctrlPr>
                                 </m:dPr>
@@ -17413,7 +17413,7 @@
                             <m:sSubPr>
                               <m:ctrlPr>
                                 <a:rPr lang="en-US" b="0" i="1" smtClean="0">
-                                  <a:latin typeface="Cambria Math" panose="02040503050406030204" pitchFamily="18" charset="0"/>
+                                  <a:latin typeface="Cambria Math" charset="0"/>
                                 </a:rPr>
                               </m:ctrlPr>
                             </m:sSubPr>
@@ -17446,7 +17446,7 @@
                         <m:sSubPr>
                           <m:ctrlPr>
                             <a:rPr lang="en-US" b="0" i="1" smtClean="0">
-                              <a:latin typeface="Cambria Math" panose="02040503050406030204" pitchFamily="18" charset="0"/>
+                              <a:latin typeface="Cambria Math" charset="0"/>
                             </a:rPr>
                           </m:ctrlPr>
                         </m:sSubPr>
@@ -17465,7 +17465,7 @@
                               <m:endChr m:val="}"/>
                               <m:ctrlPr>
                                 <a:rPr lang="en-US" b="0" i="1" smtClean="0">
-                                  <a:latin typeface="Cambria Math" panose="02040503050406030204" pitchFamily="18" charset="0"/>
+                                  <a:latin typeface="Cambria Math" charset="0"/>
                                 </a:rPr>
                               </m:ctrlPr>
                             </m:dPr>
@@ -17496,7 +17496,7 @@
                         <m:fPr>
                           <m:ctrlPr>
                             <a:rPr lang="en-US" b="0" i="1" smtClean="0">
-                              <a:latin typeface="Cambria Math" panose="02040503050406030204" pitchFamily="18" charset="0"/>
+                              <a:latin typeface="Cambria Math" charset="0"/>
                             </a:rPr>
                           </m:ctrlPr>
                         </m:fPr>
@@ -17511,7 +17511,7 @@
                             <m:dPr>
                               <m:ctrlPr>
                                 <a:rPr lang="en-US" b="0" i="1" smtClean="0">
-                                  <a:latin typeface="Cambria Math" panose="02040503050406030204" pitchFamily="18" charset="0"/>
+                                  <a:latin typeface="Cambria Math" charset="0"/>
                                 </a:rPr>
                               </m:ctrlPr>
                             </m:dPr>
@@ -17560,7 +17560,7 @@
                             <m:dPr>
                               <m:ctrlPr>
                                 <a:rPr lang="en-US" b="0" i="1" smtClean="0">
-                                  <a:latin typeface="Cambria Math" panose="02040503050406030204" pitchFamily="18" charset="0"/>
+                                  <a:latin typeface="Cambria Math" charset="0"/>
                                 </a:rPr>
                               </m:ctrlPr>
                             </m:dPr>
@@ -17618,7 +17618,7 @@
                       <m:dPr>
                         <m:ctrlPr>
                           <a:rPr lang="en-US" b="0" i="1" smtClean="0">
-                            <a:latin typeface="Cambria Math" panose="02040503050406030204" pitchFamily="18" charset="0"/>
+                            <a:latin typeface="Cambria Math" charset="0"/>
                           </a:rPr>
                         </m:ctrlPr>
                       </m:dPr>
@@ -17627,7 +17627,7 @@
                           <m:sSubPr>
                             <m:ctrlPr>
                               <a:rPr lang="en-US" b="0" i="1" smtClean="0">
-                                <a:latin typeface="Cambria Math" panose="02040503050406030204" pitchFamily="18" charset="0"/>
+                                <a:latin typeface="Cambria Math" charset="0"/>
                               </a:rPr>
                             </m:ctrlPr>
                           </m:sSubPr>
@@ -17646,7 +17646,7 @@
                                 <m:endChr m:val="}"/>
                                 <m:ctrlPr>
                                   <a:rPr lang="en-US" b="0" i="1" smtClean="0">
-                                    <a:latin typeface="Cambria Math" panose="02040503050406030204" pitchFamily="18" charset="0"/>
+                                    <a:latin typeface="Cambria Math" charset="0"/>
                                   </a:rPr>
                                 </m:ctrlPr>
                               </m:dPr>
@@ -17685,7 +17685,7 @@
                           <m:sSubPr>
                             <m:ctrlPr>
                               <a:rPr lang="en-US" b="0" i="1" smtClean="0">
-                                <a:latin typeface="Cambria Math" panose="02040503050406030204" pitchFamily="18" charset="0"/>
+                                <a:latin typeface="Cambria Math" charset="0"/>
                               </a:rPr>
                             </m:ctrlPr>
                           </m:sSubPr>
@@ -17726,7 +17726,7 @@
                       <m:sSubPr>
                         <m:ctrlPr>
                           <a:rPr lang="en-US" b="0" i="1" smtClean="0">
-                            <a:latin typeface="Cambria Math" panose="02040503050406030204" pitchFamily="18" charset="0"/>
+                            <a:latin typeface="Cambria Math" charset="0"/>
                           </a:rPr>
                         </m:ctrlPr>
                       </m:sSubPr>
@@ -17761,7 +17761,7 @@
                         <m:endChr m:val="}"/>
                         <m:ctrlPr>
                           <a:rPr lang="en-US" b="0" i="1" smtClean="0">
-                            <a:latin typeface="Cambria Math" panose="02040503050406030204" pitchFamily="18" charset="0"/>
+                            <a:latin typeface="Cambria Math" charset="0"/>
                           </a:rPr>
                         </m:ctrlPr>
                       </m:dPr>
@@ -17819,7 +17819,7 @@
                         <m:dPr>
                           <m:ctrlPr>
                             <a:rPr lang="en-US" i="1">
-                              <a:latin typeface="Cambria Math" panose="02040503050406030204" pitchFamily="18" charset="0"/>
+                              <a:latin typeface="Cambria Math" charset="0"/>
                             </a:rPr>
                           </m:ctrlPr>
                         </m:dPr>
@@ -17828,7 +17828,7 @@
                             <m:sSubPr>
                               <m:ctrlPr>
                                 <a:rPr lang="en-US" i="1">
-                                  <a:latin typeface="Cambria Math" panose="02040503050406030204" pitchFamily="18" charset="0"/>
+                                  <a:latin typeface="Cambria Math" charset="0"/>
                                 </a:rPr>
                               </m:ctrlPr>
                             </m:sSubPr>
@@ -17847,7 +17847,7 @@
                                   <m:endChr m:val="}"/>
                                   <m:ctrlPr>
                                     <a:rPr lang="en-US" i="1">
-                                      <a:latin typeface="Cambria Math" panose="02040503050406030204" pitchFamily="18" charset="0"/>
+                                      <a:latin typeface="Cambria Math" charset="0"/>
                                     </a:rPr>
                                   </m:ctrlPr>
                                 </m:dPr>
@@ -17886,7 +17886,7 @@
                             <m:sSubPr>
                               <m:ctrlPr>
                                 <a:rPr lang="en-US" i="1">
-                                  <a:latin typeface="Cambria Math" panose="02040503050406030204" pitchFamily="18" charset="0"/>
+                                  <a:latin typeface="Cambria Math" charset="0"/>
                                 </a:rPr>
                               </m:ctrlPr>
                             </m:sSubPr>
@@ -17919,7 +17919,7 @@
                         <m:sSubPr>
                           <m:ctrlPr>
                             <a:rPr lang="en-US" b="0" i="1" smtClean="0">
-                              <a:latin typeface="Cambria Math" panose="02040503050406030204" pitchFamily="18" charset="0"/>
+                              <a:latin typeface="Cambria Math" charset="0"/>
                             </a:rPr>
                           </m:ctrlPr>
                         </m:sSubPr>
@@ -17938,7 +17938,7 @@
                               <m:endChr m:val="}"/>
                               <m:ctrlPr>
                                 <a:rPr lang="en-US" b="0" i="1" smtClean="0">
-                                  <a:latin typeface="Cambria Math" panose="02040503050406030204" pitchFamily="18" charset="0"/>
+                                  <a:latin typeface="Cambria Math" charset="0"/>
                                 </a:rPr>
                               </m:ctrlPr>
                             </m:dPr>
@@ -18005,7 +18005,7 @@
                         <m:dPr>
                           <m:ctrlPr>
                             <a:rPr lang="en-US" b="0" i="1" smtClean="0">
-                              <a:latin typeface="Cambria Math" panose="02040503050406030204" pitchFamily="18" charset="0"/>
+                              <a:latin typeface="Cambria Math" charset="0"/>
                             </a:rPr>
                           </m:ctrlPr>
                         </m:dPr>
@@ -18058,7 +18058,7 @@
                         <m:funcPr>
                           <m:ctrlPr>
                             <a:rPr lang="en-US" b="0" i="1" smtClean="0">
-                              <a:latin typeface="Cambria Math" panose="02040503050406030204" pitchFamily="18" charset="0"/>
+                              <a:latin typeface="Cambria Math" charset="0"/>
                             </a:rPr>
                           </m:ctrlPr>
                         </m:funcPr>
@@ -18137,7 +18137,7 @@
                         <m:fPr>
                           <m:ctrlPr>
                             <a:rPr lang="en-US" b="0" i="1" smtClean="0">
-                              <a:latin typeface="Cambria Math" panose="02040503050406030204" pitchFamily="18" charset="0"/>
+                              <a:latin typeface="Cambria Math" charset="0"/>
                             </a:rPr>
                           </m:ctrlPr>
                         </m:fPr>
@@ -18152,7 +18152,7 @@
                             <m:dPr>
                               <m:ctrlPr>
                                 <a:rPr lang="en-US" b="0" i="1" smtClean="0">
-                                  <a:latin typeface="Cambria Math" panose="02040503050406030204" pitchFamily="18" charset="0"/>
+                                  <a:latin typeface="Cambria Math" charset="0"/>
                                 </a:rPr>
                               </m:ctrlPr>
                             </m:dPr>
@@ -18195,7 +18195,7 @@
                             <m:funcPr>
                               <m:ctrlPr>
                                 <a:rPr lang="en-US" b="0" i="1" smtClean="0">
-                                  <a:latin typeface="Cambria Math" panose="02040503050406030204" pitchFamily="18" charset="0"/>
+                                  <a:latin typeface="Cambria Math" charset="0"/>
                                 </a:rPr>
                               </m:ctrlPr>
                             </m:funcPr>
@@ -18215,7 +18215,7 @@
                                 <m:dPr>
                                   <m:ctrlPr>
                                     <a:rPr lang="en-US" b="0" i="1" smtClean="0">
-                                      <a:latin typeface="Cambria Math" panose="02040503050406030204" pitchFamily="18" charset="0"/>
+                                      <a:latin typeface="Cambria Math" charset="0"/>
                                     </a:rPr>
                                   </m:ctrlPr>
                                 </m:dPr>
@@ -18537,7 +18537,7 @@
                       <m:dPr>
                         <m:ctrlPr>
                           <a:rPr lang="en-US" b="0" i="1" smtClean="0">
-                            <a:latin typeface="Cambria Math" panose="02040503050406030204" pitchFamily="18" charset="0"/>
+                            <a:latin typeface="Cambria Math" charset="0"/>
                           </a:rPr>
                         </m:ctrlPr>
                       </m:dPr>
@@ -18577,7 +18577,7 @@
                         <m:sSubPr>
                           <m:ctrlPr>
                             <a:rPr lang="en-US" b="0" i="1" smtClean="0">
-                              <a:latin typeface="Cambria Math" panose="02040503050406030204" pitchFamily="18" charset="0"/>
+                              <a:latin typeface="Cambria Math" charset="0"/>
                             </a:rPr>
                           </m:ctrlPr>
                         </m:sSubPr>
@@ -18608,7 +18608,7 @@
                         <m:sSubPr>
                           <m:ctrlPr>
                             <a:rPr lang="en-US" b="0" i="1" smtClean="0">
-                              <a:latin typeface="Cambria Math" panose="02040503050406030204" pitchFamily="18" charset="0"/>
+                              <a:latin typeface="Cambria Math" charset="0"/>
                             </a:rPr>
                           </m:ctrlPr>
                         </m:sSubPr>
@@ -18639,7 +18639,7 @@
                         <m:naryPr>
                           <m:ctrlPr>
                             <a:rPr lang="en-US" b="0" i="1" smtClean="0">
-                              <a:latin typeface="Cambria Math" panose="02040503050406030204" pitchFamily="18" charset="0"/>
+                              <a:latin typeface="Cambria Math" charset="0"/>
                             </a:rPr>
                           </m:ctrlPr>
                         </m:naryPr>
@@ -18656,7 +18656,7 @@
                             <m:funcPr>
                               <m:ctrlPr>
                                 <a:rPr lang="en-US" b="0" i="1" smtClean="0">
-                                  <a:latin typeface="Cambria Math" panose="02040503050406030204" pitchFamily="18" charset="0"/>
+                                  <a:latin typeface="Cambria Math" charset="0"/>
                                 </a:rPr>
                               </m:ctrlPr>
                             </m:funcPr>
@@ -18676,7 +18676,7 @@
                                 <m:dPr>
                                   <m:ctrlPr>
                                     <a:rPr lang="en-US" b="0" i="1" smtClean="0">
-                                      <a:latin typeface="Cambria Math" panose="02040503050406030204" pitchFamily="18" charset="0"/>
+                                      <a:latin typeface="Cambria Math" charset="0"/>
                                     </a:rPr>
                                   </m:ctrlPr>
                                 </m:dPr>
@@ -18715,7 +18715,7 @@
                             <m:dPr>
                               <m:ctrlPr>
                                 <a:rPr lang="en-US" b="0" i="1" smtClean="0">
-                                  <a:latin typeface="Cambria Math" panose="02040503050406030204" pitchFamily="18" charset="0"/>
+                                  <a:latin typeface="Cambria Math" charset="0"/>
                                 </a:rPr>
                               </m:ctrlPr>
                             </m:dPr>
@@ -18773,7 +18773,7 @@
                       <m:sSubPr>
                         <m:ctrlPr>
                           <a:rPr lang="en-US" b="0" i="1" smtClean="0">
-                            <a:latin typeface="Cambria Math" panose="02040503050406030204" pitchFamily="18" charset="0"/>
+                            <a:latin typeface="Cambria Math" charset="0"/>
                           </a:rPr>
                         </m:ctrlPr>
                       </m:sSubPr>
@@ -18892,8 +18892,8 @@
           </a:p>
         </p:txBody>
       </p:sp>
-      <mc:AlternateContent xmlns:mc="http://schemas.openxmlformats.org/markup-compatibility/2006">
-        <mc:Choice xmlns:a14="http://schemas.microsoft.com/office/drawing/2010/main" Requires="a14">
+      <mc:AlternateContent xmlns:mc="http://schemas.openxmlformats.org/markup-compatibility/2006" xmlns:a14="http://schemas.microsoft.com/office/drawing/2010/main">
+        <mc:Choice Requires="a14">
           <p:sp>
             <p:nvSpPr>
               <p:cNvPr id="3" name="Content Placeholder 2"/>
@@ -18971,7 +18971,7 @@
                         <m:dPr>
                           <m:ctrlPr>
                             <a:rPr lang="en-US" b="0" i="1" smtClean="0">
-                              <a:latin typeface="Cambria Math" panose="02040503050406030204" pitchFamily="18" charset="0"/>
+                              <a:latin typeface="Cambria Math" charset="0"/>
                             </a:rPr>
                           </m:ctrlPr>
                         </m:dPr>
@@ -18980,7 +18980,7 @@
                             <m:sSubPr>
                               <m:ctrlPr>
                                 <a:rPr lang="en-US" b="0" i="1" smtClean="0">
-                                  <a:latin typeface="Cambria Math" panose="02040503050406030204" pitchFamily="18" charset="0"/>
+                                  <a:latin typeface="Cambria Math" charset="0"/>
                                 </a:rPr>
                               </m:ctrlPr>
                             </m:sSubPr>
@@ -19011,7 +19011,7 @@
                             <m:sSubPr>
                               <m:ctrlPr>
                                 <a:rPr lang="en-US" b="0" i="1" smtClean="0">
-                                  <a:latin typeface="Cambria Math" panose="02040503050406030204" pitchFamily="18" charset="0"/>
+                                  <a:latin typeface="Cambria Math" charset="0"/>
                                 </a:rPr>
                               </m:ctrlPr>
                             </m:sSubPr>
@@ -19038,7 +19038,7 @@
                             <m:sSubPr>
                               <m:ctrlPr>
                                 <a:rPr lang="en-US" b="0" i="1" smtClean="0">
-                                  <a:latin typeface="Cambria Math" panose="02040503050406030204" pitchFamily="18" charset="0"/>
+                                  <a:latin typeface="Cambria Math" charset="0"/>
                                 </a:rPr>
                               </m:ctrlPr>
                             </m:sSubPr>
@@ -19092,7 +19092,7 @@
                         <m:dPr>
                           <m:ctrlPr>
                             <a:rPr lang="en-US" b="0" i="1" smtClean="0">
-                              <a:latin typeface="Cambria Math" panose="02040503050406030204" pitchFamily="18" charset="0"/>
+                              <a:latin typeface="Cambria Math" charset="0"/>
                             </a:rPr>
                           </m:ctrlPr>
                         </m:dPr>
@@ -19101,7 +19101,7 @@
                             <m:sSubPr>
                               <m:ctrlPr>
                                 <a:rPr lang="en-US" b="0" i="1" smtClean="0">
-                                  <a:latin typeface="Cambria Math" panose="02040503050406030204" pitchFamily="18" charset="0"/>
+                                  <a:latin typeface="Cambria Math" charset="0"/>
                                 </a:rPr>
                               </m:ctrlPr>
                             </m:sSubPr>
@@ -19132,7 +19132,7 @@
                             <m:sSubPr>
                               <m:ctrlPr>
                                 <a:rPr lang="en-US" b="0" i="1" smtClean="0">
-                                  <a:latin typeface="Cambria Math" panose="02040503050406030204" pitchFamily="18" charset="0"/>
+                                  <a:latin typeface="Cambria Math" charset="0"/>
                                 </a:rPr>
                               </m:ctrlPr>
                             </m:sSubPr>
@@ -19159,7 +19159,7 @@
                             <m:sSubPr>
                               <m:ctrlPr>
                                 <a:rPr lang="en-US" b="0" i="1" smtClean="0">
-                                  <a:latin typeface="Cambria Math" panose="02040503050406030204" pitchFamily="18" charset="0"/>
+                                  <a:latin typeface="Cambria Math" charset="0"/>
                                 </a:rPr>
                               </m:ctrlPr>
                             </m:sSubPr>
@@ -19198,7 +19198,7 @@
                         <m:dPr>
                           <m:ctrlPr>
                             <a:rPr lang="en-US" b="0" i="1" smtClean="0">
-                              <a:latin typeface="Cambria Math" panose="02040503050406030204" pitchFamily="18" charset="0"/>
+                              <a:latin typeface="Cambria Math" charset="0"/>
                             </a:rPr>
                           </m:ctrlPr>
                         </m:dPr>
@@ -19207,7 +19207,7 @@
                             <m:naryPr>
                               <m:ctrlPr>
                                 <a:rPr lang="en-US" b="0" i="1" smtClean="0">
-                                  <a:latin typeface="Cambria Math" panose="02040503050406030204" pitchFamily="18" charset="0"/>
+                                  <a:latin typeface="Cambria Math" charset="0"/>
                                 </a:rPr>
                               </m:ctrlPr>
                             </m:naryPr>
@@ -19238,7 +19238,7 @@
                                 <m:dPr>
                                   <m:ctrlPr>
                                     <a:rPr lang="en-US" b="0" i="1" smtClean="0">
-                                      <a:latin typeface="Cambria Math" panose="02040503050406030204" pitchFamily="18" charset="0"/>
+                                      <a:latin typeface="Cambria Math" charset="0"/>
                                     </a:rPr>
                                   </m:ctrlPr>
                                 </m:dPr>
@@ -19255,7 +19255,7 @@
                                 <m:sSubPr>
                                   <m:ctrlPr>
                                     <a:rPr lang="en-US" b="0" i="1" smtClean="0">
-                                      <a:latin typeface="Cambria Math" panose="02040503050406030204" pitchFamily="18" charset="0"/>
+                                      <a:latin typeface="Cambria Math" charset="0"/>
                                     </a:rPr>
                                   </m:ctrlPr>
                                 </m:sSubPr>
@@ -19274,7 +19274,7 @@
                                       <m:endChr m:val="}"/>
                                       <m:ctrlPr>
                                         <a:rPr lang="en-US" b="0" i="1" smtClean="0">
-                                          <a:latin typeface="Cambria Math" panose="02040503050406030204" pitchFamily="18" charset="0"/>
+                                          <a:latin typeface="Cambria Math" charset="0"/>
                                         </a:rPr>
                                       </m:ctrlPr>
                                     </m:dPr>
@@ -19315,7 +19315,7 @@
                             <m:sSubPr>
                               <m:ctrlPr>
                                 <a:rPr lang="en-US" b="0" i="1" smtClean="0">
-                                  <a:latin typeface="Cambria Math" panose="02040503050406030204" pitchFamily="18" charset="0"/>
+                                  <a:latin typeface="Cambria Math" charset="0"/>
                                 </a:rPr>
                               </m:ctrlPr>
                             </m:sSubPr>
@@ -19372,7 +19372,7 @@
                         <m:dPr>
                           <m:ctrlPr>
                             <a:rPr lang="en-US" b="0" i="1" smtClean="0">
-                              <a:latin typeface="Cambria Math" panose="02040503050406030204" pitchFamily="18" charset="0"/>
+                              <a:latin typeface="Cambria Math" charset="0"/>
                             </a:rPr>
                           </m:ctrlPr>
                         </m:dPr>
@@ -19381,7 +19381,7 @@
                             <m:sSubPr>
                               <m:ctrlPr>
                                 <a:rPr lang="en-US" b="0" i="1" smtClean="0">
-                                  <a:latin typeface="Cambria Math" panose="02040503050406030204" pitchFamily="18" charset="0"/>
+                                  <a:latin typeface="Cambria Math" charset="0"/>
                                 </a:rPr>
                               </m:ctrlPr>
                             </m:sSubPr>
@@ -19412,7 +19412,7 @@
                             <m:sSubPr>
                               <m:ctrlPr>
                                 <a:rPr lang="en-US" b="0" i="1" smtClean="0">
-                                  <a:latin typeface="Cambria Math" panose="02040503050406030204" pitchFamily="18" charset="0"/>
+                                  <a:latin typeface="Cambria Math" charset="0"/>
                                 </a:rPr>
                               </m:ctrlPr>
                             </m:sSubPr>
@@ -19439,7 +19439,7 @@
                             <m:sSubPr>
                               <m:ctrlPr>
                                 <a:rPr lang="en-US" b="0" i="1" smtClean="0">
-                                  <a:latin typeface="Cambria Math" panose="02040503050406030204" pitchFamily="18" charset="0"/>
+                                  <a:latin typeface="Cambria Math" charset="0"/>
                                 </a:rPr>
                               </m:ctrlPr>
                             </m:sSubPr>
@@ -19472,7 +19472,7 @@
                         <m:sSubPr>
                           <m:ctrlPr>
                             <a:rPr lang="en-US" b="0" i="1" smtClean="0">
-                              <a:latin typeface="Cambria Math" panose="02040503050406030204" pitchFamily="18" charset="0"/>
+                              <a:latin typeface="Cambria Math" charset="0"/>
                             </a:rPr>
                           </m:ctrlPr>
                         </m:sSubPr>
@@ -19491,7 +19491,7 @@
                               <m:endChr m:val="}"/>
                               <m:ctrlPr>
                                 <a:rPr lang="en-US" b="0" i="1" smtClean="0">
-                                  <a:latin typeface="Cambria Math" panose="02040503050406030204" pitchFamily="18" charset="0"/>
+                                  <a:latin typeface="Cambria Math" charset="0"/>
                                 </a:rPr>
                               </m:ctrlPr>
                             </m:dPr>
@@ -19522,7 +19522,7 @@
                         <m:funcPr>
                           <m:ctrlPr>
                             <a:rPr lang="en-US" b="0" i="1" smtClean="0">
-                              <a:latin typeface="Cambria Math" panose="02040503050406030204" pitchFamily="18" charset="0"/>
+                              <a:latin typeface="Cambria Math" charset="0"/>
                             </a:rPr>
                           </m:ctrlPr>
                         </m:funcPr>
@@ -19542,7 +19542,7 @@
                             <m:dPr>
                               <m:ctrlPr>
                                 <a:rPr lang="en-US" b="0" i="1" smtClean="0">
-                                  <a:latin typeface="Cambria Math" panose="02040503050406030204" pitchFamily="18" charset="0"/>
+                                  <a:latin typeface="Cambria Math" charset="0"/>
                                 </a:rPr>
                               </m:ctrlPr>
                             </m:dPr>
@@ -19579,7 +19579,7 @@
                         <m:sSubPr>
                           <m:ctrlPr>
                             <a:rPr lang="en-US" i="1">
-                              <a:latin typeface="Cambria Math" panose="02040503050406030204" pitchFamily="18" charset="0"/>
+                              <a:latin typeface="Cambria Math" charset="0"/>
                             </a:rPr>
                           </m:ctrlPr>
                         </m:sSubPr>
@@ -19598,7 +19598,7 @@
                               <m:endChr m:val="}"/>
                               <m:ctrlPr>
                                 <a:rPr lang="en-US" i="1">
-                                  <a:latin typeface="Cambria Math" panose="02040503050406030204" pitchFamily="18" charset="0"/>
+                                  <a:latin typeface="Cambria Math" charset="0"/>
                                 </a:rPr>
                               </m:ctrlPr>
                             </m:dPr>
@@ -19629,7 +19629,7 @@
                         <m:dPr>
                           <m:ctrlPr>
                             <a:rPr lang="en-US" b="0" i="1" smtClean="0">
-                              <a:latin typeface="Cambria Math" panose="02040503050406030204" pitchFamily="18" charset="0"/>
+                              <a:latin typeface="Cambria Math" charset="0"/>
                             </a:rPr>
                           </m:ctrlPr>
                         </m:dPr>
@@ -19644,7 +19644,7 @@
                             <m:fPr>
                               <m:ctrlPr>
                                 <a:rPr lang="en-US" b="0" i="1" smtClean="0">
-                                  <a:latin typeface="Cambria Math" panose="02040503050406030204" pitchFamily="18" charset="0"/>
+                                  <a:latin typeface="Cambria Math" charset="0"/>
                                 </a:rPr>
                               </m:ctrlPr>
                             </m:fPr>
@@ -19659,7 +19659,7 @@
                                 <m:dPr>
                                   <m:ctrlPr>
                                     <a:rPr lang="en-US" b="0" i="1" smtClean="0">
-                                      <a:latin typeface="Cambria Math" panose="02040503050406030204" pitchFamily="18" charset="0"/>
+                                      <a:latin typeface="Cambria Math" charset="0"/>
                                     </a:rPr>
                                   </m:ctrlPr>
                                 </m:dPr>
@@ -19684,7 +19684,7 @@
                                 <m:dPr>
                                   <m:ctrlPr>
                                     <a:rPr lang="en-US" b="0" i="1" smtClean="0">
-                                      <a:latin typeface="Cambria Math" panose="02040503050406030204" pitchFamily="18" charset="0"/>
+                                      <a:latin typeface="Cambria Math" charset="0"/>
                                     </a:rPr>
                                   </m:ctrlPr>
                                 </m:dPr>
@@ -19711,7 +19711,7 @@
                         <m:sSubPr>
                           <m:ctrlPr>
                             <a:rPr lang="en-US" i="1">
-                              <a:latin typeface="Cambria Math" panose="02040503050406030204" pitchFamily="18" charset="0"/>
+                              <a:latin typeface="Cambria Math" charset="0"/>
                             </a:rPr>
                           </m:ctrlPr>
                         </m:sSubPr>
@@ -19730,7 +19730,7 @@
                               <m:endChr m:val="}"/>
                               <m:ctrlPr>
                                 <a:rPr lang="en-US" i="1">
-                                  <a:latin typeface="Cambria Math" panose="02040503050406030204" pitchFamily="18" charset="0"/>
+                                  <a:latin typeface="Cambria Math" charset="0"/>
                                 </a:rPr>
                               </m:ctrlPr>
                             </m:dPr>
@@ -19761,7 +19761,7 @@
                         <m:fPr>
                           <m:ctrlPr>
                             <a:rPr lang="en-US" b="0" i="1" smtClean="0">
-                              <a:latin typeface="Cambria Math" panose="02040503050406030204" pitchFamily="18" charset="0"/>
+                              <a:latin typeface="Cambria Math" charset="0"/>
                             </a:rPr>
                           </m:ctrlPr>
                         </m:fPr>
@@ -19776,7 +19776,7 @@
                             <m:dPr>
                               <m:ctrlPr>
                                 <a:rPr lang="en-US" i="1">
-                                  <a:latin typeface="Cambria Math" panose="02040503050406030204" pitchFamily="18" charset="0"/>
+                                  <a:latin typeface="Cambria Math" charset="0"/>
                                 </a:rPr>
                               </m:ctrlPr>
                             </m:dPr>
@@ -19805,7 +19805,7 @@
                             <m:dPr>
                               <m:ctrlPr>
                                 <a:rPr lang="en-US" i="1">
-                                  <a:latin typeface="Cambria Math" panose="02040503050406030204" pitchFamily="18" charset="0"/>
+                                  <a:latin typeface="Cambria Math" charset="0"/>
                                 </a:rPr>
                               </m:ctrlPr>
                             </m:dPr>
@@ -19830,7 +19830,7 @@
                             <m:dPr>
                               <m:ctrlPr>
                                 <a:rPr lang="en-US" b="0" i="1" smtClean="0">
-                                  <a:latin typeface="Cambria Math" panose="02040503050406030204" pitchFamily="18" charset="0"/>
+                                  <a:latin typeface="Cambria Math" charset="0"/>
                                 </a:rPr>
                               </m:ctrlPr>
                             </m:dPr>
@@ -19865,7 +19865,7 @@
             </p:txBody>
           </p:sp>
         </mc:Choice>
-        <mc:Fallback>
+        <mc:Fallback xmlns="">
           <p:sp>
             <p:nvSpPr>
               <p:cNvPr id="3" name="Content Placeholder 2"/>
@@ -19996,7 +19996,7 @@
                       <m:naryPr>
                         <m:ctrlPr>
                           <a:rPr lang="en-US" b="0" i="1" smtClean="0">
-                            <a:latin typeface="Cambria Math" panose="02040503050406030204" pitchFamily="18" charset="0"/>
+                            <a:latin typeface="Cambria Math" charset="0"/>
                           </a:rPr>
                         </m:ctrlPr>
                       </m:naryPr>
@@ -20027,7 +20027,7 @@
                           <m:dPr>
                             <m:ctrlPr>
                               <a:rPr lang="en-US" b="0" i="1" smtClean="0">
-                                <a:latin typeface="Cambria Math" panose="02040503050406030204" pitchFamily="18" charset="0"/>
+                                <a:latin typeface="Cambria Math" charset="0"/>
                               </a:rPr>
                             </m:ctrlPr>
                           </m:dPr>
@@ -20044,7 +20044,7 @@
                           <m:sSubPr>
                             <m:ctrlPr>
                               <a:rPr lang="en-US" b="0" i="1" smtClean="0">
-                                <a:latin typeface="Cambria Math" panose="02040503050406030204" pitchFamily="18" charset="0"/>
+                                <a:latin typeface="Cambria Math" charset="0"/>
                               </a:rPr>
                             </m:ctrlPr>
                           </m:sSubPr>
@@ -20063,7 +20063,7 @@
                                 <m:endChr m:val="}"/>
                                 <m:ctrlPr>
                                   <a:rPr lang="en-US" b="0" i="1" smtClean="0">
-                                    <a:latin typeface="Cambria Math" panose="02040503050406030204" pitchFamily="18" charset="0"/>
+                                    <a:latin typeface="Cambria Math" charset="0"/>
                                   </a:rPr>
                                 </m:ctrlPr>
                               </m:dPr>
@@ -20144,7 +20144,7 @@
                         <m:endChr m:val="}"/>
                         <m:ctrlPr>
                           <a:rPr lang="en-US" b="0" i="1" smtClean="0">
-                            <a:latin typeface="Cambria Math" panose="02040503050406030204" pitchFamily="18" charset="0"/>
+                            <a:latin typeface="Cambria Math" charset="0"/>
                           </a:rPr>
                         </m:ctrlPr>
                       </m:dPr>
@@ -20205,7 +20205,7 @@
                       <m:sSubPr>
                         <m:ctrlPr>
                           <a:rPr lang="en-US" b="0" i="1" smtClean="0">
-                            <a:latin typeface="Cambria Math" panose="02040503050406030204" pitchFamily="18" charset="0"/>
+                            <a:latin typeface="Cambria Math" charset="0"/>
                           </a:rPr>
                         </m:ctrlPr>
                       </m:sSubPr>
@@ -20224,7 +20224,7 @@
                             <m:endChr m:val="}"/>
                             <m:ctrlPr>
                               <a:rPr lang="en-US" b="0" i="1" smtClean="0">
-                                <a:latin typeface="Cambria Math" panose="02040503050406030204" pitchFamily="18" charset="0"/>
+                                <a:latin typeface="Cambria Math" charset="0"/>
                               </a:rPr>
                             </m:ctrlPr>
                           </m:dPr>
@@ -20278,7 +20278,7 @@
                         <m:dPr>
                           <m:ctrlPr>
                             <a:rPr lang="en-US" b="0" i="1" smtClean="0">
-                              <a:latin typeface="Cambria Math" panose="02040503050406030204" pitchFamily="18" charset="0"/>
+                              <a:latin typeface="Cambria Math" charset="0"/>
                             </a:rPr>
                           </m:ctrlPr>
                         </m:dPr>
@@ -20295,7 +20295,7 @@
                             <m:sSubPr>
                               <m:ctrlPr>
                                 <a:rPr lang="en-US" b="0" i="1" smtClean="0">
-                                  <a:latin typeface="Cambria Math" panose="02040503050406030204" pitchFamily="18" charset="0"/>
+                                  <a:latin typeface="Cambria Math" charset="0"/>
                                 </a:rPr>
                               </m:ctrlPr>
                             </m:sSubPr>
@@ -20328,7 +20328,7 @@
                         <m:sSubPr>
                           <m:ctrlPr>
                             <a:rPr lang="en-US" b="0" i="1" smtClean="0">
-                              <a:latin typeface="Cambria Math" panose="02040503050406030204" pitchFamily="18" charset="0"/>
+                              <a:latin typeface="Cambria Math" charset="0"/>
                             </a:rPr>
                           </m:ctrlPr>
                         </m:sSubPr>
@@ -20347,7 +20347,7 @@
                               <m:endChr m:val="}"/>
                               <m:ctrlPr>
                                 <a:rPr lang="en-US" b="0" i="1" smtClean="0">
-                                  <a:latin typeface="Cambria Math" panose="02040503050406030204" pitchFamily="18" charset="0"/>
+                                  <a:latin typeface="Cambria Math" charset="0"/>
                                 </a:rPr>
                               </m:ctrlPr>
                             </m:dPr>
@@ -20378,7 +20378,7 @@
                         <m:fPr>
                           <m:ctrlPr>
                             <a:rPr lang="en-US" b="0" i="1" smtClean="0">
-                              <a:latin typeface="Cambria Math" panose="02040503050406030204" pitchFamily="18" charset="0"/>
+                              <a:latin typeface="Cambria Math" charset="0"/>
                             </a:rPr>
                           </m:ctrlPr>
                         </m:fPr>
@@ -20393,7 +20393,7 @@
                             <m:dPr>
                               <m:ctrlPr>
                                 <a:rPr lang="en-US" b="0" i="1" smtClean="0">
-                                  <a:latin typeface="Cambria Math" panose="02040503050406030204" pitchFamily="18" charset="0"/>
+                                  <a:latin typeface="Cambria Math" charset="0"/>
                                 </a:rPr>
                               </m:ctrlPr>
                             </m:dPr>
@@ -20418,7 +20418,7 @@
                             <m:dPr>
                               <m:ctrlPr>
                                 <a:rPr lang="en-US" b="0" i="1" smtClean="0">
-                                  <a:latin typeface="Cambria Math" panose="02040503050406030204" pitchFamily="18" charset="0"/>
+                                  <a:latin typeface="Cambria Math" charset="0"/>
                                 </a:rPr>
                               </m:ctrlPr>
                             </m:dPr>
@@ -20443,7 +20443,7 @@
                         <m:sSubPr>
                           <m:ctrlPr>
                             <a:rPr lang="en-US" i="1">
-                              <a:latin typeface="Cambria Math" panose="02040503050406030204" pitchFamily="18" charset="0"/>
+                              <a:latin typeface="Cambria Math" charset="0"/>
                             </a:rPr>
                           </m:ctrlPr>
                         </m:sSubPr>
@@ -20462,7 +20462,7 @@
                               <m:endChr m:val="}"/>
                               <m:ctrlPr>
                                 <a:rPr lang="en-US" i="1">
-                                  <a:latin typeface="Cambria Math" panose="02040503050406030204" pitchFamily="18" charset="0"/>
+                                  <a:latin typeface="Cambria Math" charset="0"/>
                                 </a:rPr>
                               </m:ctrlPr>
                             </m:dPr>
@@ -20493,7 +20493,7 @@
                         <m:fPr>
                           <m:ctrlPr>
                             <a:rPr lang="en-US" b="0" i="1" smtClean="0">
-                              <a:latin typeface="Cambria Math" panose="02040503050406030204" pitchFamily="18" charset="0"/>
+                              <a:latin typeface="Cambria Math" charset="0"/>
                             </a:rPr>
                           </m:ctrlPr>
                         </m:fPr>
@@ -20502,7 +20502,7 @@
                             <m:naryPr>
                               <m:ctrlPr>
                                 <a:rPr lang="en-US" b="0" i="1" smtClean="0">
-                                  <a:latin typeface="Cambria Math" panose="02040503050406030204" pitchFamily="18" charset="0"/>
+                                  <a:latin typeface="Cambria Math" charset="0"/>
                                 </a:rPr>
                               </m:ctrlPr>
                             </m:naryPr>
@@ -20533,7 +20533,7 @@
                                 <m:dPr>
                                   <m:ctrlPr>
                                     <a:rPr lang="en-US" b="0" i="1" smtClean="0">
-                                      <a:latin typeface="Cambria Math" panose="02040503050406030204" pitchFamily="18" charset="0"/>
+                                      <a:latin typeface="Cambria Math" charset="0"/>
                                     </a:rPr>
                                   </m:ctrlPr>
                                 </m:dPr>
@@ -20556,7 +20556,7 @@
                                 <m:dPr>
                                   <m:ctrlPr>
                                     <a:rPr lang="en-US" b="0" i="1" smtClean="0">
-                                      <a:latin typeface="Cambria Math" panose="02040503050406030204" pitchFamily="18" charset="0"/>
+                                      <a:latin typeface="Cambria Math" charset="0"/>
                                     </a:rPr>
                                   </m:ctrlPr>
                                 </m:dPr>
@@ -20589,7 +20589,7 @@
                             <m:dPr>
                               <m:ctrlPr>
                                 <a:rPr lang="en-US" b="0" i="1" smtClean="0">
-                                  <a:latin typeface="Cambria Math" panose="02040503050406030204" pitchFamily="18" charset="0"/>
+                                  <a:latin typeface="Cambria Math" charset="0"/>
                                 </a:rPr>
                               </m:ctrlPr>
                             </m:dPr>
@@ -20629,7 +20629,7 @@
                         <m:sSubPr>
                           <m:ctrlPr>
                             <a:rPr lang="en-US" i="1">
-                              <a:latin typeface="Cambria Math" panose="02040503050406030204" pitchFamily="18" charset="0"/>
+                              <a:latin typeface="Cambria Math" charset="0"/>
                             </a:rPr>
                           </m:ctrlPr>
                         </m:sSubPr>
@@ -20648,7 +20648,7 @@
                               <m:endChr m:val="}"/>
                               <m:ctrlPr>
                                 <a:rPr lang="en-US" i="1">
-                                  <a:latin typeface="Cambria Math" panose="02040503050406030204" pitchFamily="18" charset="0"/>
+                                  <a:latin typeface="Cambria Math" charset="0"/>
                                 </a:rPr>
                               </m:ctrlPr>
                             </m:dPr>
@@ -20679,7 +20679,7 @@
                         <m:fPr>
                           <m:ctrlPr>
                             <a:rPr lang="en-US" b="0" i="1" smtClean="0">
-                              <a:latin typeface="Cambria Math" panose="02040503050406030204" pitchFamily="18" charset="0"/>
+                              <a:latin typeface="Cambria Math" charset="0"/>
                             </a:rPr>
                           </m:ctrlPr>
                         </m:fPr>
@@ -20688,7 +20688,7 @@
                             <m:naryPr>
                               <m:ctrlPr>
                                 <a:rPr lang="en-US" b="0" i="1" smtClean="0">
-                                  <a:latin typeface="Cambria Math" panose="02040503050406030204" pitchFamily="18" charset="0"/>
+                                  <a:latin typeface="Cambria Math" charset="0"/>
                                 </a:rPr>
                               </m:ctrlPr>
                             </m:naryPr>
@@ -20719,7 +20719,7 @@
                                 <m:dPr>
                                   <m:ctrlPr>
                                     <a:rPr lang="en-US" b="0" i="1" smtClean="0">
-                                      <a:latin typeface="Cambria Math" panose="02040503050406030204" pitchFamily="18" charset="0"/>
+                                      <a:latin typeface="Cambria Math" charset="0"/>
                                     </a:rPr>
                                   </m:ctrlPr>
                                 </m:dPr>
@@ -20752,7 +20752,7 @@
                             <m:dPr>
                               <m:ctrlPr>
                                 <a:rPr lang="en-US" b="0" i="1" smtClean="0">
-                                  <a:latin typeface="Cambria Math" panose="02040503050406030204" pitchFamily="18" charset="0"/>
+                                  <a:latin typeface="Cambria Math" charset="0"/>
                                 </a:rPr>
                               </m:ctrlPr>
                             </m:dPr>
@@ -20777,7 +20777,7 @@
                         <m:sSubPr>
                           <m:ctrlPr>
                             <a:rPr lang="en-US" i="1">
-                              <a:latin typeface="Cambria Math" panose="02040503050406030204" pitchFamily="18" charset="0"/>
+                              <a:latin typeface="Cambria Math" charset="0"/>
                             </a:rPr>
                           </m:ctrlPr>
                         </m:sSubPr>
@@ -20796,7 +20796,7 @@
                               <m:endChr m:val="}"/>
                               <m:ctrlPr>
                                 <a:rPr lang="en-US" i="1">
-                                  <a:latin typeface="Cambria Math" panose="02040503050406030204" pitchFamily="18" charset="0"/>
+                                  <a:latin typeface="Cambria Math" charset="0"/>
                                 </a:rPr>
                               </m:ctrlPr>
                             </m:dPr>
@@ -20827,7 +20827,7 @@
                         <m:fPr>
                           <m:ctrlPr>
                             <a:rPr lang="en-US" b="0" i="1" smtClean="0">
-                              <a:latin typeface="Cambria Math" panose="02040503050406030204" pitchFamily="18" charset="0"/>
+                              <a:latin typeface="Cambria Math" charset="0"/>
                             </a:rPr>
                           </m:ctrlPr>
                         </m:fPr>
@@ -20836,7 +20836,7 @@
                             <m:dPr>
                               <m:ctrlPr>
                                 <a:rPr lang="en-US" b="0" i="1" smtClean="0">
-                                  <a:latin typeface="Cambria Math" panose="02040503050406030204" pitchFamily="18" charset="0"/>
+                                  <a:latin typeface="Cambria Math" charset="0"/>
                                 </a:rPr>
                               </m:ctrlPr>
                             </m:dPr>
@@ -20851,7 +20851,7 @@
                                 <m:dPr>
                                   <m:ctrlPr>
                                     <a:rPr lang="en-US" b="0" i="1" smtClean="0">
-                                      <a:latin typeface="Cambria Math" panose="02040503050406030204" pitchFamily="18" charset="0"/>
+                                      <a:latin typeface="Cambria Math" charset="0"/>
                                     </a:rPr>
                                   </m:ctrlPr>
                                 </m:dPr>
@@ -20880,7 +20880,7 @@
                                 <m:dPr>
                                   <m:ctrlPr>
                                     <a:rPr lang="en-US" b="0" i="1" smtClean="0">
-                                      <a:latin typeface="Cambria Math" panose="02040503050406030204" pitchFamily="18" charset="0"/>
+                                      <a:latin typeface="Cambria Math" charset="0"/>
                                     </a:rPr>
                                   </m:ctrlPr>
                                 </m:dPr>
@@ -20907,7 +20907,7 @@
                             <m:dPr>
                               <m:ctrlPr>
                                 <a:rPr lang="en-US" b="0" i="1" smtClean="0">
-                                  <a:latin typeface="Cambria Math" panose="02040503050406030204" pitchFamily="18" charset="0"/>
+                                  <a:latin typeface="Cambria Math" charset="0"/>
                                 </a:rPr>
                               </m:ctrlPr>
                             </m:dPr>
@@ -21209,7 +21209,7 @@
                       <m:sSubPr>
                         <m:ctrlPr>
                           <a:rPr lang="en-US" b="0" i="1" smtClean="0">
-                            <a:latin typeface="Cambria Math" panose="02040503050406030204" pitchFamily="18" charset="0"/>
+                            <a:latin typeface="Cambria Math" charset="0"/>
                           </a:rPr>
                         </m:ctrlPr>
                       </m:sSubPr>
@@ -21240,7 +21240,7 @@
                       <m:sSubPr>
                         <m:ctrlPr>
                           <a:rPr lang="en-US" b="0" i="1" smtClean="0">
-                            <a:latin typeface="Cambria Math" panose="02040503050406030204" pitchFamily="18" charset="0"/>
+                            <a:latin typeface="Cambria Math" charset="0"/>
                           </a:rPr>
                         </m:ctrlPr>
                       </m:sSubPr>
@@ -21292,7 +21292,7 @@
                       <m:sSubPr>
                         <m:ctrlPr>
                           <a:rPr lang="en-US" b="0" i="1" smtClean="0">
-                            <a:latin typeface="Cambria Math" panose="02040503050406030204" pitchFamily="18" charset="0"/>
+                            <a:latin typeface="Cambria Math" charset="0"/>
                           </a:rPr>
                         </m:ctrlPr>
                       </m:sSubPr>
@@ -21323,7 +21323,7 @@
                       <m:dPr>
                         <m:ctrlPr>
                           <a:rPr lang="en-US" b="0" i="1" smtClean="0">
-                            <a:latin typeface="Cambria Math" panose="02040503050406030204" pitchFamily="18" charset="0"/>
+                            <a:latin typeface="Cambria Math" charset="0"/>
                           </a:rPr>
                         </m:ctrlPr>
                       </m:dPr>
@@ -21384,7 +21384,7 @@
                       <m:sSubPr>
                         <m:ctrlPr>
                           <a:rPr lang="en-US" b="0" i="1" smtClean="0">
-                            <a:latin typeface="Cambria Math" panose="02040503050406030204" pitchFamily="18" charset="0"/>
+                            <a:latin typeface="Cambria Math" charset="0"/>
                           </a:rPr>
                         </m:ctrlPr>
                       </m:sSubPr>
@@ -21415,7 +21415,7 @@
                       <m:sSubPr>
                         <m:ctrlPr>
                           <a:rPr lang="en-US" b="0" i="1" smtClean="0">
-                            <a:latin typeface="Cambria Math" panose="02040503050406030204" pitchFamily="18" charset="0"/>
+                            <a:latin typeface="Cambria Math" charset="0"/>
                           </a:rPr>
                         </m:ctrlPr>
                       </m:sSubPr>
@@ -21446,7 +21446,7 @@
                       <m:sSubPr>
                         <m:ctrlPr>
                           <a:rPr lang="en-US" b="0" i="1" smtClean="0">
-                            <a:latin typeface="Cambria Math" panose="02040503050406030204" pitchFamily="18" charset="0"/>
+                            <a:latin typeface="Cambria Math" charset="0"/>
                           </a:rPr>
                         </m:ctrlPr>
                       </m:sSubPr>
@@ -21624,7 +21624,7 @@
                         <m:sSubPr>
                           <m:ctrlPr>
                             <a:rPr lang="en-US" b="0" i="1" smtClean="0">
-                              <a:latin typeface="Cambria Math" panose="02040503050406030204" pitchFamily="18" charset="0"/>
+                              <a:latin typeface="Cambria Math" charset="0"/>
                             </a:rPr>
                           </m:ctrlPr>
                         </m:sSubPr>
@@ -21655,7 +21655,7 @@
                         <m:sSubPr>
                           <m:ctrlPr>
                             <a:rPr lang="en-US" b="0" i="1" smtClean="0">
-                              <a:latin typeface="Cambria Math" panose="02040503050406030204" pitchFamily="18" charset="0"/>
+                              <a:latin typeface="Cambria Math" charset="0"/>
                             </a:rPr>
                           </m:ctrlPr>
                         </m:sSubPr>
@@ -21910,7 +21910,7 @@
                         <m:sSubPr>
                           <m:ctrlPr>
                             <a:rPr lang="en-US" b="0" i="1" smtClean="0">
-                              <a:latin typeface="Cambria Math" panose="02040503050406030204" pitchFamily="18" charset="0"/>
+                              <a:latin typeface="Cambria Math" charset="0"/>
                             </a:rPr>
                           </m:ctrlPr>
                         </m:sSubPr>
@@ -21941,7 +21941,7 @@
                         <m:sSubPr>
                           <m:ctrlPr>
                             <a:rPr lang="en-US" b="0" i="1" smtClean="0">
-                              <a:latin typeface="Cambria Math" panose="02040503050406030204" pitchFamily="18" charset="0"/>
+                              <a:latin typeface="Cambria Math" charset="0"/>
                             </a:rPr>
                           </m:ctrlPr>
                         </m:sSubPr>
@@ -21996,7 +21996,7 @@
                         <m:sSubPr>
                           <m:ctrlPr>
                             <a:rPr lang="en-US" b="0" i="1" smtClean="0">
-                              <a:latin typeface="Cambria Math" panose="02040503050406030204" pitchFamily="18" charset="0"/>
+                              <a:latin typeface="Cambria Math" charset="0"/>
                             </a:rPr>
                           </m:ctrlPr>
                         </m:sSubPr>
@@ -22193,7 +22193,7 @@
                         <m:sSubPr>
                           <m:ctrlPr>
                             <a:rPr lang="en-US" b="0" i="1" smtClean="0">
-                              <a:latin typeface="Cambria Math" panose="02040503050406030204" pitchFamily="18" charset="0"/>
+                              <a:latin typeface="Cambria Math" charset="0"/>
                             </a:rPr>
                           </m:ctrlPr>
                         </m:sSubPr>
@@ -22225,7 +22225,7 @@
                           <m:chr m:val="∑"/>
                           <m:ctrlPr>
                             <a:rPr lang="en-US" b="0" i="1" smtClean="0">
-                              <a:latin typeface="Cambria Math" panose="02040503050406030204" pitchFamily="18" charset="0"/>
+                              <a:latin typeface="Cambria Math" charset="0"/>
                             </a:rPr>
                           </m:ctrlPr>
                         </m:naryPr>
@@ -22277,7 +22277,7 @@
                             <m:dPr>
                               <m:ctrlPr>
                                 <a:rPr lang="en-US" b="0" i="1" smtClean="0">
-                                  <a:latin typeface="Cambria Math" panose="02040503050406030204" pitchFamily="18" charset="0"/>
+                                  <a:latin typeface="Cambria Math" charset="0"/>
                                 </a:rPr>
                               </m:ctrlPr>
                             </m:dPr>
@@ -22286,7 +22286,7 @@
                                 <m:sSubPr>
                                   <m:ctrlPr>
                                     <a:rPr lang="en-US" b="0" i="1" smtClean="0">
-                                      <a:latin typeface="Cambria Math" panose="02040503050406030204" pitchFamily="18" charset="0"/>
+                                      <a:latin typeface="Cambria Math" charset="0"/>
                                     </a:rPr>
                                   </m:ctrlPr>
                                 </m:sSubPr>
@@ -22325,7 +22325,7 @@
                             <m:sSubPr>
                               <m:ctrlPr>
                                 <a:rPr lang="en-US" b="0" i="1" smtClean="0">
-                                  <a:latin typeface="Cambria Math" panose="02040503050406030204" pitchFamily="18" charset="0"/>
+                                  <a:latin typeface="Cambria Math" charset="0"/>
                                 </a:rPr>
                               </m:ctrlPr>
                             </m:sSubPr>
@@ -22373,7 +22373,7 @@
                         <m:sSubPr>
                           <m:ctrlPr>
                             <a:rPr lang="en-US" b="0" i="1" smtClean="0">
-                              <a:latin typeface="Cambria Math" panose="02040503050406030204" pitchFamily="18" charset="0"/>
+                              <a:latin typeface="Cambria Math" charset="0"/>
                             </a:rPr>
                           </m:ctrlPr>
                         </m:sSubPr>
@@ -22404,7 +22404,7 @@
                         <m:naryPr>
                           <m:ctrlPr>
                             <a:rPr lang="en-US" b="0" i="1" smtClean="0">
-                              <a:latin typeface="Cambria Math" panose="02040503050406030204" pitchFamily="18" charset="0"/>
+                              <a:latin typeface="Cambria Math" charset="0"/>
                             </a:rPr>
                           </m:ctrlPr>
                         </m:naryPr>
@@ -22435,7 +22435,7 @@
                             <m:dPr>
                               <m:ctrlPr>
                                 <a:rPr lang="en-US" b="0" i="1" smtClean="0">
-                                  <a:latin typeface="Cambria Math" panose="02040503050406030204" pitchFamily="18" charset="0"/>
+                                  <a:latin typeface="Cambria Math" charset="0"/>
                                 </a:rPr>
                               </m:ctrlPr>
                             </m:dPr>
@@ -22458,7 +22458,7 @@
                             <m:dPr>
                               <m:ctrlPr>
                                 <a:rPr lang="en-US" b="0" i="1" smtClean="0">
-                                  <a:latin typeface="Cambria Math" panose="02040503050406030204" pitchFamily="18" charset="0"/>
+                                  <a:latin typeface="Cambria Math" charset="0"/>
                                 </a:rPr>
                               </m:ctrlPr>
                             </m:dPr>
@@ -22481,7 +22481,7 @@
                             <m:dPr>
                               <m:ctrlPr>
                                 <a:rPr lang="en-US" b="0" i="1" smtClean="0">
-                                  <a:latin typeface="Cambria Math" panose="02040503050406030204" pitchFamily="18" charset="0"/>
+                                  <a:latin typeface="Cambria Math" charset="0"/>
                                 </a:rPr>
                               </m:ctrlPr>
                             </m:dPr>
@@ -22498,7 +22498,7 @@
                             <m:dPr>
                               <m:ctrlPr>
                                 <a:rPr lang="en-US" b="0" i="1" smtClean="0">
-                                  <a:latin typeface="Cambria Math" panose="02040503050406030204" pitchFamily="18" charset="0"/>
+                                  <a:latin typeface="Cambria Math" charset="0"/>
                                 </a:rPr>
                               </m:ctrlPr>
                             </m:dPr>
@@ -22550,7 +22550,7 @@
                       <m:dPr>
                         <m:ctrlPr>
                           <a:rPr lang="en-US" b="0" i="1" smtClean="0">
-                            <a:latin typeface="Cambria Math" panose="02040503050406030204" pitchFamily="18" charset="0"/>
+                            <a:latin typeface="Cambria Math" charset="0"/>
                           </a:rPr>
                         </m:ctrlPr>
                       </m:dPr>
@@ -22575,7 +22575,7 @@
                       <m:sSubPr>
                         <m:ctrlPr>
                           <a:rPr lang="en-US" b="0" i="1" smtClean="0">
-                            <a:latin typeface="Cambria Math" panose="02040503050406030204" pitchFamily="18" charset="0"/>
+                            <a:latin typeface="Cambria Math" charset="0"/>
                           </a:rPr>
                         </m:ctrlPr>
                       </m:sSubPr>
@@ -22616,7 +22616,7 @@
                       <m:sSubPr>
                         <m:ctrlPr>
                           <a:rPr lang="en-US" b="0" i="1" smtClean="0">
-                            <a:latin typeface="Cambria Math" panose="02040503050406030204" pitchFamily="18" charset="0"/>
+                            <a:latin typeface="Cambria Math" charset="0"/>
                           </a:rPr>
                         </m:ctrlPr>
                       </m:sSubPr>
@@ -22794,7 +22794,7 @@
                         <m:dPr>
                           <m:ctrlPr>
                             <a:rPr lang="en-US" b="0" i="1" smtClean="0">
-                              <a:latin typeface="Cambria Math" panose="02040503050406030204" pitchFamily="18" charset="0"/>
+                              <a:latin typeface="Cambria Math" charset="0"/>
                             </a:rPr>
                           </m:ctrlPr>
                         </m:dPr>
@@ -23150,7 +23150,7 @@
                       <m:sSubPr>
                         <m:ctrlPr>
                           <a:rPr lang="en-US" b="0" i="1" smtClean="0">
-                            <a:latin typeface="Cambria Math" panose="02040503050406030204" pitchFamily="18" charset="0"/>
+                            <a:latin typeface="Cambria Math" charset="0"/>
                           </a:rPr>
                         </m:ctrlPr>
                       </m:sSubPr>
@@ -23194,7 +23194,7 @@
                       <m:sSubPr>
                         <m:ctrlPr>
                           <a:rPr lang="en-US" b="0" i="1" smtClean="0">
-                            <a:latin typeface="Cambria Math" panose="02040503050406030204" pitchFamily="18" charset="0"/>
+                            <a:latin typeface="Cambria Math" charset="0"/>
                           </a:rPr>
                         </m:ctrlPr>
                       </m:sSubPr>
@@ -23238,7 +23238,7 @@
                       <m:sSubPr>
                         <m:ctrlPr>
                           <a:rPr lang="en-US" b="0" i="1" smtClean="0">
-                            <a:latin typeface="Cambria Math" panose="02040503050406030204" pitchFamily="18" charset="0"/>
+                            <a:latin typeface="Cambria Math" charset="0"/>
                           </a:rPr>
                         </m:ctrlPr>
                       </m:sSubPr>
@@ -23312,7 +23312,7 @@
                       <m:sSubPr>
                         <m:ctrlPr>
                           <a:rPr lang="en-US" b="0" i="1" smtClean="0">
-                            <a:latin typeface="Cambria Math" panose="02040503050406030204" pitchFamily="18" charset="0"/>
+                            <a:latin typeface="Cambria Math" charset="0"/>
                           </a:rPr>
                         </m:ctrlPr>
                       </m:sSubPr>
@@ -23363,7 +23363,7 @@
                       <m:sSubPr>
                         <m:ctrlPr>
                           <a:rPr lang="en-US" b="0" i="1" smtClean="0">
-                            <a:latin typeface="Cambria Math" panose="02040503050406030204" pitchFamily="18" charset="0"/>
+                            <a:latin typeface="Cambria Math" charset="0"/>
                           </a:rPr>
                         </m:ctrlPr>
                       </m:sSubPr>
@@ -23394,7 +23394,7 @@
                       <m:sSubPr>
                         <m:ctrlPr>
                           <a:rPr lang="en-US" b="0" i="1" smtClean="0">
-                            <a:latin typeface="Cambria Math" panose="02040503050406030204" pitchFamily="18" charset="0"/>
+                            <a:latin typeface="Cambria Math" charset="0"/>
                           </a:rPr>
                         </m:ctrlPr>
                       </m:sSubPr>
@@ -23445,7 +23445,7 @@
                       <m:sSubPr>
                         <m:ctrlPr>
                           <a:rPr lang="en-US" b="0" i="1" smtClean="0">
-                            <a:latin typeface="Cambria Math" panose="02040503050406030204" pitchFamily="18" charset="0"/>
+                            <a:latin typeface="Cambria Math" charset="0"/>
                           </a:rPr>
                         </m:ctrlPr>
                       </m:sSubPr>
@@ -23654,7 +23654,7 @@
                         <m:sSubPr>
                           <m:ctrlPr>
                             <a:rPr lang="en-US" b="0" i="1" smtClean="0">
-                              <a:latin typeface="Cambria Math" panose="02040503050406030204" pitchFamily="18" charset="0"/>
+                              <a:latin typeface="Cambria Math" charset="0"/>
                             </a:rPr>
                           </m:ctrlPr>
                         </m:sSubPr>
@@ -23685,7 +23685,7 @@
                         <m:funcPr>
                           <m:ctrlPr>
                             <a:rPr lang="en-US" b="0" i="1" smtClean="0">
-                              <a:latin typeface="Cambria Math" panose="02040503050406030204" pitchFamily="18" charset="0"/>
+                              <a:latin typeface="Cambria Math" charset="0"/>
                             </a:rPr>
                           </m:ctrlPr>
                         </m:funcPr>
@@ -23705,7 +23705,7 @@
                             <m:dPr>
                               <m:ctrlPr>
                                 <a:rPr lang="en-US" b="0" i="1" smtClean="0">
-                                  <a:latin typeface="Cambria Math" panose="02040503050406030204" pitchFamily="18" charset="0"/>
+                                  <a:latin typeface="Cambria Math" charset="0"/>
                                 </a:rPr>
                               </m:ctrlPr>
                             </m:dPr>
@@ -23714,7 +23714,7 @@
                                 <m:sSubPr>
                                   <m:ctrlPr>
                                     <a:rPr lang="en-US" b="0" i="1" smtClean="0">
-                                      <a:latin typeface="Cambria Math" panose="02040503050406030204" pitchFamily="18" charset="0"/>
+                                      <a:latin typeface="Cambria Math" charset="0"/>
                                     </a:rPr>
                                   </m:ctrlPr>
                                 </m:sSubPr>
@@ -23767,7 +23767,7 @@
                         <m:sSupPr>
                           <m:ctrlPr>
                             <a:rPr lang="en-US" b="0" i="1" smtClean="0">
-                              <a:latin typeface="Cambria Math" panose="02040503050406030204" pitchFamily="18" charset="0"/>
+                              <a:latin typeface="Cambria Math" charset="0"/>
                             </a:rPr>
                           </m:ctrlPr>
                         </m:sSupPr>
@@ -23776,7 +23776,7 @@
                             <m:dPr>
                               <m:ctrlPr>
                                 <a:rPr lang="en-US" b="0" i="1" smtClean="0">
-                                  <a:latin typeface="Cambria Math" panose="02040503050406030204" pitchFamily="18" charset="0"/>
+                                  <a:latin typeface="Cambria Math" charset="0"/>
                                 </a:rPr>
                               </m:ctrlPr>
                             </m:dPr>
@@ -23785,7 +23785,7 @@
                                 <m:sSubPr>
                                   <m:ctrlPr>
                                     <a:rPr lang="en-US" b="0" i="1" smtClean="0">
-                                      <a:latin typeface="Cambria Math" panose="02040503050406030204" pitchFamily="18" charset="0"/>
+                                      <a:latin typeface="Cambria Math" charset="0"/>
                                     </a:rPr>
                                   </m:ctrlPr>
                                 </m:sSubPr>
@@ -23849,7 +23849,7 @@
                         <m:sSubPr>
                           <m:ctrlPr>
                             <a:rPr lang="en-US" b="0" i="1" smtClean="0">
-                              <a:latin typeface="Cambria Math" panose="02040503050406030204" pitchFamily="18" charset="0"/>
+                              <a:latin typeface="Cambria Math" charset="0"/>
                             </a:rPr>
                           </m:ctrlPr>
                         </m:sSubPr>
@@ -23880,7 +23880,7 @@
                         <m:funcPr>
                           <m:ctrlPr>
                             <a:rPr lang="en-US" b="0" i="1" smtClean="0">
-                              <a:latin typeface="Cambria Math" panose="02040503050406030204" pitchFamily="18" charset="0"/>
+                              <a:latin typeface="Cambria Math" charset="0"/>
                             </a:rPr>
                           </m:ctrlPr>
                         </m:funcPr>
@@ -23900,7 +23900,7 @@
                             <m:dPr>
                               <m:ctrlPr>
                                 <a:rPr lang="en-US" b="0" i="1" smtClean="0">
-                                  <a:latin typeface="Cambria Math" panose="02040503050406030204" pitchFamily="18" charset="0"/>
+                                  <a:latin typeface="Cambria Math" charset="0"/>
                                 </a:rPr>
                               </m:ctrlPr>
                             </m:dPr>
@@ -23909,7 +23909,7 @@
                                 <m:sSubPr>
                                   <m:ctrlPr>
                                     <a:rPr lang="en-US" b="0" i="1" smtClean="0">
-                                      <a:latin typeface="Cambria Math" panose="02040503050406030204" pitchFamily="18" charset="0"/>
+                                      <a:latin typeface="Cambria Math" charset="0"/>
                                     </a:rPr>
                                   </m:ctrlPr>
                                 </m:sSubPr>
@@ -23968,7 +23968,7 @@
                         <m:sSupPr>
                           <m:ctrlPr>
                             <a:rPr lang="en-US" b="0" i="1" smtClean="0">
-                              <a:latin typeface="Cambria Math" panose="02040503050406030204" pitchFamily="18" charset="0"/>
+                              <a:latin typeface="Cambria Math" charset="0"/>
                             </a:rPr>
                           </m:ctrlPr>
                         </m:sSupPr>
@@ -23977,7 +23977,7 @@
                             <m:dPr>
                               <m:ctrlPr>
                                 <a:rPr lang="en-US" b="0" i="1" smtClean="0">
-                                  <a:latin typeface="Cambria Math" panose="02040503050406030204" pitchFamily="18" charset="0"/>
+                                  <a:latin typeface="Cambria Math" charset="0"/>
                                 </a:rPr>
                               </m:ctrlPr>
                             </m:dPr>
@@ -23998,7 +23998,7 @@
                                 <m:sSubPr>
                                   <m:ctrlPr>
                                     <a:rPr lang="en-US" b="0" i="1" smtClean="0">
-                                      <a:latin typeface="Cambria Math" panose="02040503050406030204" pitchFamily="18" charset="0"/>
+                                      <a:latin typeface="Cambria Math" charset="0"/>
                                     </a:rPr>
                                   </m:ctrlPr>
                                 </m:sSubPr>
@@ -24096,7 +24096,7 @@
                         <m:fPr>
                           <m:ctrlPr>
                             <a:rPr lang="en-US" b="0" i="1" smtClean="0">
-                              <a:latin typeface="Cambria Math" panose="02040503050406030204" pitchFamily="18" charset="0"/>
+                              <a:latin typeface="Cambria Math" charset="0"/>
                             </a:rPr>
                           </m:ctrlPr>
                         </m:fPr>
@@ -24111,7 +24111,7 @@
                             <m:sSubPr>
                               <m:ctrlPr>
                                 <a:rPr lang="en-US" b="0" i="1" smtClean="0">
-                                  <a:latin typeface="Cambria Math" panose="02040503050406030204" pitchFamily="18" charset="0"/>
+                                  <a:latin typeface="Cambria Math" charset="0"/>
                                 </a:rPr>
                               </m:ctrlPr>
                             </m:sSubPr>
@@ -24138,7 +24138,7 @@
                             <m:sSubPr>
                               <m:ctrlPr>
                                 <a:rPr lang="en-US" b="0" i="1" smtClean="0">
-                                  <a:latin typeface="Cambria Math" panose="02040503050406030204" pitchFamily="18" charset="0"/>
+                                  <a:latin typeface="Cambria Math" charset="0"/>
                                 </a:rPr>
                               </m:ctrlPr>
                             </m:sSubPr>
@@ -24171,7 +24171,7 @@
                         <m:sSubPr>
                           <m:ctrlPr>
                             <a:rPr lang="en-US" b="0" i="1" smtClean="0">
-                              <a:latin typeface="Cambria Math" panose="02040503050406030204" pitchFamily="18" charset="0"/>
+                              <a:latin typeface="Cambria Math" charset="0"/>
                             </a:rPr>
                           </m:ctrlPr>
                         </m:sSubPr>
@@ -24208,7 +24208,7 @@
                         <m:sSubPr>
                           <m:ctrlPr>
                             <a:rPr lang="en-US" b="0" i="1" smtClean="0">
-                              <a:latin typeface="Cambria Math" panose="02040503050406030204" pitchFamily="18" charset="0"/>
+                              <a:latin typeface="Cambria Math" charset="0"/>
                             </a:rPr>
                           </m:ctrlPr>
                         </m:sSubPr>
@@ -24239,7 +24239,7 @@
                         <m:sSubPr>
                           <m:ctrlPr>
                             <a:rPr lang="en-US" b="0" i="1" smtClean="0">
-                              <a:latin typeface="Cambria Math" panose="02040503050406030204" pitchFamily="18" charset="0"/>
+                              <a:latin typeface="Cambria Math" charset="0"/>
                             </a:rPr>
                           </m:ctrlPr>
                         </m:sSubPr>
@@ -24408,7 +24408,7 @@
                         <m:funcPr>
                           <m:ctrlPr>
                             <a:rPr lang="en-US" b="0" i="1" smtClean="0">
-                              <a:latin typeface="Cambria Math" panose="02040503050406030204" pitchFamily="18" charset="0"/>
+                              <a:latin typeface="Cambria Math" charset="0"/>
                             </a:rPr>
                           </m:ctrlPr>
                         </m:funcPr>
@@ -24428,7 +24428,7 @@
                             <m:dPr>
                               <m:ctrlPr>
                                 <a:rPr lang="en-US" b="0" i="1" smtClean="0">
-                                  <a:latin typeface="Cambria Math" panose="02040503050406030204" pitchFamily="18" charset="0"/>
+                                  <a:latin typeface="Cambria Math" charset="0"/>
                                 </a:rPr>
                               </m:ctrlPr>
                             </m:dPr>
@@ -24437,7 +24437,7 @@
                                 <m:sSubPr>
                                   <m:ctrlPr>
                                     <a:rPr lang="en-US" b="0" i="1" smtClean="0">
-                                      <a:latin typeface="Cambria Math" panose="02040503050406030204" pitchFamily="18" charset="0"/>
+                                      <a:latin typeface="Cambria Math" charset="0"/>
                                     </a:rPr>
                                   </m:ctrlPr>
                                 </m:sSubPr>
@@ -24490,7 +24490,7 @@
                         <m:dPr>
                           <m:ctrlPr>
                             <a:rPr lang="en-US" b="0" i="1" smtClean="0">
-                              <a:latin typeface="Cambria Math" panose="02040503050406030204" pitchFamily="18" charset="0"/>
+                              <a:latin typeface="Cambria Math" charset="0"/>
                             </a:rPr>
                           </m:ctrlPr>
                         </m:dPr>
@@ -24499,7 +24499,7 @@
                             <m:fPr>
                               <m:ctrlPr>
                                 <a:rPr lang="en-US" b="0" i="1" smtClean="0">
-                                  <a:latin typeface="Cambria Math" panose="02040503050406030204" pitchFamily="18" charset="0"/>
+                                  <a:latin typeface="Cambria Math" charset="0"/>
                                 </a:rPr>
                               </m:ctrlPr>
                             </m:fPr>
@@ -24508,7 +24508,7 @@
                                 <m:funcPr>
                                   <m:ctrlPr>
                                     <a:rPr lang="en-US" b="0" i="1" smtClean="0">
-                                      <a:latin typeface="Cambria Math" panose="02040503050406030204" pitchFamily="18" charset="0"/>
+                                      <a:latin typeface="Cambria Math" charset="0"/>
                                     </a:rPr>
                                   </m:ctrlPr>
                                 </m:funcPr>
@@ -24528,7 +24528,7 @@
                                     <m:dPr>
                                       <m:ctrlPr>
                                         <a:rPr lang="en-US" b="0" i="1" smtClean="0">
-                                          <a:latin typeface="Cambria Math" panose="02040503050406030204" pitchFamily="18" charset="0"/>
+                                          <a:latin typeface="Cambria Math" charset="0"/>
                                         </a:rPr>
                                       </m:ctrlPr>
                                     </m:dPr>
@@ -24538,7 +24538,7 @@
                                           <m:type m:val="lin"/>
                                           <m:ctrlPr>
                                             <a:rPr lang="en-US" b="0" i="1" smtClean="0">
-                                              <a:latin typeface="Cambria Math" panose="02040503050406030204" pitchFamily="18" charset="0"/>
+                                              <a:latin typeface="Cambria Math" charset="0"/>
                                             </a:rPr>
                                           </m:ctrlPr>
                                         </m:fPr>
@@ -24555,7 +24555,7 @@
                                             <m:sSubPr>
                                               <m:ctrlPr>
                                                 <a:rPr lang="en-US" b="0" i="1" smtClean="0">
-                                                  <a:latin typeface="Cambria Math" panose="02040503050406030204" pitchFamily="18" charset="0"/>
+                                                  <a:latin typeface="Cambria Math" charset="0"/>
                                                 </a:rPr>
                                               </m:ctrlPr>
                                             </m:sSubPr>
@@ -24594,7 +24594,7 @@
                                         <m:dPr>
                                           <m:ctrlPr>
                                             <a:rPr lang="en-US" b="0" i="1" smtClean="0">
-                                              <a:latin typeface="Cambria Math" panose="02040503050406030204" pitchFamily="18" charset="0"/>
+                                              <a:latin typeface="Cambria Math" charset="0"/>
                                             </a:rPr>
                                           </m:ctrlPr>
                                         </m:dPr>
@@ -24603,7 +24603,7 @@
                                             <m:sSubPr>
                                               <m:ctrlPr>
                                                 <a:rPr lang="en-US" b="0" i="1" smtClean="0">
-                                                  <a:latin typeface="Cambria Math" panose="02040503050406030204" pitchFamily="18" charset="0"/>
+                                                  <a:latin typeface="Cambria Math" charset="0"/>
                                                 </a:rPr>
                                               </m:ctrlPr>
                                             </m:sSubPr>
@@ -24634,7 +24634,7 @@
                                             <m:fPr>
                                               <m:ctrlPr>
                                                 <a:rPr lang="en-US" b="0" i="1" smtClean="0">
-                                                  <a:latin typeface="Cambria Math" panose="02040503050406030204" pitchFamily="18" charset="0"/>
+                                                  <a:latin typeface="Cambria Math" charset="0"/>
                                                 </a:rPr>
                                               </m:ctrlPr>
                                             </m:fPr>
@@ -24665,7 +24665,7 @@
                                             <m:sSubSupPr>
                                               <m:ctrlPr>
                                                 <a:rPr lang="en-US" b="0" i="1" smtClean="0">
-                                                  <a:latin typeface="Cambria Math" panose="02040503050406030204" pitchFamily="18" charset="0"/>
+                                                  <a:latin typeface="Cambria Math" charset="0"/>
                                                 </a:rPr>
                                               </m:ctrlPr>
                                             </m:sSubSupPr>
@@ -24712,7 +24712,7 @@
                                 <m:sSubPr>
                                   <m:ctrlPr>
                                     <a:rPr lang="en-US" b="0" i="1" smtClean="0">
-                                      <a:latin typeface="Cambria Math" panose="02040503050406030204" pitchFamily="18" charset="0"/>
+                                      <a:latin typeface="Cambria Math" charset="0"/>
                                     </a:rPr>
                                   </m:ctrlPr>
                                 </m:sSubPr>
@@ -24738,7 +24738,7 @@
                                   <m:degHide m:val="on"/>
                                   <m:ctrlPr>
                                     <a:rPr lang="en-US" b="0" i="1" smtClean="0">
-                                      <a:latin typeface="Cambria Math" panose="02040503050406030204" pitchFamily="18" charset="0"/>
+                                      <a:latin typeface="Cambria Math" charset="0"/>
                                     </a:rPr>
                                   </m:ctrlPr>
                                 </m:radPr>
@@ -24775,7 +24775,7 @@
                       <m:sSubPr>
                         <m:ctrlPr>
                           <a:rPr lang="en-US" b="0" i="1" smtClean="0">
-                            <a:latin typeface="Cambria Math" panose="02040503050406030204" pitchFamily="18" charset="0"/>
+                            <a:latin typeface="Cambria Math" charset="0"/>
                           </a:rPr>
                         </m:ctrlPr>
                       </m:sSubPr>
@@ -24922,8 +24922,8 @@
           </a:p>
         </p:txBody>
       </p:sp>
-      <mc:AlternateContent xmlns:mc="http://schemas.openxmlformats.org/markup-compatibility/2006">
-        <mc:Choice xmlns:a14="http://schemas.microsoft.com/office/drawing/2010/main" Requires="a14">
+      <mc:AlternateContent xmlns:mc="http://schemas.openxmlformats.org/markup-compatibility/2006" xmlns:a14="http://schemas.microsoft.com/office/drawing/2010/main">
+        <mc:Choice Requires="a14">
           <p:sp>
             <p:nvSpPr>
               <p:cNvPr id="3" name="Content Placeholder 2"/>
@@ -24986,7 +24986,7 @@
                       <m:sSubPr>
                         <m:ctrlPr>
                           <a:rPr lang="en-US" b="0" i="1" smtClean="0">
-                            <a:latin typeface="Cambria Math" panose="02040503050406030204" pitchFamily="18" charset="0"/>
+                            <a:latin typeface="Cambria Math" charset="0"/>
                           </a:rPr>
                         </m:ctrlPr>
                       </m:sSubPr>
@@ -25017,15 +25017,7 @@
                 </a14:m>
                 <a:r>
                   <a:rPr lang="en-US" dirty="0" smtClean="0"/>
-                  <a:t> does not depend on the way the firm is </a:t>
-                </a:r>
-                <a:r>
-                  <a:rPr lang="en-US" dirty="0" smtClean="0"/>
-                  <a:t>financed, </a:t>
-                </a:r>
-                <a:r>
-                  <a:rPr lang="en-US" dirty="0" smtClean="0"/>
-                  <a:t>i.e. does not depend on </a:t>
+                  <a:t> does not depend on the way the firm is financed, i.e. does not depend on </a:t>
                 </a:r>
                 <a14:m>
                   <m:oMath xmlns:m="http://schemas.openxmlformats.org/officeDocument/2006/math">
@@ -25055,7 +25047,7 @@
                       <m:sSubPr>
                         <m:ctrlPr>
                           <a:rPr lang="en-US" b="0" i="1" smtClean="0">
-                            <a:latin typeface="Cambria Math" panose="02040503050406030204" pitchFamily="18" charset="0"/>
+                            <a:latin typeface="Cambria Math" charset="0"/>
                           </a:rPr>
                         </m:ctrlPr>
                       </m:sSubPr>
@@ -25088,7 +25080,7 @@
                       <m:sSubPr>
                         <m:ctrlPr>
                           <a:rPr lang="en-US" b="0" i="1" smtClean="0">
-                            <a:latin typeface="Cambria Math" panose="02040503050406030204" pitchFamily="18" charset="0"/>
+                            <a:latin typeface="Cambria Math" charset="0"/>
                           </a:rPr>
                         </m:ctrlPr>
                       </m:sSubPr>
@@ -25129,7 +25121,7 @@
                       <m:sSubPr>
                         <m:ctrlPr>
                           <a:rPr lang="en-US" b="0" i="1" smtClean="0">
-                            <a:latin typeface="Cambria Math" panose="02040503050406030204" pitchFamily="18" charset="0"/>
+                            <a:latin typeface="Cambria Math" charset="0"/>
                           </a:rPr>
                         </m:ctrlPr>
                       </m:sSubPr>
@@ -25161,7 +25153,7 @@
             </p:txBody>
           </p:sp>
         </mc:Choice>
-        <mc:Fallback>
+        <mc:Fallback xmlns="">
           <p:sp>
             <p:nvSpPr>
               <p:cNvPr id="3" name="Content Placeholder 2"/>
@@ -25254,7 +25246,7 @@
                       <m:sSubPr>
                         <m:ctrlPr>
                           <a:rPr lang="en-US" b="0" i="1" smtClean="0">
-                            <a:latin typeface="Cambria Math" panose="02040503050406030204" pitchFamily="18" charset="0"/>
+                            <a:latin typeface="Cambria Math" charset="0"/>
                           </a:rPr>
                         </m:ctrlPr>
                       </m:sSubPr>
@@ -25358,7 +25350,7 @@
                       <m:sSubPr>
                         <m:ctrlPr>
                           <a:rPr lang="en-US" b="0" i="1" smtClean="0">
-                            <a:latin typeface="Cambria Math" panose="02040503050406030204" pitchFamily="18" charset="0"/>
+                            <a:latin typeface="Cambria Math" charset="0"/>
                           </a:rPr>
                         </m:ctrlPr>
                       </m:sSubPr>
@@ -25431,7 +25423,7 @@
                       <m:dPr>
                         <m:ctrlPr>
                           <a:rPr lang="en-US" b="0" i="1" smtClean="0">
-                            <a:latin typeface="Cambria Math" panose="02040503050406030204" pitchFamily="18" charset="0"/>
+                            <a:latin typeface="Cambria Math" charset="0"/>
                           </a:rPr>
                         </m:ctrlPr>
                       </m:dPr>
@@ -25452,7 +25444,7 @@
                           <m:sSubPr>
                             <m:ctrlPr>
                               <a:rPr lang="en-US" b="0" i="1" smtClean="0">
-                                <a:latin typeface="Cambria Math" panose="02040503050406030204" pitchFamily="18" charset="0"/>
+                                <a:latin typeface="Cambria Math" charset="0"/>
                               </a:rPr>
                             </m:ctrlPr>
                           </m:sSubPr>
@@ -25508,7 +25500,7 @@
                         <m:fPr>
                           <m:ctrlPr>
                             <a:rPr lang="en-US" b="0" i="1" smtClean="0">
-                              <a:latin typeface="Cambria Math" panose="02040503050406030204" pitchFamily="18" charset="0"/>
+                              <a:latin typeface="Cambria Math" charset="0"/>
                             </a:rPr>
                           </m:ctrlPr>
                         </m:fPr>
@@ -25551,7 +25543,7 @@
                         <m:fPr>
                           <m:ctrlPr>
                             <a:rPr lang="en-US" b="0" i="1" smtClean="0">
-                              <a:latin typeface="Cambria Math" panose="02040503050406030204" pitchFamily="18" charset="0"/>
+                              <a:latin typeface="Cambria Math" charset="0"/>
                             </a:rPr>
                           </m:ctrlPr>
                         </m:fPr>
@@ -25576,7 +25568,7 @@
                         <m:fPr>
                           <m:ctrlPr>
                             <a:rPr lang="en-US" b="0" i="1" smtClean="0">
-                              <a:latin typeface="Cambria Math" panose="02040503050406030204" pitchFamily="18" charset="0"/>
+                              <a:latin typeface="Cambria Math" charset="0"/>
                             </a:rPr>
                           </m:ctrlPr>
                         </m:fPr>
@@ -25585,7 +25577,7 @@
                             <m:sSupPr>
                               <m:ctrlPr>
                                 <a:rPr lang="en-US" b="0" i="1" smtClean="0">
-                                  <a:latin typeface="Cambria Math" panose="02040503050406030204" pitchFamily="18" charset="0"/>
+                                  <a:latin typeface="Cambria Math" charset="0"/>
                                 </a:rPr>
                               </m:ctrlPr>
                             </m:sSupPr>
@@ -25624,7 +25616,7 @@
                             <m:sSupPr>
                               <m:ctrlPr>
                                 <a:rPr lang="en-US" b="0" i="1" smtClean="0">
-                                  <a:latin typeface="Cambria Math" panose="02040503050406030204" pitchFamily="18" charset="0"/>
+                                  <a:latin typeface="Cambria Math" charset="0"/>
                                 </a:rPr>
                               </m:ctrlPr>
                             </m:sSupPr>
@@ -25663,7 +25655,7 @@
                         <m:fPr>
                           <m:ctrlPr>
                             <a:rPr lang="en-US" b="0" i="1" smtClean="0">
-                              <a:latin typeface="Cambria Math" panose="02040503050406030204" pitchFamily="18" charset="0"/>
+                              <a:latin typeface="Cambria Math" charset="0"/>
                             </a:rPr>
                           </m:ctrlPr>
                         </m:fPr>
@@ -25748,7 +25740,7 @@
                         <m:dPr>
                           <m:ctrlPr>
                             <a:rPr lang="en-US" b="0" i="1" smtClean="0">
-                              <a:latin typeface="Cambria Math" panose="02040503050406030204" pitchFamily="18" charset="0"/>
+                              <a:latin typeface="Cambria Math" charset="0"/>
                             </a:rPr>
                           </m:ctrlPr>
                         </m:dPr>
@@ -25769,7 +25761,7 @@
                             <m:sSubPr>
                               <m:ctrlPr>
                                 <a:rPr lang="en-US" b="0" i="1" smtClean="0">
-                                  <a:latin typeface="Cambria Math" panose="02040503050406030204" pitchFamily="18" charset="0"/>
+                                  <a:latin typeface="Cambria Math" charset="0"/>
                                 </a:rPr>
                               </m:ctrlPr>
                             </m:sSubPr>
@@ -25802,7 +25794,7 @@
                         <m:sSupPr>
                           <m:ctrlPr>
                             <a:rPr lang="en-US" b="0" i="1" smtClean="0">
-                              <a:latin typeface="Cambria Math" panose="02040503050406030204" pitchFamily="18" charset="0"/>
+                              <a:latin typeface="Cambria Math" charset="0"/>
                             </a:rPr>
                           </m:ctrlPr>
                         </m:sSupPr>
@@ -25833,7 +25825,7 @@
                         <m:sSupPr>
                           <m:ctrlPr>
                             <a:rPr lang="en-US" b="0" i="1" smtClean="0">
-                              <a:latin typeface="Cambria Math" panose="02040503050406030204" pitchFamily="18" charset="0"/>
+                              <a:latin typeface="Cambria Math" charset="0"/>
                             </a:rPr>
                           </m:ctrlPr>
                         </m:sSupPr>
@@ -25862,7 +25854,7 @@
                             <m:dPr>
                               <m:ctrlPr>
                                 <a:rPr lang="en-US" b="0" i="1" smtClean="0">
-                                  <a:latin typeface="Cambria Math" panose="02040503050406030204" pitchFamily="18" charset="0"/>
+                                  <a:latin typeface="Cambria Math" charset="0"/>
                                 </a:rPr>
                               </m:ctrlPr>
                             </m:dPr>
@@ -25905,7 +25897,7 @@
                         <m:sSubPr>
                           <m:ctrlPr>
                             <a:rPr lang="en-US" b="0" i="1" smtClean="0">
-                              <a:latin typeface="Cambria Math" panose="02040503050406030204" pitchFamily="18" charset="0"/>
+                              <a:latin typeface="Cambria Math" charset="0"/>
                             </a:rPr>
                           </m:ctrlPr>
                         </m:sSubPr>
@@ -25936,7 +25928,7 @@
                         <m:sSubPr>
                           <m:ctrlPr>
                             <a:rPr lang="en-US" b="0" i="1" smtClean="0">
-                              <a:latin typeface="Cambria Math" panose="02040503050406030204" pitchFamily="18" charset="0"/>
+                              <a:latin typeface="Cambria Math" charset="0"/>
                             </a:rPr>
                           </m:ctrlPr>
                         </m:sSubPr>
